--- a/Kanta/pagdayeg/^Alelu Alelu Aleluya.pptx
+++ b/Kanta/pagdayeg/^Alelu Alelu Aleluya.pptx
@@ -11,8 +11,8 @@
     <p:sldId id="256" r:id="rId2"/>
     <p:sldId id="381" r:id="rId3"/>
     <p:sldId id="382" r:id="rId4"/>
-    <p:sldId id="702" r:id="rId5"/>
-    <p:sldId id="703" r:id="rId6"/>
+    <p:sldId id="951" r:id="rId5"/>
+    <p:sldId id="952" r:id="rId6"/>
   </p:sldIdLst>
   <p:sldSz cx="12192000" cy="6858000"/>
   <p:notesSz cx="6858000" cy="9144000"/>
@@ -201,7 +201,7 @@
           <a:p>
             <a:fld id="{2E860BF0-D007-460F-BF20-9BF0E803D277}" type="datetimeFigureOut">
               <a:rPr lang="en-US" smtClean="0"/>
-              <a:t>2/15/2025</a:t>
+              <a:t>1/5/2026</a:t>
             </a:fld>
             <a:endParaRPr lang="en-US"/>
           </a:p>
@@ -615,7 +615,7 @@
           <a:p>
             <a:fld id="{689CB065-93CC-4F93-97CB-5160E2F98F73}" type="datetimeFigureOut">
               <a:rPr lang="en-US" smtClean="0"/>
-              <a:t>2/15/2025</a:t>
+              <a:t>1/5/2026</a:t>
             </a:fld>
             <a:endParaRPr lang="en-US"/>
           </a:p>
@@ -813,7 +813,7 @@
           <a:p>
             <a:fld id="{689CB065-93CC-4F93-97CB-5160E2F98F73}" type="datetimeFigureOut">
               <a:rPr lang="en-US" smtClean="0"/>
-              <a:t>2/15/2025</a:t>
+              <a:t>1/5/2026</a:t>
             </a:fld>
             <a:endParaRPr lang="en-US"/>
           </a:p>
@@ -1021,7 +1021,7 @@
           <a:p>
             <a:fld id="{689CB065-93CC-4F93-97CB-5160E2F98F73}" type="datetimeFigureOut">
               <a:rPr lang="en-US" smtClean="0"/>
-              <a:t>2/15/2025</a:t>
+              <a:t>1/5/2026</a:t>
             </a:fld>
             <a:endParaRPr lang="en-US"/>
           </a:p>
@@ -1219,7 +1219,7 @@
           <a:p>
             <a:fld id="{689CB065-93CC-4F93-97CB-5160E2F98F73}" type="datetimeFigureOut">
               <a:rPr lang="en-US" smtClean="0"/>
-              <a:t>2/15/2025</a:t>
+              <a:t>1/5/2026</a:t>
             </a:fld>
             <a:endParaRPr lang="en-US"/>
           </a:p>
@@ -1494,7 +1494,7 @@
           <a:p>
             <a:fld id="{689CB065-93CC-4F93-97CB-5160E2F98F73}" type="datetimeFigureOut">
               <a:rPr lang="en-US" smtClean="0"/>
-              <a:t>2/15/2025</a:t>
+              <a:t>1/5/2026</a:t>
             </a:fld>
             <a:endParaRPr lang="en-US"/>
           </a:p>
@@ -1759,7 +1759,7 @@
           <a:p>
             <a:fld id="{689CB065-93CC-4F93-97CB-5160E2F98F73}" type="datetimeFigureOut">
               <a:rPr lang="en-US" smtClean="0"/>
-              <a:t>2/15/2025</a:t>
+              <a:t>1/5/2026</a:t>
             </a:fld>
             <a:endParaRPr lang="en-US"/>
           </a:p>
@@ -2171,7 +2171,7 @@
           <a:p>
             <a:fld id="{689CB065-93CC-4F93-97CB-5160E2F98F73}" type="datetimeFigureOut">
               <a:rPr lang="en-US" smtClean="0"/>
-              <a:t>2/15/2025</a:t>
+              <a:t>1/5/2026</a:t>
             </a:fld>
             <a:endParaRPr lang="en-US"/>
           </a:p>
@@ -2312,7 +2312,7 @@
           <a:p>
             <a:fld id="{689CB065-93CC-4F93-97CB-5160E2F98F73}" type="datetimeFigureOut">
               <a:rPr lang="en-US" smtClean="0"/>
-              <a:t>2/15/2025</a:t>
+              <a:t>1/5/2026</a:t>
             </a:fld>
             <a:endParaRPr lang="en-US"/>
           </a:p>
@@ -2425,7 +2425,7 @@
           <a:p>
             <a:fld id="{689CB065-93CC-4F93-97CB-5160E2F98F73}" type="datetimeFigureOut">
               <a:rPr lang="en-US" smtClean="0"/>
-              <a:t>2/15/2025</a:t>
+              <a:t>1/5/2026</a:t>
             </a:fld>
             <a:endParaRPr lang="en-US"/>
           </a:p>
@@ -2736,7 +2736,7 @@
           <a:p>
             <a:fld id="{689CB065-93CC-4F93-97CB-5160E2F98F73}" type="datetimeFigureOut">
               <a:rPr lang="en-US" smtClean="0"/>
-              <a:t>2/15/2025</a:t>
+              <a:t>1/5/2026</a:t>
             </a:fld>
             <a:endParaRPr lang="en-US"/>
           </a:p>
@@ -3024,7 +3024,7 @@
           <a:p>
             <a:fld id="{689CB065-93CC-4F93-97CB-5160E2F98F73}" type="datetimeFigureOut">
               <a:rPr lang="en-US" smtClean="0"/>
-              <a:t>2/15/2025</a:t>
+              <a:t>1/5/2026</a:t>
             </a:fld>
             <a:endParaRPr lang="en-US"/>
           </a:p>
@@ -3268,7 +3268,7 @@
           <a:p>
             <a:fld id="{689CB065-93CC-4F93-97CB-5160E2F98F73}" type="datetimeFigureOut">
               <a:rPr lang="en-US" smtClean="0"/>
-              <a:t>2/15/2025</a:t>
+              <a:t>1/5/2026</a:t>
             </a:fld>
             <a:endParaRPr lang="en-US"/>
           </a:p>
@@ -3977,6 +3977,1254 @@
           </a:p>
         </p:txBody>
       </p:sp>
+      <p:sp>
+        <p:nvSpPr>
+          <p:cNvPr id="3" name="Rectangle 2">
+            <a:extLst>
+              <a:ext uri="{FF2B5EF4-FFF2-40B4-BE49-F238E27FC236}">
+                <a16:creationId xmlns:a16="http://schemas.microsoft.com/office/drawing/2014/main" id="{0E50744E-36E5-468C-B21F-CFF60E0128CF}"/>
+              </a:ext>
+            </a:extLst>
+          </p:cNvPr>
+          <p:cNvSpPr/>
+          <p:nvPr/>
+        </p:nvSpPr>
+        <p:spPr>
+          <a:xfrm>
+            <a:off x="903882" y="1277893"/>
+            <a:ext cx="1786597" cy="970671"/>
+          </a:xfrm>
+          <a:prstGeom prst="rect">
+            <a:avLst/>
+          </a:prstGeom>
+          <a:noFill/>
+          <a:ln>
+            <a:noFill/>
+          </a:ln>
+        </p:spPr>
+        <p:style>
+          <a:lnRef idx="2">
+            <a:schemeClr val="accent1">
+              <a:shade val="50000"/>
+            </a:schemeClr>
+          </a:lnRef>
+          <a:fillRef idx="1">
+            <a:schemeClr val="accent1"/>
+          </a:fillRef>
+          <a:effectRef idx="0">
+            <a:schemeClr val="accent1"/>
+          </a:effectRef>
+          <a:fontRef idx="minor">
+            <a:schemeClr val="lt1"/>
+          </a:fontRef>
+        </p:style>
+        <p:txBody>
+          <a:bodyPr rtlCol="0" anchor="ctr"/>
+          <a:lstStyle>
+            <a:defPPr>
+              <a:defRPr lang="en-US"/>
+            </a:defPPr>
+            <a:lvl1pPr marL="0" algn="l" defTabSz="914400" rtl="0" eaLnBrk="1" latinLnBrk="0" hangingPunct="1">
+              <a:defRPr sz="1800" kern="1200">
+                <a:solidFill>
+                  <a:schemeClr val="lt1"/>
+                </a:solidFill>
+                <a:latin typeface="+mn-lt"/>
+                <a:ea typeface="+mn-ea"/>
+                <a:cs typeface="+mn-cs"/>
+              </a:defRPr>
+            </a:lvl1pPr>
+            <a:lvl2pPr marL="457200" algn="l" defTabSz="914400" rtl="0" eaLnBrk="1" latinLnBrk="0" hangingPunct="1">
+              <a:defRPr sz="1800" kern="1200">
+                <a:solidFill>
+                  <a:schemeClr val="lt1"/>
+                </a:solidFill>
+                <a:latin typeface="+mn-lt"/>
+                <a:ea typeface="+mn-ea"/>
+                <a:cs typeface="+mn-cs"/>
+              </a:defRPr>
+            </a:lvl2pPr>
+            <a:lvl3pPr marL="914400" algn="l" defTabSz="914400" rtl="0" eaLnBrk="1" latinLnBrk="0" hangingPunct="1">
+              <a:defRPr sz="1800" kern="1200">
+                <a:solidFill>
+                  <a:schemeClr val="lt1"/>
+                </a:solidFill>
+                <a:latin typeface="+mn-lt"/>
+                <a:ea typeface="+mn-ea"/>
+                <a:cs typeface="+mn-cs"/>
+              </a:defRPr>
+            </a:lvl3pPr>
+            <a:lvl4pPr marL="1371600" algn="l" defTabSz="914400" rtl="0" eaLnBrk="1" latinLnBrk="0" hangingPunct="1">
+              <a:defRPr sz="1800" kern="1200">
+                <a:solidFill>
+                  <a:schemeClr val="lt1"/>
+                </a:solidFill>
+                <a:latin typeface="+mn-lt"/>
+                <a:ea typeface="+mn-ea"/>
+                <a:cs typeface="+mn-cs"/>
+              </a:defRPr>
+            </a:lvl4pPr>
+            <a:lvl5pPr marL="1828800" algn="l" defTabSz="914400" rtl="0" eaLnBrk="1" latinLnBrk="0" hangingPunct="1">
+              <a:defRPr sz="1800" kern="1200">
+                <a:solidFill>
+                  <a:schemeClr val="lt1"/>
+                </a:solidFill>
+                <a:latin typeface="+mn-lt"/>
+                <a:ea typeface="+mn-ea"/>
+                <a:cs typeface="+mn-cs"/>
+              </a:defRPr>
+            </a:lvl5pPr>
+            <a:lvl6pPr marL="2286000" algn="l" defTabSz="914400" rtl="0" eaLnBrk="1" latinLnBrk="0" hangingPunct="1">
+              <a:defRPr sz="1800" kern="1200">
+                <a:solidFill>
+                  <a:schemeClr val="lt1"/>
+                </a:solidFill>
+                <a:latin typeface="+mn-lt"/>
+                <a:ea typeface="+mn-ea"/>
+                <a:cs typeface="+mn-cs"/>
+              </a:defRPr>
+            </a:lvl6pPr>
+            <a:lvl7pPr marL="2743200" algn="l" defTabSz="914400" rtl="0" eaLnBrk="1" latinLnBrk="0" hangingPunct="1">
+              <a:defRPr sz="1800" kern="1200">
+                <a:solidFill>
+                  <a:schemeClr val="lt1"/>
+                </a:solidFill>
+                <a:latin typeface="+mn-lt"/>
+                <a:ea typeface="+mn-ea"/>
+                <a:cs typeface="+mn-cs"/>
+              </a:defRPr>
+            </a:lvl7pPr>
+            <a:lvl8pPr marL="3200400" algn="l" defTabSz="914400" rtl="0" eaLnBrk="1" latinLnBrk="0" hangingPunct="1">
+              <a:defRPr sz="1800" kern="1200">
+                <a:solidFill>
+                  <a:schemeClr val="lt1"/>
+                </a:solidFill>
+                <a:latin typeface="+mn-lt"/>
+                <a:ea typeface="+mn-ea"/>
+                <a:cs typeface="+mn-cs"/>
+              </a:defRPr>
+            </a:lvl8pPr>
+            <a:lvl9pPr marL="3657600" algn="l" defTabSz="914400" rtl="0" eaLnBrk="1" latinLnBrk="0" hangingPunct="1">
+              <a:defRPr sz="1800" kern="1200">
+                <a:solidFill>
+                  <a:schemeClr val="lt1"/>
+                </a:solidFill>
+                <a:latin typeface="+mn-lt"/>
+                <a:ea typeface="+mn-ea"/>
+                <a:cs typeface="+mn-cs"/>
+              </a:defRPr>
+            </a:lvl9pPr>
+          </a:lstStyle>
+          <a:p>
+            <a:pPr algn="ctr"/>
+            <a:r>
+              <a:rPr lang="en-US" sz="5400" dirty="0">
+                <a:solidFill>
+                  <a:schemeClr val="accent4"/>
+                </a:solidFill>
+              </a:rPr>
+              <a:t>D</a:t>
+            </a:r>
+            <a:endParaRPr lang="en-PH" sz="5400" dirty="0">
+              <a:solidFill>
+                <a:schemeClr val="accent4"/>
+              </a:solidFill>
+            </a:endParaRPr>
+          </a:p>
+        </p:txBody>
+      </p:sp>
+      <p:sp>
+        <p:nvSpPr>
+          <p:cNvPr id="5" name="Rectangle 4">
+            <a:extLst>
+              <a:ext uri="{FF2B5EF4-FFF2-40B4-BE49-F238E27FC236}">
+                <a16:creationId xmlns:a16="http://schemas.microsoft.com/office/drawing/2014/main" id="{BCAE5486-8B9C-43E9-B7ED-0722A0108921}"/>
+              </a:ext>
+            </a:extLst>
+          </p:cNvPr>
+          <p:cNvSpPr/>
+          <p:nvPr/>
+        </p:nvSpPr>
+        <p:spPr>
+          <a:xfrm>
+            <a:off x="3940156" y="1266171"/>
+            <a:ext cx="1786597" cy="970671"/>
+          </a:xfrm>
+          <a:prstGeom prst="rect">
+            <a:avLst/>
+          </a:prstGeom>
+          <a:noFill/>
+          <a:ln>
+            <a:noFill/>
+          </a:ln>
+        </p:spPr>
+        <p:style>
+          <a:lnRef idx="2">
+            <a:schemeClr val="accent1">
+              <a:shade val="50000"/>
+            </a:schemeClr>
+          </a:lnRef>
+          <a:fillRef idx="1">
+            <a:schemeClr val="accent1"/>
+          </a:fillRef>
+          <a:effectRef idx="0">
+            <a:schemeClr val="accent1"/>
+          </a:effectRef>
+          <a:fontRef idx="minor">
+            <a:schemeClr val="lt1"/>
+          </a:fontRef>
+        </p:style>
+        <p:txBody>
+          <a:bodyPr rtlCol="0" anchor="ctr"/>
+          <a:lstStyle>
+            <a:defPPr>
+              <a:defRPr lang="en-US"/>
+            </a:defPPr>
+            <a:lvl1pPr marL="0" algn="l" defTabSz="914400" rtl="0" eaLnBrk="1" latinLnBrk="0" hangingPunct="1">
+              <a:defRPr sz="1800" kern="1200">
+                <a:solidFill>
+                  <a:schemeClr val="lt1"/>
+                </a:solidFill>
+                <a:latin typeface="+mn-lt"/>
+                <a:ea typeface="+mn-ea"/>
+                <a:cs typeface="+mn-cs"/>
+              </a:defRPr>
+            </a:lvl1pPr>
+            <a:lvl2pPr marL="457200" algn="l" defTabSz="914400" rtl="0" eaLnBrk="1" latinLnBrk="0" hangingPunct="1">
+              <a:defRPr sz="1800" kern="1200">
+                <a:solidFill>
+                  <a:schemeClr val="lt1"/>
+                </a:solidFill>
+                <a:latin typeface="+mn-lt"/>
+                <a:ea typeface="+mn-ea"/>
+                <a:cs typeface="+mn-cs"/>
+              </a:defRPr>
+            </a:lvl2pPr>
+            <a:lvl3pPr marL="914400" algn="l" defTabSz="914400" rtl="0" eaLnBrk="1" latinLnBrk="0" hangingPunct="1">
+              <a:defRPr sz="1800" kern="1200">
+                <a:solidFill>
+                  <a:schemeClr val="lt1"/>
+                </a:solidFill>
+                <a:latin typeface="+mn-lt"/>
+                <a:ea typeface="+mn-ea"/>
+                <a:cs typeface="+mn-cs"/>
+              </a:defRPr>
+            </a:lvl3pPr>
+            <a:lvl4pPr marL="1371600" algn="l" defTabSz="914400" rtl="0" eaLnBrk="1" latinLnBrk="0" hangingPunct="1">
+              <a:defRPr sz="1800" kern="1200">
+                <a:solidFill>
+                  <a:schemeClr val="lt1"/>
+                </a:solidFill>
+                <a:latin typeface="+mn-lt"/>
+                <a:ea typeface="+mn-ea"/>
+                <a:cs typeface="+mn-cs"/>
+              </a:defRPr>
+            </a:lvl4pPr>
+            <a:lvl5pPr marL="1828800" algn="l" defTabSz="914400" rtl="0" eaLnBrk="1" latinLnBrk="0" hangingPunct="1">
+              <a:defRPr sz="1800" kern="1200">
+                <a:solidFill>
+                  <a:schemeClr val="lt1"/>
+                </a:solidFill>
+                <a:latin typeface="+mn-lt"/>
+                <a:ea typeface="+mn-ea"/>
+                <a:cs typeface="+mn-cs"/>
+              </a:defRPr>
+            </a:lvl5pPr>
+            <a:lvl6pPr marL="2286000" algn="l" defTabSz="914400" rtl="0" eaLnBrk="1" latinLnBrk="0" hangingPunct="1">
+              <a:defRPr sz="1800" kern="1200">
+                <a:solidFill>
+                  <a:schemeClr val="lt1"/>
+                </a:solidFill>
+                <a:latin typeface="+mn-lt"/>
+                <a:ea typeface="+mn-ea"/>
+                <a:cs typeface="+mn-cs"/>
+              </a:defRPr>
+            </a:lvl6pPr>
+            <a:lvl7pPr marL="2743200" algn="l" defTabSz="914400" rtl="0" eaLnBrk="1" latinLnBrk="0" hangingPunct="1">
+              <a:defRPr sz="1800" kern="1200">
+                <a:solidFill>
+                  <a:schemeClr val="lt1"/>
+                </a:solidFill>
+                <a:latin typeface="+mn-lt"/>
+                <a:ea typeface="+mn-ea"/>
+                <a:cs typeface="+mn-cs"/>
+              </a:defRPr>
+            </a:lvl7pPr>
+            <a:lvl8pPr marL="3200400" algn="l" defTabSz="914400" rtl="0" eaLnBrk="1" latinLnBrk="0" hangingPunct="1">
+              <a:defRPr sz="1800" kern="1200">
+                <a:solidFill>
+                  <a:schemeClr val="lt1"/>
+                </a:solidFill>
+                <a:latin typeface="+mn-lt"/>
+                <a:ea typeface="+mn-ea"/>
+                <a:cs typeface="+mn-cs"/>
+              </a:defRPr>
+            </a:lvl8pPr>
+            <a:lvl9pPr marL="3657600" algn="l" defTabSz="914400" rtl="0" eaLnBrk="1" latinLnBrk="0" hangingPunct="1">
+              <a:defRPr sz="1800" kern="1200">
+                <a:solidFill>
+                  <a:schemeClr val="lt1"/>
+                </a:solidFill>
+                <a:latin typeface="+mn-lt"/>
+                <a:ea typeface="+mn-ea"/>
+                <a:cs typeface="+mn-cs"/>
+              </a:defRPr>
+            </a:lvl9pPr>
+          </a:lstStyle>
+          <a:p>
+            <a:pPr algn="ctr"/>
+            <a:r>
+              <a:rPr lang="en-US" sz="5400" dirty="0">
+                <a:solidFill>
+                  <a:schemeClr val="accent4"/>
+                </a:solidFill>
+              </a:rPr>
+              <a:t>A</a:t>
+            </a:r>
+            <a:endParaRPr lang="en-PH" sz="5400" dirty="0">
+              <a:solidFill>
+                <a:schemeClr val="accent4"/>
+              </a:solidFill>
+            </a:endParaRPr>
+          </a:p>
+        </p:txBody>
+      </p:sp>
+      <p:sp>
+        <p:nvSpPr>
+          <p:cNvPr id="6" name="Rectangle 5">
+            <a:extLst>
+              <a:ext uri="{FF2B5EF4-FFF2-40B4-BE49-F238E27FC236}">
+                <a16:creationId xmlns:a16="http://schemas.microsoft.com/office/drawing/2014/main" id="{9B792227-3B3F-42B5-B1A7-27FE45BC21F0}"/>
+              </a:ext>
+            </a:extLst>
+          </p:cNvPr>
+          <p:cNvSpPr/>
+          <p:nvPr/>
+        </p:nvSpPr>
+        <p:spPr>
+          <a:xfrm>
+            <a:off x="6495790" y="1289617"/>
+            <a:ext cx="1786597" cy="970671"/>
+          </a:xfrm>
+          <a:prstGeom prst="rect">
+            <a:avLst/>
+          </a:prstGeom>
+          <a:noFill/>
+          <a:ln>
+            <a:noFill/>
+          </a:ln>
+        </p:spPr>
+        <p:style>
+          <a:lnRef idx="2">
+            <a:schemeClr val="accent1">
+              <a:shade val="50000"/>
+            </a:schemeClr>
+          </a:lnRef>
+          <a:fillRef idx="1">
+            <a:schemeClr val="accent1"/>
+          </a:fillRef>
+          <a:effectRef idx="0">
+            <a:schemeClr val="accent1"/>
+          </a:effectRef>
+          <a:fontRef idx="minor">
+            <a:schemeClr val="lt1"/>
+          </a:fontRef>
+        </p:style>
+        <p:txBody>
+          <a:bodyPr rtlCol="0" anchor="ctr"/>
+          <a:lstStyle>
+            <a:defPPr>
+              <a:defRPr lang="en-US"/>
+            </a:defPPr>
+            <a:lvl1pPr marL="0" algn="l" defTabSz="914400" rtl="0" eaLnBrk="1" latinLnBrk="0" hangingPunct="1">
+              <a:defRPr sz="1800" kern="1200">
+                <a:solidFill>
+                  <a:schemeClr val="lt1"/>
+                </a:solidFill>
+                <a:latin typeface="+mn-lt"/>
+                <a:ea typeface="+mn-ea"/>
+                <a:cs typeface="+mn-cs"/>
+              </a:defRPr>
+            </a:lvl1pPr>
+            <a:lvl2pPr marL="457200" algn="l" defTabSz="914400" rtl="0" eaLnBrk="1" latinLnBrk="0" hangingPunct="1">
+              <a:defRPr sz="1800" kern="1200">
+                <a:solidFill>
+                  <a:schemeClr val="lt1"/>
+                </a:solidFill>
+                <a:latin typeface="+mn-lt"/>
+                <a:ea typeface="+mn-ea"/>
+                <a:cs typeface="+mn-cs"/>
+              </a:defRPr>
+            </a:lvl2pPr>
+            <a:lvl3pPr marL="914400" algn="l" defTabSz="914400" rtl="0" eaLnBrk="1" latinLnBrk="0" hangingPunct="1">
+              <a:defRPr sz="1800" kern="1200">
+                <a:solidFill>
+                  <a:schemeClr val="lt1"/>
+                </a:solidFill>
+                <a:latin typeface="+mn-lt"/>
+                <a:ea typeface="+mn-ea"/>
+                <a:cs typeface="+mn-cs"/>
+              </a:defRPr>
+            </a:lvl3pPr>
+            <a:lvl4pPr marL="1371600" algn="l" defTabSz="914400" rtl="0" eaLnBrk="1" latinLnBrk="0" hangingPunct="1">
+              <a:defRPr sz="1800" kern="1200">
+                <a:solidFill>
+                  <a:schemeClr val="lt1"/>
+                </a:solidFill>
+                <a:latin typeface="+mn-lt"/>
+                <a:ea typeface="+mn-ea"/>
+                <a:cs typeface="+mn-cs"/>
+              </a:defRPr>
+            </a:lvl4pPr>
+            <a:lvl5pPr marL="1828800" algn="l" defTabSz="914400" rtl="0" eaLnBrk="1" latinLnBrk="0" hangingPunct="1">
+              <a:defRPr sz="1800" kern="1200">
+                <a:solidFill>
+                  <a:schemeClr val="lt1"/>
+                </a:solidFill>
+                <a:latin typeface="+mn-lt"/>
+                <a:ea typeface="+mn-ea"/>
+                <a:cs typeface="+mn-cs"/>
+              </a:defRPr>
+            </a:lvl5pPr>
+            <a:lvl6pPr marL="2286000" algn="l" defTabSz="914400" rtl="0" eaLnBrk="1" latinLnBrk="0" hangingPunct="1">
+              <a:defRPr sz="1800" kern="1200">
+                <a:solidFill>
+                  <a:schemeClr val="lt1"/>
+                </a:solidFill>
+                <a:latin typeface="+mn-lt"/>
+                <a:ea typeface="+mn-ea"/>
+                <a:cs typeface="+mn-cs"/>
+              </a:defRPr>
+            </a:lvl6pPr>
+            <a:lvl7pPr marL="2743200" algn="l" defTabSz="914400" rtl="0" eaLnBrk="1" latinLnBrk="0" hangingPunct="1">
+              <a:defRPr sz="1800" kern="1200">
+                <a:solidFill>
+                  <a:schemeClr val="lt1"/>
+                </a:solidFill>
+                <a:latin typeface="+mn-lt"/>
+                <a:ea typeface="+mn-ea"/>
+                <a:cs typeface="+mn-cs"/>
+              </a:defRPr>
+            </a:lvl7pPr>
+            <a:lvl8pPr marL="3200400" algn="l" defTabSz="914400" rtl="0" eaLnBrk="1" latinLnBrk="0" hangingPunct="1">
+              <a:defRPr sz="1800" kern="1200">
+                <a:solidFill>
+                  <a:schemeClr val="lt1"/>
+                </a:solidFill>
+                <a:latin typeface="+mn-lt"/>
+                <a:ea typeface="+mn-ea"/>
+                <a:cs typeface="+mn-cs"/>
+              </a:defRPr>
+            </a:lvl8pPr>
+            <a:lvl9pPr marL="3657600" algn="l" defTabSz="914400" rtl="0" eaLnBrk="1" latinLnBrk="0" hangingPunct="1">
+              <a:defRPr sz="1800" kern="1200">
+                <a:solidFill>
+                  <a:schemeClr val="lt1"/>
+                </a:solidFill>
+                <a:latin typeface="+mn-lt"/>
+                <a:ea typeface="+mn-ea"/>
+                <a:cs typeface="+mn-cs"/>
+              </a:defRPr>
+            </a:lvl9pPr>
+          </a:lstStyle>
+          <a:p>
+            <a:pPr algn="ctr"/>
+            <a:r>
+              <a:rPr lang="en-US" sz="5400" dirty="0">
+                <a:solidFill>
+                  <a:schemeClr val="accent4"/>
+                </a:solidFill>
+              </a:rPr>
+              <a:t>G</a:t>
+            </a:r>
+            <a:endParaRPr lang="en-PH" sz="5400" dirty="0">
+              <a:solidFill>
+                <a:schemeClr val="accent4"/>
+              </a:solidFill>
+            </a:endParaRPr>
+          </a:p>
+        </p:txBody>
+      </p:sp>
+      <p:sp>
+        <p:nvSpPr>
+          <p:cNvPr id="7" name="Rectangle 6">
+            <a:extLst>
+              <a:ext uri="{FF2B5EF4-FFF2-40B4-BE49-F238E27FC236}">
+                <a16:creationId xmlns:a16="http://schemas.microsoft.com/office/drawing/2014/main" id="{D9ED864D-5758-43B1-BF36-469FA613C70E}"/>
+              </a:ext>
+            </a:extLst>
+          </p:cNvPr>
+          <p:cNvSpPr/>
+          <p:nvPr/>
+        </p:nvSpPr>
+        <p:spPr>
+          <a:xfrm>
+            <a:off x="10012711" y="1313063"/>
+            <a:ext cx="1786597" cy="970671"/>
+          </a:xfrm>
+          <a:prstGeom prst="rect">
+            <a:avLst/>
+          </a:prstGeom>
+          <a:noFill/>
+          <a:ln>
+            <a:noFill/>
+          </a:ln>
+        </p:spPr>
+        <p:style>
+          <a:lnRef idx="2">
+            <a:schemeClr val="accent1">
+              <a:shade val="50000"/>
+            </a:schemeClr>
+          </a:lnRef>
+          <a:fillRef idx="1">
+            <a:schemeClr val="accent1"/>
+          </a:fillRef>
+          <a:effectRef idx="0">
+            <a:schemeClr val="accent1"/>
+          </a:effectRef>
+          <a:fontRef idx="minor">
+            <a:schemeClr val="lt1"/>
+          </a:fontRef>
+        </p:style>
+        <p:txBody>
+          <a:bodyPr rtlCol="0" anchor="ctr"/>
+          <a:lstStyle>
+            <a:defPPr>
+              <a:defRPr lang="en-US"/>
+            </a:defPPr>
+            <a:lvl1pPr marL="0" algn="l" defTabSz="914400" rtl="0" eaLnBrk="1" latinLnBrk="0" hangingPunct="1">
+              <a:defRPr sz="1800" kern="1200">
+                <a:solidFill>
+                  <a:schemeClr val="lt1"/>
+                </a:solidFill>
+                <a:latin typeface="+mn-lt"/>
+                <a:ea typeface="+mn-ea"/>
+                <a:cs typeface="+mn-cs"/>
+              </a:defRPr>
+            </a:lvl1pPr>
+            <a:lvl2pPr marL="457200" algn="l" defTabSz="914400" rtl="0" eaLnBrk="1" latinLnBrk="0" hangingPunct="1">
+              <a:defRPr sz="1800" kern="1200">
+                <a:solidFill>
+                  <a:schemeClr val="lt1"/>
+                </a:solidFill>
+                <a:latin typeface="+mn-lt"/>
+                <a:ea typeface="+mn-ea"/>
+                <a:cs typeface="+mn-cs"/>
+              </a:defRPr>
+            </a:lvl2pPr>
+            <a:lvl3pPr marL="914400" algn="l" defTabSz="914400" rtl="0" eaLnBrk="1" latinLnBrk="0" hangingPunct="1">
+              <a:defRPr sz="1800" kern="1200">
+                <a:solidFill>
+                  <a:schemeClr val="lt1"/>
+                </a:solidFill>
+                <a:latin typeface="+mn-lt"/>
+                <a:ea typeface="+mn-ea"/>
+                <a:cs typeface="+mn-cs"/>
+              </a:defRPr>
+            </a:lvl3pPr>
+            <a:lvl4pPr marL="1371600" algn="l" defTabSz="914400" rtl="0" eaLnBrk="1" latinLnBrk="0" hangingPunct="1">
+              <a:defRPr sz="1800" kern="1200">
+                <a:solidFill>
+                  <a:schemeClr val="lt1"/>
+                </a:solidFill>
+                <a:latin typeface="+mn-lt"/>
+                <a:ea typeface="+mn-ea"/>
+                <a:cs typeface="+mn-cs"/>
+              </a:defRPr>
+            </a:lvl4pPr>
+            <a:lvl5pPr marL="1828800" algn="l" defTabSz="914400" rtl="0" eaLnBrk="1" latinLnBrk="0" hangingPunct="1">
+              <a:defRPr sz="1800" kern="1200">
+                <a:solidFill>
+                  <a:schemeClr val="lt1"/>
+                </a:solidFill>
+                <a:latin typeface="+mn-lt"/>
+                <a:ea typeface="+mn-ea"/>
+                <a:cs typeface="+mn-cs"/>
+              </a:defRPr>
+            </a:lvl5pPr>
+            <a:lvl6pPr marL="2286000" algn="l" defTabSz="914400" rtl="0" eaLnBrk="1" latinLnBrk="0" hangingPunct="1">
+              <a:defRPr sz="1800" kern="1200">
+                <a:solidFill>
+                  <a:schemeClr val="lt1"/>
+                </a:solidFill>
+                <a:latin typeface="+mn-lt"/>
+                <a:ea typeface="+mn-ea"/>
+                <a:cs typeface="+mn-cs"/>
+              </a:defRPr>
+            </a:lvl6pPr>
+            <a:lvl7pPr marL="2743200" algn="l" defTabSz="914400" rtl="0" eaLnBrk="1" latinLnBrk="0" hangingPunct="1">
+              <a:defRPr sz="1800" kern="1200">
+                <a:solidFill>
+                  <a:schemeClr val="lt1"/>
+                </a:solidFill>
+                <a:latin typeface="+mn-lt"/>
+                <a:ea typeface="+mn-ea"/>
+                <a:cs typeface="+mn-cs"/>
+              </a:defRPr>
+            </a:lvl7pPr>
+            <a:lvl8pPr marL="3200400" algn="l" defTabSz="914400" rtl="0" eaLnBrk="1" latinLnBrk="0" hangingPunct="1">
+              <a:defRPr sz="1800" kern="1200">
+                <a:solidFill>
+                  <a:schemeClr val="lt1"/>
+                </a:solidFill>
+                <a:latin typeface="+mn-lt"/>
+                <a:ea typeface="+mn-ea"/>
+                <a:cs typeface="+mn-cs"/>
+              </a:defRPr>
+            </a:lvl8pPr>
+            <a:lvl9pPr marL="3657600" algn="l" defTabSz="914400" rtl="0" eaLnBrk="1" latinLnBrk="0" hangingPunct="1">
+              <a:defRPr sz="1800" kern="1200">
+                <a:solidFill>
+                  <a:schemeClr val="lt1"/>
+                </a:solidFill>
+                <a:latin typeface="+mn-lt"/>
+                <a:ea typeface="+mn-ea"/>
+                <a:cs typeface="+mn-cs"/>
+              </a:defRPr>
+            </a:lvl9pPr>
+          </a:lstStyle>
+          <a:p>
+            <a:pPr algn="ctr"/>
+            <a:r>
+              <a:rPr lang="en-US" sz="5400" dirty="0">
+                <a:solidFill>
+                  <a:schemeClr val="accent4"/>
+                </a:solidFill>
+              </a:rPr>
+              <a:t>D</a:t>
+            </a:r>
+            <a:endParaRPr lang="en-PH" sz="5400" dirty="0">
+              <a:solidFill>
+                <a:schemeClr val="accent4"/>
+              </a:solidFill>
+            </a:endParaRPr>
+          </a:p>
+        </p:txBody>
+      </p:sp>
+      <p:sp>
+        <p:nvSpPr>
+          <p:cNvPr id="8" name="Rectangle 7">
+            <a:extLst>
+              <a:ext uri="{FF2B5EF4-FFF2-40B4-BE49-F238E27FC236}">
+                <a16:creationId xmlns:a16="http://schemas.microsoft.com/office/drawing/2014/main" id="{D98FF27F-8C33-4CD6-B990-532B679BBBC7}"/>
+              </a:ext>
+            </a:extLst>
+          </p:cNvPr>
+          <p:cNvSpPr/>
+          <p:nvPr/>
+        </p:nvSpPr>
+        <p:spPr>
+          <a:xfrm>
+            <a:off x="962498" y="2930846"/>
+            <a:ext cx="1786597" cy="970671"/>
+          </a:xfrm>
+          <a:prstGeom prst="rect">
+            <a:avLst/>
+          </a:prstGeom>
+          <a:noFill/>
+          <a:ln>
+            <a:noFill/>
+          </a:ln>
+        </p:spPr>
+        <p:style>
+          <a:lnRef idx="2">
+            <a:schemeClr val="accent1">
+              <a:shade val="50000"/>
+            </a:schemeClr>
+          </a:lnRef>
+          <a:fillRef idx="1">
+            <a:schemeClr val="accent1"/>
+          </a:fillRef>
+          <a:effectRef idx="0">
+            <a:schemeClr val="accent1"/>
+          </a:effectRef>
+          <a:fontRef idx="minor">
+            <a:schemeClr val="lt1"/>
+          </a:fontRef>
+        </p:style>
+        <p:txBody>
+          <a:bodyPr rtlCol="0" anchor="ctr"/>
+          <a:lstStyle>
+            <a:defPPr>
+              <a:defRPr lang="en-US"/>
+            </a:defPPr>
+            <a:lvl1pPr marL="0" algn="l" defTabSz="914400" rtl="0" eaLnBrk="1" latinLnBrk="0" hangingPunct="1">
+              <a:defRPr sz="1800" kern="1200">
+                <a:solidFill>
+                  <a:schemeClr val="lt1"/>
+                </a:solidFill>
+                <a:latin typeface="+mn-lt"/>
+                <a:ea typeface="+mn-ea"/>
+                <a:cs typeface="+mn-cs"/>
+              </a:defRPr>
+            </a:lvl1pPr>
+            <a:lvl2pPr marL="457200" algn="l" defTabSz="914400" rtl="0" eaLnBrk="1" latinLnBrk="0" hangingPunct="1">
+              <a:defRPr sz="1800" kern="1200">
+                <a:solidFill>
+                  <a:schemeClr val="lt1"/>
+                </a:solidFill>
+                <a:latin typeface="+mn-lt"/>
+                <a:ea typeface="+mn-ea"/>
+                <a:cs typeface="+mn-cs"/>
+              </a:defRPr>
+            </a:lvl2pPr>
+            <a:lvl3pPr marL="914400" algn="l" defTabSz="914400" rtl="0" eaLnBrk="1" latinLnBrk="0" hangingPunct="1">
+              <a:defRPr sz="1800" kern="1200">
+                <a:solidFill>
+                  <a:schemeClr val="lt1"/>
+                </a:solidFill>
+                <a:latin typeface="+mn-lt"/>
+                <a:ea typeface="+mn-ea"/>
+                <a:cs typeface="+mn-cs"/>
+              </a:defRPr>
+            </a:lvl3pPr>
+            <a:lvl4pPr marL="1371600" algn="l" defTabSz="914400" rtl="0" eaLnBrk="1" latinLnBrk="0" hangingPunct="1">
+              <a:defRPr sz="1800" kern="1200">
+                <a:solidFill>
+                  <a:schemeClr val="lt1"/>
+                </a:solidFill>
+                <a:latin typeface="+mn-lt"/>
+                <a:ea typeface="+mn-ea"/>
+                <a:cs typeface="+mn-cs"/>
+              </a:defRPr>
+            </a:lvl4pPr>
+            <a:lvl5pPr marL="1828800" algn="l" defTabSz="914400" rtl="0" eaLnBrk="1" latinLnBrk="0" hangingPunct="1">
+              <a:defRPr sz="1800" kern="1200">
+                <a:solidFill>
+                  <a:schemeClr val="lt1"/>
+                </a:solidFill>
+                <a:latin typeface="+mn-lt"/>
+                <a:ea typeface="+mn-ea"/>
+                <a:cs typeface="+mn-cs"/>
+              </a:defRPr>
+            </a:lvl5pPr>
+            <a:lvl6pPr marL="2286000" algn="l" defTabSz="914400" rtl="0" eaLnBrk="1" latinLnBrk="0" hangingPunct="1">
+              <a:defRPr sz="1800" kern="1200">
+                <a:solidFill>
+                  <a:schemeClr val="lt1"/>
+                </a:solidFill>
+                <a:latin typeface="+mn-lt"/>
+                <a:ea typeface="+mn-ea"/>
+                <a:cs typeface="+mn-cs"/>
+              </a:defRPr>
+            </a:lvl6pPr>
+            <a:lvl7pPr marL="2743200" algn="l" defTabSz="914400" rtl="0" eaLnBrk="1" latinLnBrk="0" hangingPunct="1">
+              <a:defRPr sz="1800" kern="1200">
+                <a:solidFill>
+                  <a:schemeClr val="lt1"/>
+                </a:solidFill>
+                <a:latin typeface="+mn-lt"/>
+                <a:ea typeface="+mn-ea"/>
+                <a:cs typeface="+mn-cs"/>
+              </a:defRPr>
+            </a:lvl7pPr>
+            <a:lvl8pPr marL="3200400" algn="l" defTabSz="914400" rtl="0" eaLnBrk="1" latinLnBrk="0" hangingPunct="1">
+              <a:defRPr sz="1800" kern="1200">
+                <a:solidFill>
+                  <a:schemeClr val="lt1"/>
+                </a:solidFill>
+                <a:latin typeface="+mn-lt"/>
+                <a:ea typeface="+mn-ea"/>
+                <a:cs typeface="+mn-cs"/>
+              </a:defRPr>
+            </a:lvl8pPr>
+            <a:lvl9pPr marL="3657600" algn="l" defTabSz="914400" rtl="0" eaLnBrk="1" latinLnBrk="0" hangingPunct="1">
+              <a:defRPr sz="1800" kern="1200">
+                <a:solidFill>
+                  <a:schemeClr val="lt1"/>
+                </a:solidFill>
+                <a:latin typeface="+mn-lt"/>
+                <a:ea typeface="+mn-ea"/>
+                <a:cs typeface="+mn-cs"/>
+              </a:defRPr>
+            </a:lvl9pPr>
+          </a:lstStyle>
+          <a:p>
+            <a:pPr algn="ctr"/>
+            <a:r>
+              <a:rPr lang="en-US" sz="5400" dirty="0">
+                <a:solidFill>
+                  <a:schemeClr val="accent4"/>
+                </a:solidFill>
+              </a:rPr>
+              <a:t>A</a:t>
+            </a:r>
+            <a:endParaRPr lang="en-PH" sz="5400" dirty="0">
+              <a:solidFill>
+                <a:schemeClr val="accent4"/>
+              </a:solidFill>
+            </a:endParaRPr>
+          </a:p>
+        </p:txBody>
+      </p:sp>
+      <p:sp>
+        <p:nvSpPr>
+          <p:cNvPr id="9" name="Rectangle 8">
+            <a:extLst>
+              <a:ext uri="{FF2B5EF4-FFF2-40B4-BE49-F238E27FC236}">
+                <a16:creationId xmlns:a16="http://schemas.microsoft.com/office/drawing/2014/main" id="{6996B39D-8C85-4677-8D73-E8AEFFF957CB}"/>
+              </a:ext>
+            </a:extLst>
+          </p:cNvPr>
+          <p:cNvSpPr/>
+          <p:nvPr/>
+        </p:nvSpPr>
+        <p:spPr>
+          <a:xfrm>
+            <a:off x="3799480" y="2930846"/>
+            <a:ext cx="1786597" cy="970671"/>
+          </a:xfrm>
+          <a:prstGeom prst="rect">
+            <a:avLst/>
+          </a:prstGeom>
+          <a:noFill/>
+          <a:ln>
+            <a:noFill/>
+          </a:ln>
+        </p:spPr>
+        <p:style>
+          <a:lnRef idx="2">
+            <a:schemeClr val="accent1">
+              <a:shade val="50000"/>
+            </a:schemeClr>
+          </a:lnRef>
+          <a:fillRef idx="1">
+            <a:schemeClr val="accent1"/>
+          </a:fillRef>
+          <a:effectRef idx="0">
+            <a:schemeClr val="accent1"/>
+          </a:effectRef>
+          <a:fontRef idx="minor">
+            <a:schemeClr val="lt1"/>
+          </a:fontRef>
+        </p:style>
+        <p:txBody>
+          <a:bodyPr rtlCol="0" anchor="ctr"/>
+          <a:lstStyle>
+            <a:defPPr>
+              <a:defRPr lang="en-US"/>
+            </a:defPPr>
+            <a:lvl1pPr marL="0" algn="l" defTabSz="914400" rtl="0" eaLnBrk="1" latinLnBrk="0" hangingPunct="1">
+              <a:defRPr sz="1800" kern="1200">
+                <a:solidFill>
+                  <a:schemeClr val="lt1"/>
+                </a:solidFill>
+                <a:latin typeface="+mn-lt"/>
+                <a:ea typeface="+mn-ea"/>
+                <a:cs typeface="+mn-cs"/>
+              </a:defRPr>
+            </a:lvl1pPr>
+            <a:lvl2pPr marL="457200" algn="l" defTabSz="914400" rtl="0" eaLnBrk="1" latinLnBrk="0" hangingPunct="1">
+              <a:defRPr sz="1800" kern="1200">
+                <a:solidFill>
+                  <a:schemeClr val="lt1"/>
+                </a:solidFill>
+                <a:latin typeface="+mn-lt"/>
+                <a:ea typeface="+mn-ea"/>
+                <a:cs typeface="+mn-cs"/>
+              </a:defRPr>
+            </a:lvl2pPr>
+            <a:lvl3pPr marL="914400" algn="l" defTabSz="914400" rtl="0" eaLnBrk="1" latinLnBrk="0" hangingPunct="1">
+              <a:defRPr sz="1800" kern="1200">
+                <a:solidFill>
+                  <a:schemeClr val="lt1"/>
+                </a:solidFill>
+                <a:latin typeface="+mn-lt"/>
+                <a:ea typeface="+mn-ea"/>
+                <a:cs typeface="+mn-cs"/>
+              </a:defRPr>
+            </a:lvl3pPr>
+            <a:lvl4pPr marL="1371600" algn="l" defTabSz="914400" rtl="0" eaLnBrk="1" latinLnBrk="0" hangingPunct="1">
+              <a:defRPr sz="1800" kern="1200">
+                <a:solidFill>
+                  <a:schemeClr val="lt1"/>
+                </a:solidFill>
+                <a:latin typeface="+mn-lt"/>
+                <a:ea typeface="+mn-ea"/>
+                <a:cs typeface="+mn-cs"/>
+              </a:defRPr>
+            </a:lvl4pPr>
+            <a:lvl5pPr marL="1828800" algn="l" defTabSz="914400" rtl="0" eaLnBrk="1" latinLnBrk="0" hangingPunct="1">
+              <a:defRPr sz="1800" kern="1200">
+                <a:solidFill>
+                  <a:schemeClr val="lt1"/>
+                </a:solidFill>
+                <a:latin typeface="+mn-lt"/>
+                <a:ea typeface="+mn-ea"/>
+                <a:cs typeface="+mn-cs"/>
+              </a:defRPr>
+            </a:lvl5pPr>
+            <a:lvl6pPr marL="2286000" algn="l" defTabSz="914400" rtl="0" eaLnBrk="1" latinLnBrk="0" hangingPunct="1">
+              <a:defRPr sz="1800" kern="1200">
+                <a:solidFill>
+                  <a:schemeClr val="lt1"/>
+                </a:solidFill>
+                <a:latin typeface="+mn-lt"/>
+                <a:ea typeface="+mn-ea"/>
+                <a:cs typeface="+mn-cs"/>
+              </a:defRPr>
+            </a:lvl6pPr>
+            <a:lvl7pPr marL="2743200" algn="l" defTabSz="914400" rtl="0" eaLnBrk="1" latinLnBrk="0" hangingPunct="1">
+              <a:defRPr sz="1800" kern="1200">
+                <a:solidFill>
+                  <a:schemeClr val="lt1"/>
+                </a:solidFill>
+                <a:latin typeface="+mn-lt"/>
+                <a:ea typeface="+mn-ea"/>
+                <a:cs typeface="+mn-cs"/>
+              </a:defRPr>
+            </a:lvl7pPr>
+            <a:lvl8pPr marL="3200400" algn="l" defTabSz="914400" rtl="0" eaLnBrk="1" latinLnBrk="0" hangingPunct="1">
+              <a:defRPr sz="1800" kern="1200">
+                <a:solidFill>
+                  <a:schemeClr val="lt1"/>
+                </a:solidFill>
+                <a:latin typeface="+mn-lt"/>
+                <a:ea typeface="+mn-ea"/>
+                <a:cs typeface="+mn-cs"/>
+              </a:defRPr>
+            </a:lvl8pPr>
+            <a:lvl9pPr marL="3657600" algn="l" defTabSz="914400" rtl="0" eaLnBrk="1" latinLnBrk="0" hangingPunct="1">
+              <a:defRPr sz="1800" kern="1200">
+                <a:solidFill>
+                  <a:schemeClr val="lt1"/>
+                </a:solidFill>
+                <a:latin typeface="+mn-lt"/>
+                <a:ea typeface="+mn-ea"/>
+                <a:cs typeface="+mn-cs"/>
+              </a:defRPr>
+            </a:lvl9pPr>
+          </a:lstStyle>
+          <a:p>
+            <a:pPr algn="ctr"/>
+            <a:r>
+              <a:rPr lang="en-US" sz="5400" dirty="0">
+                <a:solidFill>
+                  <a:schemeClr val="accent4"/>
+                </a:solidFill>
+              </a:rPr>
+              <a:t>A7</a:t>
+            </a:r>
+            <a:endParaRPr lang="en-PH" sz="5400" dirty="0">
+              <a:solidFill>
+                <a:schemeClr val="accent4"/>
+              </a:solidFill>
+            </a:endParaRPr>
+          </a:p>
+        </p:txBody>
+      </p:sp>
+      <p:sp>
+        <p:nvSpPr>
+          <p:cNvPr id="10" name="Rectangle 9">
+            <a:extLst>
+              <a:ext uri="{FF2B5EF4-FFF2-40B4-BE49-F238E27FC236}">
+                <a16:creationId xmlns:a16="http://schemas.microsoft.com/office/drawing/2014/main" id="{95E46D42-400B-4C6B-924F-67556A514429}"/>
+              </a:ext>
+            </a:extLst>
+          </p:cNvPr>
+          <p:cNvSpPr/>
+          <p:nvPr/>
+        </p:nvSpPr>
+        <p:spPr>
+          <a:xfrm>
+            <a:off x="7949466" y="2954291"/>
+            <a:ext cx="1786597" cy="970671"/>
+          </a:xfrm>
+          <a:prstGeom prst="rect">
+            <a:avLst/>
+          </a:prstGeom>
+          <a:noFill/>
+          <a:ln>
+            <a:noFill/>
+          </a:ln>
+        </p:spPr>
+        <p:style>
+          <a:lnRef idx="2">
+            <a:schemeClr val="accent1">
+              <a:shade val="50000"/>
+            </a:schemeClr>
+          </a:lnRef>
+          <a:fillRef idx="1">
+            <a:schemeClr val="accent1"/>
+          </a:fillRef>
+          <a:effectRef idx="0">
+            <a:schemeClr val="accent1"/>
+          </a:effectRef>
+          <a:fontRef idx="minor">
+            <a:schemeClr val="lt1"/>
+          </a:fontRef>
+        </p:style>
+        <p:txBody>
+          <a:bodyPr rtlCol="0" anchor="ctr"/>
+          <a:lstStyle>
+            <a:defPPr>
+              <a:defRPr lang="en-US"/>
+            </a:defPPr>
+            <a:lvl1pPr marL="0" algn="l" defTabSz="914400" rtl="0" eaLnBrk="1" latinLnBrk="0" hangingPunct="1">
+              <a:defRPr sz="1800" kern="1200">
+                <a:solidFill>
+                  <a:schemeClr val="lt1"/>
+                </a:solidFill>
+                <a:latin typeface="+mn-lt"/>
+                <a:ea typeface="+mn-ea"/>
+                <a:cs typeface="+mn-cs"/>
+              </a:defRPr>
+            </a:lvl1pPr>
+            <a:lvl2pPr marL="457200" algn="l" defTabSz="914400" rtl="0" eaLnBrk="1" latinLnBrk="0" hangingPunct="1">
+              <a:defRPr sz="1800" kern="1200">
+                <a:solidFill>
+                  <a:schemeClr val="lt1"/>
+                </a:solidFill>
+                <a:latin typeface="+mn-lt"/>
+                <a:ea typeface="+mn-ea"/>
+                <a:cs typeface="+mn-cs"/>
+              </a:defRPr>
+            </a:lvl2pPr>
+            <a:lvl3pPr marL="914400" algn="l" defTabSz="914400" rtl="0" eaLnBrk="1" latinLnBrk="0" hangingPunct="1">
+              <a:defRPr sz="1800" kern="1200">
+                <a:solidFill>
+                  <a:schemeClr val="lt1"/>
+                </a:solidFill>
+                <a:latin typeface="+mn-lt"/>
+                <a:ea typeface="+mn-ea"/>
+                <a:cs typeface="+mn-cs"/>
+              </a:defRPr>
+            </a:lvl3pPr>
+            <a:lvl4pPr marL="1371600" algn="l" defTabSz="914400" rtl="0" eaLnBrk="1" latinLnBrk="0" hangingPunct="1">
+              <a:defRPr sz="1800" kern="1200">
+                <a:solidFill>
+                  <a:schemeClr val="lt1"/>
+                </a:solidFill>
+                <a:latin typeface="+mn-lt"/>
+                <a:ea typeface="+mn-ea"/>
+                <a:cs typeface="+mn-cs"/>
+              </a:defRPr>
+            </a:lvl4pPr>
+            <a:lvl5pPr marL="1828800" algn="l" defTabSz="914400" rtl="0" eaLnBrk="1" latinLnBrk="0" hangingPunct="1">
+              <a:defRPr sz="1800" kern="1200">
+                <a:solidFill>
+                  <a:schemeClr val="lt1"/>
+                </a:solidFill>
+                <a:latin typeface="+mn-lt"/>
+                <a:ea typeface="+mn-ea"/>
+                <a:cs typeface="+mn-cs"/>
+              </a:defRPr>
+            </a:lvl5pPr>
+            <a:lvl6pPr marL="2286000" algn="l" defTabSz="914400" rtl="0" eaLnBrk="1" latinLnBrk="0" hangingPunct="1">
+              <a:defRPr sz="1800" kern="1200">
+                <a:solidFill>
+                  <a:schemeClr val="lt1"/>
+                </a:solidFill>
+                <a:latin typeface="+mn-lt"/>
+                <a:ea typeface="+mn-ea"/>
+                <a:cs typeface="+mn-cs"/>
+              </a:defRPr>
+            </a:lvl6pPr>
+            <a:lvl7pPr marL="2743200" algn="l" defTabSz="914400" rtl="0" eaLnBrk="1" latinLnBrk="0" hangingPunct="1">
+              <a:defRPr sz="1800" kern="1200">
+                <a:solidFill>
+                  <a:schemeClr val="lt1"/>
+                </a:solidFill>
+                <a:latin typeface="+mn-lt"/>
+                <a:ea typeface="+mn-ea"/>
+                <a:cs typeface="+mn-cs"/>
+              </a:defRPr>
+            </a:lvl7pPr>
+            <a:lvl8pPr marL="3200400" algn="l" defTabSz="914400" rtl="0" eaLnBrk="1" latinLnBrk="0" hangingPunct="1">
+              <a:defRPr sz="1800" kern="1200">
+                <a:solidFill>
+                  <a:schemeClr val="lt1"/>
+                </a:solidFill>
+                <a:latin typeface="+mn-lt"/>
+                <a:ea typeface="+mn-ea"/>
+                <a:cs typeface="+mn-cs"/>
+              </a:defRPr>
+            </a:lvl8pPr>
+            <a:lvl9pPr marL="3657600" algn="l" defTabSz="914400" rtl="0" eaLnBrk="1" latinLnBrk="0" hangingPunct="1">
+              <a:defRPr sz="1800" kern="1200">
+                <a:solidFill>
+                  <a:schemeClr val="lt1"/>
+                </a:solidFill>
+                <a:latin typeface="+mn-lt"/>
+                <a:ea typeface="+mn-ea"/>
+                <a:cs typeface="+mn-cs"/>
+              </a:defRPr>
+            </a:lvl9pPr>
+          </a:lstStyle>
+          <a:p>
+            <a:pPr algn="ctr"/>
+            <a:r>
+              <a:rPr lang="en-US" sz="5400" dirty="0">
+                <a:solidFill>
+                  <a:schemeClr val="accent4"/>
+                </a:solidFill>
+              </a:rPr>
+              <a:t>D</a:t>
+            </a:r>
+            <a:endParaRPr lang="en-PH" sz="5400" dirty="0">
+              <a:solidFill>
+                <a:schemeClr val="accent4"/>
+              </a:solidFill>
+            </a:endParaRPr>
+          </a:p>
+        </p:txBody>
+      </p:sp>
+      <p:sp>
+        <p:nvSpPr>
+          <p:cNvPr id="11" name="Rectangle 10">
+            <a:extLst>
+              <a:ext uri="{FF2B5EF4-FFF2-40B4-BE49-F238E27FC236}">
+                <a16:creationId xmlns:a16="http://schemas.microsoft.com/office/drawing/2014/main" id="{3DA34ED7-6E86-46E0-955D-F0EEE74F9852}"/>
+              </a:ext>
+            </a:extLst>
+          </p:cNvPr>
+          <p:cNvSpPr/>
+          <p:nvPr/>
+        </p:nvSpPr>
+        <p:spPr>
+          <a:xfrm>
+            <a:off x="10762992" y="3001186"/>
+            <a:ext cx="1786597" cy="970671"/>
+          </a:xfrm>
+          <a:prstGeom prst="rect">
+            <a:avLst/>
+          </a:prstGeom>
+          <a:noFill/>
+          <a:ln>
+            <a:noFill/>
+          </a:ln>
+        </p:spPr>
+        <p:style>
+          <a:lnRef idx="2">
+            <a:schemeClr val="accent1">
+              <a:shade val="50000"/>
+            </a:schemeClr>
+          </a:lnRef>
+          <a:fillRef idx="1">
+            <a:schemeClr val="accent1"/>
+          </a:fillRef>
+          <a:effectRef idx="0">
+            <a:schemeClr val="accent1"/>
+          </a:effectRef>
+          <a:fontRef idx="minor">
+            <a:schemeClr val="lt1"/>
+          </a:fontRef>
+        </p:style>
+        <p:txBody>
+          <a:bodyPr rtlCol="0" anchor="ctr"/>
+          <a:lstStyle>
+            <a:defPPr>
+              <a:defRPr lang="en-US"/>
+            </a:defPPr>
+            <a:lvl1pPr marL="0" algn="l" defTabSz="914400" rtl="0" eaLnBrk="1" latinLnBrk="0" hangingPunct="1">
+              <a:defRPr sz="1800" kern="1200">
+                <a:solidFill>
+                  <a:schemeClr val="lt1"/>
+                </a:solidFill>
+                <a:latin typeface="+mn-lt"/>
+                <a:ea typeface="+mn-ea"/>
+                <a:cs typeface="+mn-cs"/>
+              </a:defRPr>
+            </a:lvl1pPr>
+            <a:lvl2pPr marL="457200" algn="l" defTabSz="914400" rtl="0" eaLnBrk="1" latinLnBrk="0" hangingPunct="1">
+              <a:defRPr sz="1800" kern="1200">
+                <a:solidFill>
+                  <a:schemeClr val="lt1"/>
+                </a:solidFill>
+                <a:latin typeface="+mn-lt"/>
+                <a:ea typeface="+mn-ea"/>
+                <a:cs typeface="+mn-cs"/>
+              </a:defRPr>
+            </a:lvl2pPr>
+            <a:lvl3pPr marL="914400" algn="l" defTabSz="914400" rtl="0" eaLnBrk="1" latinLnBrk="0" hangingPunct="1">
+              <a:defRPr sz="1800" kern="1200">
+                <a:solidFill>
+                  <a:schemeClr val="lt1"/>
+                </a:solidFill>
+                <a:latin typeface="+mn-lt"/>
+                <a:ea typeface="+mn-ea"/>
+                <a:cs typeface="+mn-cs"/>
+              </a:defRPr>
+            </a:lvl3pPr>
+            <a:lvl4pPr marL="1371600" algn="l" defTabSz="914400" rtl="0" eaLnBrk="1" latinLnBrk="0" hangingPunct="1">
+              <a:defRPr sz="1800" kern="1200">
+                <a:solidFill>
+                  <a:schemeClr val="lt1"/>
+                </a:solidFill>
+                <a:latin typeface="+mn-lt"/>
+                <a:ea typeface="+mn-ea"/>
+                <a:cs typeface="+mn-cs"/>
+              </a:defRPr>
+            </a:lvl4pPr>
+            <a:lvl5pPr marL="1828800" algn="l" defTabSz="914400" rtl="0" eaLnBrk="1" latinLnBrk="0" hangingPunct="1">
+              <a:defRPr sz="1800" kern="1200">
+                <a:solidFill>
+                  <a:schemeClr val="lt1"/>
+                </a:solidFill>
+                <a:latin typeface="+mn-lt"/>
+                <a:ea typeface="+mn-ea"/>
+                <a:cs typeface="+mn-cs"/>
+              </a:defRPr>
+            </a:lvl5pPr>
+            <a:lvl6pPr marL="2286000" algn="l" defTabSz="914400" rtl="0" eaLnBrk="1" latinLnBrk="0" hangingPunct="1">
+              <a:defRPr sz="1800" kern="1200">
+                <a:solidFill>
+                  <a:schemeClr val="lt1"/>
+                </a:solidFill>
+                <a:latin typeface="+mn-lt"/>
+                <a:ea typeface="+mn-ea"/>
+                <a:cs typeface="+mn-cs"/>
+              </a:defRPr>
+            </a:lvl6pPr>
+            <a:lvl7pPr marL="2743200" algn="l" defTabSz="914400" rtl="0" eaLnBrk="1" latinLnBrk="0" hangingPunct="1">
+              <a:defRPr sz="1800" kern="1200">
+                <a:solidFill>
+                  <a:schemeClr val="lt1"/>
+                </a:solidFill>
+                <a:latin typeface="+mn-lt"/>
+                <a:ea typeface="+mn-ea"/>
+                <a:cs typeface="+mn-cs"/>
+              </a:defRPr>
+            </a:lvl7pPr>
+            <a:lvl8pPr marL="3200400" algn="l" defTabSz="914400" rtl="0" eaLnBrk="1" latinLnBrk="0" hangingPunct="1">
+              <a:defRPr sz="1800" kern="1200">
+                <a:solidFill>
+                  <a:schemeClr val="lt1"/>
+                </a:solidFill>
+                <a:latin typeface="+mn-lt"/>
+                <a:ea typeface="+mn-ea"/>
+                <a:cs typeface="+mn-cs"/>
+              </a:defRPr>
+            </a:lvl8pPr>
+            <a:lvl9pPr marL="3657600" algn="l" defTabSz="914400" rtl="0" eaLnBrk="1" latinLnBrk="0" hangingPunct="1">
+              <a:defRPr sz="1800" kern="1200">
+                <a:solidFill>
+                  <a:schemeClr val="lt1"/>
+                </a:solidFill>
+                <a:latin typeface="+mn-lt"/>
+                <a:ea typeface="+mn-ea"/>
+                <a:cs typeface="+mn-cs"/>
+              </a:defRPr>
+            </a:lvl9pPr>
+          </a:lstStyle>
+          <a:p>
+            <a:pPr algn="ctr"/>
+            <a:r>
+              <a:rPr lang="en-US" sz="5400" dirty="0">
+                <a:solidFill>
+                  <a:schemeClr val="accent4"/>
+                </a:solidFill>
+              </a:rPr>
+              <a:t>D7</a:t>
+            </a:r>
+            <a:endParaRPr lang="en-PH" sz="5400" dirty="0">
+              <a:solidFill>
+                <a:schemeClr val="accent4"/>
+              </a:solidFill>
+            </a:endParaRPr>
+          </a:p>
+        </p:txBody>
+      </p:sp>
     </p:spTree>
     <p:extLst>
       <p:ext uri="{BB962C8B-B14F-4D97-AF65-F5344CB8AC3E}">
@@ -4115,6 +5363,1254 @@
           </a:p>
         </p:txBody>
       </p:sp>
+      <p:sp>
+        <p:nvSpPr>
+          <p:cNvPr id="3" name="Rectangle 2">
+            <a:extLst>
+              <a:ext uri="{FF2B5EF4-FFF2-40B4-BE49-F238E27FC236}">
+                <a16:creationId xmlns:a16="http://schemas.microsoft.com/office/drawing/2014/main" id="{89BE549B-FE67-441C-B411-C318EE5CA6D5}"/>
+              </a:ext>
+            </a:extLst>
+          </p:cNvPr>
+          <p:cNvSpPr/>
+          <p:nvPr/>
+        </p:nvSpPr>
+        <p:spPr>
+          <a:xfrm>
+            <a:off x="5006956" y="105589"/>
+            <a:ext cx="1786597" cy="970671"/>
+          </a:xfrm>
+          <a:prstGeom prst="rect">
+            <a:avLst/>
+          </a:prstGeom>
+          <a:noFill/>
+          <a:ln>
+            <a:noFill/>
+          </a:ln>
+        </p:spPr>
+        <p:style>
+          <a:lnRef idx="2">
+            <a:schemeClr val="accent1">
+              <a:shade val="50000"/>
+            </a:schemeClr>
+          </a:lnRef>
+          <a:fillRef idx="1">
+            <a:schemeClr val="accent1"/>
+          </a:fillRef>
+          <a:effectRef idx="0">
+            <a:schemeClr val="accent1"/>
+          </a:effectRef>
+          <a:fontRef idx="minor">
+            <a:schemeClr val="lt1"/>
+          </a:fontRef>
+        </p:style>
+        <p:txBody>
+          <a:bodyPr rtlCol="0" anchor="ctr"/>
+          <a:lstStyle>
+            <a:defPPr>
+              <a:defRPr lang="en-US"/>
+            </a:defPPr>
+            <a:lvl1pPr marL="0" algn="l" defTabSz="914400" rtl="0" eaLnBrk="1" latinLnBrk="0" hangingPunct="1">
+              <a:defRPr sz="1800" kern="1200">
+                <a:solidFill>
+                  <a:schemeClr val="lt1"/>
+                </a:solidFill>
+                <a:latin typeface="+mn-lt"/>
+                <a:ea typeface="+mn-ea"/>
+                <a:cs typeface="+mn-cs"/>
+              </a:defRPr>
+            </a:lvl1pPr>
+            <a:lvl2pPr marL="457200" algn="l" defTabSz="914400" rtl="0" eaLnBrk="1" latinLnBrk="0" hangingPunct="1">
+              <a:defRPr sz="1800" kern="1200">
+                <a:solidFill>
+                  <a:schemeClr val="lt1"/>
+                </a:solidFill>
+                <a:latin typeface="+mn-lt"/>
+                <a:ea typeface="+mn-ea"/>
+                <a:cs typeface="+mn-cs"/>
+              </a:defRPr>
+            </a:lvl2pPr>
+            <a:lvl3pPr marL="914400" algn="l" defTabSz="914400" rtl="0" eaLnBrk="1" latinLnBrk="0" hangingPunct="1">
+              <a:defRPr sz="1800" kern="1200">
+                <a:solidFill>
+                  <a:schemeClr val="lt1"/>
+                </a:solidFill>
+                <a:latin typeface="+mn-lt"/>
+                <a:ea typeface="+mn-ea"/>
+                <a:cs typeface="+mn-cs"/>
+              </a:defRPr>
+            </a:lvl3pPr>
+            <a:lvl4pPr marL="1371600" algn="l" defTabSz="914400" rtl="0" eaLnBrk="1" latinLnBrk="0" hangingPunct="1">
+              <a:defRPr sz="1800" kern="1200">
+                <a:solidFill>
+                  <a:schemeClr val="lt1"/>
+                </a:solidFill>
+                <a:latin typeface="+mn-lt"/>
+                <a:ea typeface="+mn-ea"/>
+                <a:cs typeface="+mn-cs"/>
+              </a:defRPr>
+            </a:lvl4pPr>
+            <a:lvl5pPr marL="1828800" algn="l" defTabSz="914400" rtl="0" eaLnBrk="1" latinLnBrk="0" hangingPunct="1">
+              <a:defRPr sz="1800" kern="1200">
+                <a:solidFill>
+                  <a:schemeClr val="lt1"/>
+                </a:solidFill>
+                <a:latin typeface="+mn-lt"/>
+                <a:ea typeface="+mn-ea"/>
+                <a:cs typeface="+mn-cs"/>
+              </a:defRPr>
+            </a:lvl5pPr>
+            <a:lvl6pPr marL="2286000" algn="l" defTabSz="914400" rtl="0" eaLnBrk="1" latinLnBrk="0" hangingPunct="1">
+              <a:defRPr sz="1800" kern="1200">
+                <a:solidFill>
+                  <a:schemeClr val="lt1"/>
+                </a:solidFill>
+                <a:latin typeface="+mn-lt"/>
+                <a:ea typeface="+mn-ea"/>
+                <a:cs typeface="+mn-cs"/>
+              </a:defRPr>
+            </a:lvl6pPr>
+            <a:lvl7pPr marL="2743200" algn="l" defTabSz="914400" rtl="0" eaLnBrk="1" latinLnBrk="0" hangingPunct="1">
+              <a:defRPr sz="1800" kern="1200">
+                <a:solidFill>
+                  <a:schemeClr val="lt1"/>
+                </a:solidFill>
+                <a:latin typeface="+mn-lt"/>
+                <a:ea typeface="+mn-ea"/>
+                <a:cs typeface="+mn-cs"/>
+              </a:defRPr>
+            </a:lvl7pPr>
+            <a:lvl8pPr marL="3200400" algn="l" defTabSz="914400" rtl="0" eaLnBrk="1" latinLnBrk="0" hangingPunct="1">
+              <a:defRPr sz="1800" kern="1200">
+                <a:solidFill>
+                  <a:schemeClr val="lt1"/>
+                </a:solidFill>
+                <a:latin typeface="+mn-lt"/>
+                <a:ea typeface="+mn-ea"/>
+                <a:cs typeface="+mn-cs"/>
+              </a:defRPr>
+            </a:lvl8pPr>
+            <a:lvl9pPr marL="3657600" algn="l" defTabSz="914400" rtl="0" eaLnBrk="1" latinLnBrk="0" hangingPunct="1">
+              <a:defRPr sz="1800" kern="1200">
+                <a:solidFill>
+                  <a:schemeClr val="lt1"/>
+                </a:solidFill>
+                <a:latin typeface="+mn-lt"/>
+                <a:ea typeface="+mn-ea"/>
+                <a:cs typeface="+mn-cs"/>
+              </a:defRPr>
+            </a:lvl9pPr>
+          </a:lstStyle>
+          <a:p>
+            <a:pPr algn="ctr"/>
+            <a:r>
+              <a:rPr lang="en-US" sz="5400" dirty="0">
+                <a:solidFill>
+                  <a:schemeClr val="accent4"/>
+                </a:solidFill>
+              </a:rPr>
+              <a:t>G</a:t>
+            </a:r>
+            <a:endParaRPr lang="en-PH" sz="5400" dirty="0">
+              <a:solidFill>
+                <a:schemeClr val="accent4"/>
+              </a:solidFill>
+            </a:endParaRPr>
+          </a:p>
+        </p:txBody>
+      </p:sp>
+      <p:sp>
+        <p:nvSpPr>
+          <p:cNvPr id="5" name="Rectangle 4">
+            <a:extLst>
+              <a:ext uri="{FF2B5EF4-FFF2-40B4-BE49-F238E27FC236}">
+                <a16:creationId xmlns:a16="http://schemas.microsoft.com/office/drawing/2014/main" id="{EE1E1E9D-B92D-420C-95F5-319FAD751367}"/>
+              </a:ext>
+            </a:extLst>
+          </p:cNvPr>
+          <p:cNvSpPr/>
+          <p:nvPr/>
+        </p:nvSpPr>
+        <p:spPr>
+          <a:xfrm>
+            <a:off x="1126620" y="1946111"/>
+            <a:ext cx="1786597" cy="970671"/>
+          </a:xfrm>
+          <a:prstGeom prst="rect">
+            <a:avLst/>
+          </a:prstGeom>
+          <a:noFill/>
+          <a:ln>
+            <a:noFill/>
+          </a:ln>
+        </p:spPr>
+        <p:style>
+          <a:lnRef idx="2">
+            <a:schemeClr val="accent1">
+              <a:shade val="50000"/>
+            </a:schemeClr>
+          </a:lnRef>
+          <a:fillRef idx="1">
+            <a:schemeClr val="accent1"/>
+          </a:fillRef>
+          <a:effectRef idx="0">
+            <a:schemeClr val="accent1"/>
+          </a:effectRef>
+          <a:fontRef idx="minor">
+            <a:schemeClr val="lt1"/>
+          </a:fontRef>
+        </p:style>
+        <p:txBody>
+          <a:bodyPr rtlCol="0" anchor="ctr"/>
+          <a:lstStyle>
+            <a:defPPr>
+              <a:defRPr lang="en-US"/>
+            </a:defPPr>
+            <a:lvl1pPr marL="0" algn="l" defTabSz="914400" rtl="0" eaLnBrk="1" latinLnBrk="0" hangingPunct="1">
+              <a:defRPr sz="1800" kern="1200">
+                <a:solidFill>
+                  <a:schemeClr val="lt1"/>
+                </a:solidFill>
+                <a:latin typeface="+mn-lt"/>
+                <a:ea typeface="+mn-ea"/>
+                <a:cs typeface="+mn-cs"/>
+              </a:defRPr>
+            </a:lvl1pPr>
+            <a:lvl2pPr marL="457200" algn="l" defTabSz="914400" rtl="0" eaLnBrk="1" latinLnBrk="0" hangingPunct="1">
+              <a:defRPr sz="1800" kern="1200">
+                <a:solidFill>
+                  <a:schemeClr val="lt1"/>
+                </a:solidFill>
+                <a:latin typeface="+mn-lt"/>
+                <a:ea typeface="+mn-ea"/>
+                <a:cs typeface="+mn-cs"/>
+              </a:defRPr>
+            </a:lvl2pPr>
+            <a:lvl3pPr marL="914400" algn="l" defTabSz="914400" rtl="0" eaLnBrk="1" latinLnBrk="0" hangingPunct="1">
+              <a:defRPr sz="1800" kern="1200">
+                <a:solidFill>
+                  <a:schemeClr val="lt1"/>
+                </a:solidFill>
+                <a:latin typeface="+mn-lt"/>
+                <a:ea typeface="+mn-ea"/>
+                <a:cs typeface="+mn-cs"/>
+              </a:defRPr>
+            </a:lvl3pPr>
+            <a:lvl4pPr marL="1371600" algn="l" defTabSz="914400" rtl="0" eaLnBrk="1" latinLnBrk="0" hangingPunct="1">
+              <a:defRPr sz="1800" kern="1200">
+                <a:solidFill>
+                  <a:schemeClr val="lt1"/>
+                </a:solidFill>
+                <a:latin typeface="+mn-lt"/>
+                <a:ea typeface="+mn-ea"/>
+                <a:cs typeface="+mn-cs"/>
+              </a:defRPr>
+            </a:lvl4pPr>
+            <a:lvl5pPr marL="1828800" algn="l" defTabSz="914400" rtl="0" eaLnBrk="1" latinLnBrk="0" hangingPunct="1">
+              <a:defRPr sz="1800" kern="1200">
+                <a:solidFill>
+                  <a:schemeClr val="lt1"/>
+                </a:solidFill>
+                <a:latin typeface="+mn-lt"/>
+                <a:ea typeface="+mn-ea"/>
+                <a:cs typeface="+mn-cs"/>
+              </a:defRPr>
+            </a:lvl5pPr>
+            <a:lvl6pPr marL="2286000" algn="l" defTabSz="914400" rtl="0" eaLnBrk="1" latinLnBrk="0" hangingPunct="1">
+              <a:defRPr sz="1800" kern="1200">
+                <a:solidFill>
+                  <a:schemeClr val="lt1"/>
+                </a:solidFill>
+                <a:latin typeface="+mn-lt"/>
+                <a:ea typeface="+mn-ea"/>
+                <a:cs typeface="+mn-cs"/>
+              </a:defRPr>
+            </a:lvl6pPr>
+            <a:lvl7pPr marL="2743200" algn="l" defTabSz="914400" rtl="0" eaLnBrk="1" latinLnBrk="0" hangingPunct="1">
+              <a:defRPr sz="1800" kern="1200">
+                <a:solidFill>
+                  <a:schemeClr val="lt1"/>
+                </a:solidFill>
+                <a:latin typeface="+mn-lt"/>
+                <a:ea typeface="+mn-ea"/>
+                <a:cs typeface="+mn-cs"/>
+              </a:defRPr>
+            </a:lvl7pPr>
+            <a:lvl8pPr marL="3200400" algn="l" defTabSz="914400" rtl="0" eaLnBrk="1" latinLnBrk="0" hangingPunct="1">
+              <a:defRPr sz="1800" kern="1200">
+                <a:solidFill>
+                  <a:schemeClr val="lt1"/>
+                </a:solidFill>
+                <a:latin typeface="+mn-lt"/>
+                <a:ea typeface="+mn-ea"/>
+                <a:cs typeface="+mn-cs"/>
+              </a:defRPr>
+            </a:lvl8pPr>
+            <a:lvl9pPr marL="3657600" algn="l" defTabSz="914400" rtl="0" eaLnBrk="1" latinLnBrk="0" hangingPunct="1">
+              <a:defRPr sz="1800" kern="1200">
+                <a:solidFill>
+                  <a:schemeClr val="lt1"/>
+                </a:solidFill>
+                <a:latin typeface="+mn-lt"/>
+                <a:ea typeface="+mn-ea"/>
+                <a:cs typeface="+mn-cs"/>
+              </a:defRPr>
+            </a:lvl9pPr>
+          </a:lstStyle>
+          <a:p>
+            <a:pPr algn="ctr"/>
+            <a:r>
+              <a:rPr lang="en-US" sz="5400" dirty="0">
+                <a:solidFill>
+                  <a:schemeClr val="accent4"/>
+                </a:solidFill>
+              </a:rPr>
+              <a:t>A7</a:t>
+            </a:r>
+            <a:endParaRPr lang="en-PH" sz="5400" dirty="0">
+              <a:solidFill>
+                <a:schemeClr val="accent4"/>
+              </a:solidFill>
+            </a:endParaRPr>
+          </a:p>
+        </p:txBody>
+      </p:sp>
+      <p:sp>
+        <p:nvSpPr>
+          <p:cNvPr id="6" name="Rectangle 5">
+            <a:extLst>
+              <a:ext uri="{FF2B5EF4-FFF2-40B4-BE49-F238E27FC236}">
+                <a16:creationId xmlns:a16="http://schemas.microsoft.com/office/drawing/2014/main" id="{93441BF9-387D-4FDE-AA0A-DF93212F77C7}"/>
+              </a:ext>
+            </a:extLst>
+          </p:cNvPr>
+          <p:cNvSpPr/>
+          <p:nvPr/>
+        </p:nvSpPr>
+        <p:spPr>
+          <a:xfrm>
+            <a:off x="5768952" y="1969557"/>
+            <a:ext cx="1786597" cy="970671"/>
+          </a:xfrm>
+          <a:prstGeom prst="rect">
+            <a:avLst/>
+          </a:prstGeom>
+          <a:noFill/>
+          <a:ln>
+            <a:noFill/>
+          </a:ln>
+        </p:spPr>
+        <p:style>
+          <a:lnRef idx="2">
+            <a:schemeClr val="accent1">
+              <a:shade val="50000"/>
+            </a:schemeClr>
+          </a:lnRef>
+          <a:fillRef idx="1">
+            <a:schemeClr val="accent1"/>
+          </a:fillRef>
+          <a:effectRef idx="0">
+            <a:schemeClr val="accent1"/>
+          </a:effectRef>
+          <a:fontRef idx="minor">
+            <a:schemeClr val="lt1"/>
+          </a:fontRef>
+        </p:style>
+        <p:txBody>
+          <a:bodyPr rtlCol="0" anchor="ctr"/>
+          <a:lstStyle>
+            <a:defPPr>
+              <a:defRPr lang="en-US"/>
+            </a:defPPr>
+            <a:lvl1pPr marL="0" algn="l" defTabSz="914400" rtl="0" eaLnBrk="1" latinLnBrk="0" hangingPunct="1">
+              <a:defRPr sz="1800" kern="1200">
+                <a:solidFill>
+                  <a:schemeClr val="lt1"/>
+                </a:solidFill>
+                <a:latin typeface="+mn-lt"/>
+                <a:ea typeface="+mn-ea"/>
+                <a:cs typeface="+mn-cs"/>
+              </a:defRPr>
+            </a:lvl1pPr>
+            <a:lvl2pPr marL="457200" algn="l" defTabSz="914400" rtl="0" eaLnBrk="1" latinLnBrk="0" hangingPunct="1">
+              <a:defRPr sz="1800" kern="1200">
+                <a:solidFill>
+                  <a:schemeClr val="lt1"/>
+                </a:solidFill>
+                <a:latin typeface="+mn-lt"/>
+                <a:ea typeface="+mn-ea"/>
+                <a:cs typeface="+mn-cs"/>
+              </a:defRPr>
+            </a:lvl2pPr>
+            <a:lvl3pPr marL="914400" algn="l" defTabSz="914400" rtl="0" eaLnBrk="1" latinLnBrk="0" hangingPunct="1">
+              <a:defRPr sz="1800" kern="1200">
+                <a:solidFill>
+                  <a:schemeClr val="lt1"/>
+                </a:solidFill>
+                <a:latin typeface="+mn-lt"/>
+                <a:ea typeface="+mn-ea"/>
+                <a:cs typeface="+mn-cs"/>
+              </a:defRPr>
+            </a:lvl3pPr>
+            <a:lvl4pPr marL="1371600" algn="l" defTabSz="914400" rtl="0" eaLnBrk="1" latinLnBrk="0" hangingPunct="1">
+              <a:defRPr sz="1800" kern="1200">
+                <a:solidFill>
+                  <a:schemeClr val="lt1"/>
+                </a:solidFill>
+                <a:latin typeface="+mn-lt"/>
+                <a:ea typeface="+mn-ea"/>
+                <a:cs typeface="+mn-cs"/>
+              </a:defRPr>
+            </a:lvl4pPr>
+            <a:lvl5pPr marL="1828800" algn="l" defTabSz="914400" rtl="0" eaLnBrk="1" latinLnBrk="0" hangingPunct="1">
+              <a:defRPr sz="1800" kern="1200">
+                <a:solidFill>
+                  <a:schemeClr val="lt1"/>
+                </a:solidFill>
+                <a:latin typeface="+mn-lt"/>
+                <a:ea typeface="+mn-ea"/>
+                <a:cs typeface="+mn-cs"/>
+              </a:defRPr>
+            </a:lvl5pPr>
+            <a:lvl6pPr marL="2286000" algn="l" defTabSz="914400" rtl="0" eaLnBrk="1" latinLnBrk="0" hangingPunct="1">
+              <a:defRPr sz="1800" kern="1200">
+                <a:solidFill>
+                  <a:schemeClr val="lt1"/>
+                </a:solidFill>
+                <a:latin typeface="+mn-lt"/>
+                <a:ea typeface="+mn-ea"/>
+                <a:cs typeface="+mn-cs"/>
+              </a:defRPr>
+            </a:lvl6pPr>
+            <a:lvl7pPr marL="2743200" algn="l" defTabSz="914400" rtl="0" eaLnBrk="1" latinLnBrk="0" hangingPunct="1">
+              <a:defRPr sz="1800" kern="1200">
+                <a:solidFill>
+                  <a:schemeClr val="lt1"/>
+                </a:solidFill>
+                <a:latin typeface="+mn-lt"/>
+                <a:ea typeface="+mn-ea"/>
+                <a:cs typeface="+mn-cs"/>
+              </a:defRPr>
+            </a:lvl7pPr>
+            <a:lvl8pPr marL="3200400" algn="l" defTabSz="914400" rtl="0" eaLnBrk="1" latinLnBrk="0" hangingPunct="1">
+              <a:defRPr sz="1800" kern="1200">
+                <a:solidFill>
+                  <a:schemeClr val="lt1"/>
+                </a:solidFill>
+                <a:latin typeface="+mn-lt"/>
+                <a:ea typeface="+mn-ea"/>
+                <a:cs typeface="+mn-cs"/>
+              </a:defRPr>
+            </a:lvl8pPr>
+            <a:lvl9pPr marL="3657600" algn="l" defTabSz="914400" rtl="0" eaLnBrk="1" latinLnBrk="0" hangingPunct="1">
+              <a:defRPr sz="1800" kern="1200">
+                <a:solidFill>
+                  <a:schemeClr val="lt1"/>
+                </a:solidFill>
+                <a:latin typeface="+mn-lt"/>
+                <a:ea typeface="+mn-ea"/>
+                <a:cs typeface="+mn-cs"/>
+              </a:defRPr>
+            </a:lvl9pPr>
+          </a:lstStyle>
+          <a:p>
+            <a:pPr algn="ctr"/>
+            <a:r>
+              <a:rPr lang="en-US" sz="5400" dirty="0" err="1">
+                <a:solidFill>
+                  <a:schemeClr val="accent4"/>
+                </a:solidFill>
+              </a:rPr>
+              <a:t>F#m</a:t>
+            </a:r>
+            <a:endParaRPr lang="en-PH" sz="5400" dirty="0">
+              <a:solidFill>
+                <a:schemeClr val="accent4"/>
+              </a:solidFill>
+            </a:endParaRPr>
+          </a:p>
+        </p:txBody>
+      </p:sp>
+      <p:sp>
+        <p:nvSpPr>
+          <p:cNvPr id="7" name="Rectangle 6">
+            <a:extLst>
+              <a:ext uri="{FF2B5EF4-FFF2-40B4-BE49-F238E27FC236}">
+                <a16:creationId xmlns:a16="http://schemas.microsoft.com/office/drawing/2014/main" id="{7D68BC34-8E48-404F-9829-0B0F926FA984}"/>
+              </a:ext>
+            </a:extLst>
+          </p:cNvPr>
+          <p:cNvSpPr/>
+          <p:nvPr/>
+        </p:nvSpPr>
+        <p:spPr>
+          <a:xfrm>
+            <a:off x="10362045" y="1969557"/>
+            <a:ext cx="1786597" cy="970671"/>
+          </a:xfrm>
+          <a:prstGeom prst="rect">
+            <a:avLst/>
+          </a:prstGeom>
+          <a:noFill/>
+          <a:ln>
+            <a:noFill/>
+          </a:ln>
+        </p:spPr>
+        <p:style>
+          <a:lnRef idx="2">
+            <a:schemeClr val="accent1">
+              <a:shade val="50000"/>
+            </a:schemeClr>
+          </a:lnRef>
+          <a:fillRef idx="1">
+            <a:schemeClr val="accent1"/>
+          </a:fillRef>
+          <a:effectRef idx="0">
+            <a:schemeClr val="accent1"/>
+          </a:effectRef>
+          <a:fontRef idx="minor">
+            <a:schemeClr val="lt1"/>
+          </a:fontRef>
+        </p:style>
+        <p:txBody>
+          <a:bodyPr rtlCol="0" anchor="ctr"/>
+          <a:lstStyle>
+            <a:defPPr>
+              <a:defRPr lang="en-US"/>
+            </a:defPPr>
+            <a:lvl1pPr marL="0" algn="l" defTabSz="914400" rtl="0" eaLnBrk="1" latinLnBrk="0" hangingPunct="1">
+              <a:defRPr sz="1800" kern="1200">
+                <a:solidFill>
+                  <a:schemeClr val="lt1"/>
+                </a:solidFill>
+                <a:latin typeface="+mn-lt"/>
+                <a:ea typeface="+mn-ea"/>
+                <a:cs typeface="+mn-cs"/>
+              </a:defRPr>
+            </a:lvl1pPr>
+            <a:lvl2pPr marL="457200" algn="l" defTabSz="914400" rtl="0" eaLnBrk="1" latinLnBrk="0" hangingPunct="1">
+              <a:defRPr sz="1800" kern="1200">
+                <a:solidFill>
+                  <a:schemeClr val="lt1"/>
+                </a:solidFill>
+                <a:latin typeface="+mn-lt"/>
+                <a:ea typeface="+mn-ea"/>
+                <a:cs typeface="+mn-cs"/>
+              </a:defRPr>
+            </a:lvl2pPr>
+            <a:lvl3pPr marL="914400" algn="l" defTabSz="914400" rtl="0" eaLnBrk="1" latinLnBrk="0" hangingPunct="1">
+              <a:defRPr sz="1800" kern="1200">
+                <a:solidFill>
+                  <a:schemeClr val="lt1"/>
+                </a:solidFill>
+                <a:latin typeface="+mn-lt"/>
+                <a:ea typeface="+mn-ea"/>
+                <a:cs typeface="+mn-cs"/>
+              </a:defRPr>
+            </a:lvl3pPr>
+            <a:lvl4pPr marL="1371600" algn="l" defTabSz="914400" rtl="0" eaLnBrk="1" latinLnBrk="0" hangingPunct="1">
+              <a:defRPr sz="1800" kern="1200">
+                <a:solidFill>
+                  <a:schemeClr val="lt1"/>
+                </a:solidFill>
+                <a:latin typeface="+mn-lt"/>
+                <a:ea typeface="+mn-ea"/>
+                <a:cs typeface="+mn-cs"/>
+              </a:defRPr>
+            </a:lvl4pPr>
+            <a:lvl5pPr marL="1828800" algn="l" defTabSz="914400" rtl="0" eaLnBrk="1" latinLnBrk="0" hangingPunct="1">
+              <a:defRPr sz="1800" kern="1200">
+                <a:solidFill>
+                  <a:schemeClr val="lt1"/>
+                </a:solidFill>
+                <a:latin typeface="+mn-lt"/>
+                <a:ea typeface="+mn-ea"/>
+                <a:cs typeface="+mn-cs"/>
+              </a:defRPr>
+            </a:lvl5pPr>
+            <a:lvl6pPr marL="2286000" algn="l" defTabSz="914400" rtl="0" eaLnBrk="1" latinLnBrk="0" hangingPunct="1">
+              <a:defRPr sz="1800" kern="1200">
+                <a:solidFill>
+                  <a:schemeClr val="lt1"/>
+                </a:solidFill>
+                <a:latin typeface="+mn-lt"/>
+                <a:ea typeface="+mn-ea"/>
+                <a:cs typeface="+mn-cs"/>
+              </a:defRPr>
+            </a:lvl6pPr>
+            <a:lvl7pPr marL="2743200" algn="l" defTabSz="914400" rtl="0" eaLnBrk="1" latinLnBrk="0" hangingPunct="1">
+              <a:defRPr sz="1800" kern="1200">
+                <a:solidFill>
+                  <a:schemeClr val="lt1"/>
+                </a:solidFill>
+                <a:latin typeface="+mn-lt"/>
+                <a:ea typeface="+mn-ea"/>
+                <a:cs typeface="+mn-cs"/>
+              </a:defRPr>
+            </a:lvl7pPr>
+            <a:lvl8pPr marL="3200400" algn="l" defTabSz="914400" rtl="0" eaLnBrk="1" latinLnBrk="0" hangingPunct="1">
+              <a:defRPr sz="1800" kern="1200">
+                <a:solidFill>
+                  <a:schemeClr val="lt1"/>
+                </a:solidFill>
+                <a:latin typeface="+mn-lt"/>
+                <a:ea typeface="+mn-ea"/>
+                <a:cs typeface="+mn-cs"/>
+              </a:defRPr>
+            </a:lvl8pPr>
+            <a:lvl9pPr marL="3657600" algn="l" defTabSz="914400" rtl="0" eaLnBrk="1" latinLnBrk="0" hangingPunct="1">
+              <a:defRPr sz="1800" kern="1200">
+                <a:solidFill>
+                  <a:schemeClr val="lt1"/>
+                </a:solidFill>
+                <a:latin typeface="+mn-lt"/>
+                <a:ea typeface="+mn-ea"/>
+                <a:cs typeface="+mn-cs"/>
+              </a:defRPr>
+            </a:lvl9pPr>
+          </a:lstStyle>
+          <a:p>
+            <a:pPr algn="ctr"/>
+            <a:r>
+              <a:rPr lang="en-US" sz="5400" dirty="0" err="1">
+                <a:solidFill>
+                  <a:schemeClr val="accent4"/>
+                </a:solidFill>
+              </a:rPr>
+              <a:t>Bm</a:t>
+            </a:r>
+            <a:endParaRPr lang="en-PH" sz="5400" dirty="0">
+              <a:solidFill>
+                <a:schemeClr val="accent4"/>
+              </a:solidFill>
+            </a:endParaRPr>
+          </a:p>
+        </p:txBody>
+      </p:sp>
+      <p:sp>
+        <p:nvSpPr>
+          <p:cNvPr id="8" name="Rectangle 7">
+            <a:extLst>
+              <a:ext uri="{FF2B5EF4-FFF2-40B4-BE49-F238E27FC236}">
+                <a16:creationId xmlns:a16="http://schemas.microsoft.com/office/drawing/2014/main" id="{8E2309E7-C9E3-49A7-9421-9390819CAF64}"/>
+              </a:ext>
+            </a:extLst>
+          </p:cNvPr>
+          <p:cNvSpPr/>
+          <p:nvPr/>
+        </p:nvSpPr>
+        <p:spPr>
+          <a:xfrm>
+            <a:off x="704592" y="3845255"/>
+            <a:ext cx="1786597" cy="970671"/>
+          </a:xfrm>
+          <a:prstGeom prst="rect">
+            <a:avLst/>
+          </a:prstGeom>
+          <a:noFill/>
+          <a:ln>
+            <a:noFill/>
+          </a:ln>
+        </p:spPr>
+        <p:style>
+          <a:lnRef idx="2">
+            <a:schemeClr val="accent1">
+              <a:shade val="50000"/>
+            </a:schemeClr>
+          </a:lnRef>
+          <a:fillRef idx="1">
+            <a:schemeClr val="accent1"/>
+          </a:fillRef>
+          <a:effectRef idx="0">
+            <a:schemeClr val="accent1"/>
+          </a:effectRef>
+          <a:fontRef idx="minor">
+            <a:schemeClr val="lt1"/>
+          </a:fontRef>
+        </p:style>
+        <p:txBody>
+          <a:bodyPr rtlCol="0" anchor="ctr"/>
+          <a:lstStyle>
+            <a:defPPr>
+              <a:defRPr lang="en-US"/>
+            </a:defPPr>
+            <a:lvl1pPr marL="0" algn="l" defTabSz="914400" rtl="0" eaLnBrk="1" latinLnBrk="0" hangingPunct="1">
+              <a:defRPr sz="1800" kern="1200">
+                <a:solidFill>
+                  <a:schemeClr val="lt1"/>
+                </a:solidFill>
+                <a:latin typeface="+mn-lt"/>
+                <a:ea typeface="+mn-ea"/>
+                <a:cs typeface="+mn-cs"/>
+              </a:defRPr>
+            </a:lvl1pPr>
+            <a:lvl2pPr marL="457200" algn="l" defTabSz="914400" rtl="0" eaLnBrk="1" latinLnBrk="0" hangingPunct="1">
+              <a:defRPr sz="1800" kern="1200">
+                <a:solidFill>
+                  <a:schemeClr val="lt1"/>
+                </a:solidFill>
+                <a:latin typeface="+mn-lt"/>
+                <a:ea typeface="+mn-ea"/>
+                <a:cs typeface="+mn-cs"/>
+              </a:defRPr>
+            </a:lvl2pPr>
+            <a:lvl3pPr marL="914400" algn="l" defTabSz="914400" rtl="0" eaLnBrk="1" latinLnBrk="0" hangingPunct="1">
+              <a:defRPr sz="1800" kern="1200">
+                <a:solidFill>
+                  <a:schemeClr val="lt1"/>
+                </a:solidFill>
+                <a:latin typeface="+mn-lt"/>
+                <a:ea typeface="+mn-ea"/>
+                <a:cs typeface="+mn-cs"/>
+              </a:defRPr>
+            </a:lvl3pPr>
+            <a:lvl4pPr marL="1371600" algn="l" defTabSz="914400" rtl="0" eaLnBrk="1" latinLnBrk="0" hangingPunct="1">
+              <a:defRPr sz="1800" kern="1200">
+                <a:solidFill>
+                  <a:schemeClr val="lt1"/>
+                </a:solidFill>
+                <a:latin typeface="+mn-lt"/>
+                <a:ea typeface="+mn-ea"/>
+                <a:cs typeface="+mn-cs"/>
+              </a:defRPr>
+            </a:lvl4pPr>
+            <a:lvl5pPr marL="1828800" algn="l" defTabSz="914400" rtl="0" eaLnBrk="1" latinLnBrk="0" hangingPunct="1">
+              <a:defRPr sz="1800" kern="1200">
+                <a:solidFill>
+                  <a:schemeClr val="lt1"/>
+                </a:solidFill>
+                <a:latin typeface="+mn-lt"/>
+                <a:ea typeface="+mn-ea"/>
+                <a:cs typeface="+mn-cs"/>
+              </a:defRPr>
+            </a:lvl5pPr>
+            <a:lvl6pPr marL="2286000" algn="l" defTabSz="914400" rtl="0" eaLnBrk="1" latinLnBrk="0" hangingPunct="1">
+              <a:defRPr sz="1800" kern="1200">
+                <a:solidFill>
+                  <a:schemeClr val="lt1"/>
+                </a:solidFill>
+                <a:latin typeface="+mn-lt"/>
+                <a:ea typeface="+mn-ea"/>
+                <a:cs typeface="+mn-cs"/>
+              </a:defRPr>
+            </a:lvl6pPr>
+            <a:lvl7pPr marL="2743200" algn="l" defTabSz="914400" rtl="0" eaLnBrk="1" latinLnBrk="0" hangingPunct="1">
+              <a:defRPr sz="1800" kern="1200">
+                <a:solidFill>
+                  <a:schemeClr val="lt1"/>
+                </a:solidFill>
+                <a:latin typeface="+mn-lt"/>
+                <a:ea typeface="+mn-ea"/>
+                <a:cs typeface="+mn-cs"/>
+              </a:defRPr>
+            </a:lvl7pPr>
+            <a:lvl8pPr marL="3200400" algn="l" defTabSz="914400" rtl="0" eaLnBrk="1" latinLnBrk="0" hangingPunct="1">
+              <a:defRPr sz="1800" kern="1200">
+                <a:solidFill>
+                  <a:schemeClr val="lt1"/>
+                </a:solidFill>
+                <a:latin typeface="+mn-lt"/>
+                <a:ea typeface="+mn-ea"/>
+                <a:cs typeface="+mn-cs"/>
+              </a:defRPr>
+            </a:lvl8pPr>
+            <a:lvl9pPr marL="3657600" algn="l" defTabSz="914400" rtl="0" eaLnBrk="1" latinLnBrk="0" hangingPunct="1">
+              <a:defRPr sz="1800" kern="1200">
+                <a:solidFill>
+                  <a:schemeClr val="lt1"/>
+                </a:solidFill>
+                <a:latin typeface="+mn-lt"/>
+                <a:ea typeface="+mn-ea"/>
+                <a:cs typeface="+mn-cs"/>
+              </a:defRPr>
+            </a:lvl9pPr>
+          </a:lstStyle>
+          <a:p>
+            <a:pPr algn="ctr"/>
+            <a:r>
+              <a:rPr lang="en-US" sz="5400" dirty="0" err="1">
+                <a:solidFill>
+                  <a:schemeClr val="accent4"/>
+                </a:solidFill>
+              </a:rPr>
+              <a:t>Em</a:t>
+            </a:r>
+            <a:endParaRPr lang="en-PH" sz="5400" dirty="0">
+              <a:solidFill>
+                <a:schemeClr val="accent4"/>
+              </a:solidFill>
+            </a:endParaRPr>
+          </a:p>
+        </p:txBody>
+      </p:sp>
+      <p:sp>
+        <p:nvSpPr>
+          <p:cNvPr id="9" name="Rectangle 8">
+            <a:extLst>
+              <a:ext uri="{FF2B5EF4-FFF2-40B4-BE49-F238E27FC236}">
+                <a16:creationId xmlns:a16="http://schemas.microsoft.com/office/drawing/2014/main" id="{B6554F18-06C2-4CFA-A09E-43163C32A1B6}"/>
+              </a:ext>
+            </a:extLst>
+          </p:cNvPr>
+          <p:cNvSpPr/>
+          <p:nvPr/>
+        </p:nvSpPr>
+        <p:spPr>
+          <a:xfrm>
+            <a:off x="6179266" y="4091439"/>
+            <a:ext cx="1786597" cy="970671"/>
+          </a:xfrm>
+          <a:prstGeom prst="rect">
+            <a:avLst/>
+          </a:prstGeom>
+          <a:noFill/>
+          <a:ln>
+            <a:noFill/>
+          </a:ln>
+        </p:spPr>
+        <p:style>
+          <a:lnRef idx="2">
+            <a:schemeClr val="accent1">
+              <a:shade val="50000"/>
+            </a:schemeClr>
+          </a:lnRef>
+          <a:fillRef idx="1">
+            <a:schemeClr val="accent1"/>
+          </a:fillRef>
+          <a:effectRef idx="0">
+            <a:schemeClr val="accent1"/>
+          </a:effectRef>
+          <a:fontRef idx="minor">
+            <a:schemeClr val="lt1"/>
+          </a:fontRef>
+        </p:style>
+        <p:txBody>
+          <a:bodyPr rtlCol="0" anchor="ctr"/>
+          <a:lstStyle>
+            <a:defPPr>
+              <a:defRPr lang="en-US"/>
+            </a:defPPr>
+            <a:lvl1pPr marL="0" algn="l" defTabSz="914400" rtl="0" eaLnBrk="1" latinLnBrk="0" hangingPunct="1">
+              <a:defRPr sz="1800" kern="1200">
+                <a:solidFill>
+                  <a:schemeClr val="lt1"/>
+                </a:solidFill>
+                <a:latin typeface="+mn-lt"/>
+                <a:ea typeface="+mn-ea"/>
+                <a:cs typeface="+mn-cs"/>
+              </a:defRPr>
+            </a:lvl1pPr>
+            <a:lvl2pPr marL="457200" algn="l" defTabSz="914400" rtl="0" eaLnBrk="1" latinLnBrk="0" hangingPunct="1">
+              <a:defRPr sz="1800" kern="1200">
+                <a:solidFill>
+                  <a:schemeClr val="lt1"/>
+                </a:solidFill>
+                <a:latin typeface="+mn-lt"/>
+                <a:ea typeface="+mn-ea"/>
+                <a:cs typeface="+mn-cs"/>
+              </a:defRPr>
+            </a:lvl2pPr>
+            <a:lvl3pPr marL="914400" algn="l" defTabSz="914400" rtl="0" eaLnBrk="1" latinLnBrk="0" hangingPunct="1">
+              <a:defRPr sz="1800" kern="1200">
+                <a:solidFill>
+                  <a:schemeClr val="lt1"/>
+                </a:solidFill>
+                <a:latin typeface="+mn-lt"/>
+                <a:ea typeface="+mn-ea"/>
+                <a:cs typeface="+mn-cs"/>
+              </a:defRPr>
+            </a:lvl3pPr>
+            <a:lvl4pPr marL="1371600" algn="l" defTabSz="914400" rtl="0" eaLnBrk="1" latinLnBrk="0" hangingPunct="1">
+              <a:defRPr sz="1800" kern="1200">
+                <a:solidFill>
+                  <a:schemeClr val="lt1"/>
+                </a:solidFill>
+                <a:latin typeface="+mn-lt"/>
+                <a:ea typeface="+mn-ea"/>
+                <a:cs typeface="+mn-cs"/>
+              </a:defRPr>
+            </a:lvl4pPr>
+            <a:lvl5pPr marL="1828800" algn="l" defTabSz="914400" rtl="0" eaLnBrk="1" latinLnBrk="0" hangingPunct="1">
+              <a:defRPr sz="1800" kern="1200">
+                <a:solidFill>
+                  <a:schemeClr val="lt1"/>
+                </a:solidFill>
+                <a:latin typeface="+mn-lt"/>
+                <a:ea typeface="+mn-ea"/>
+                <a:cs typeface="+mn-cs"/>
+              </a:defRPr>
+            </a:lvl5pPr>
+            <a:lvl6pPr marL="2286000" algn="l" defTabSz="914400" rtl="0" eaLnBrk="1" latinLnBrk="0" hangingPunct="1">
+              <a:defRPr sz="1800" kern="1200">
+                <a:solidFill>
+                  <a:schemeClr val="lt1"/>
+                </a:solidFill>
+                <a:latin typeface="+mn-lt"/>
+                <a:ea typeface="+mn-ea"/>
+                <a:cs typeface="+mn-cs"/>
+              </a:defRPr>
+            </a:lvl6pPr>
+            <a:lvl7pPr marL="2743200" algn="l" defTabSz="914400" rtl="0" eaLnBrk="1" latinLnBrk="0" hangingPunct="1">
+              <a:defRPr sz="1800" kern="1200">
+                <a:solidFill>
+                  <a:schemeClr val="lt1"/>
+                </a:solidFill>
+                <a:latin typeface="+mn-lt"/>
+                <a:ea typeface="+mn-ea"/>
+                <a:cs typeface="+mn-cs"/>
+              </a:defRPr>
+            </a:lvl7pPr>
+            <a:lvl8pPr marL="3200400" algn="l" defTabSz="914400" rtl="0" eaLnBrk="1" latinLnBrk="0" hangingPunct="1">
+              <a:defRPr sz="1800" kern="1200">
+                <a:solidFill>
+                  <a:schemeClr val="lt1"/>
+                </a:solidFill>
+                <a:latin typeface="+mn-lt"/>
+                <a:ea typeface="+mn-ea"/>
+                <a:cs typeface="+mn-cs"/>
+              </a:defRPr>
+            </a:lvl8pPr>
+            <a:lvl9pPr marL="3657600" algn="l" defTabSz="914400" rtl="0" eaLnBrk="1" latinLnBrk="0" hangingPunct="1">
+              <a:defRPr sz="1800" kern="1200">
+                <a:solidFill>
+                  <a:schemeClr val="lt1"/>
+                </a:solidFill>
+                <a:latin typeface="+mn-lt"/>
+                <a:ea typeface="+mn-ea"/>
+                <a:cs typeface="+mn-cs"/>
+              </a:defRPr>
+            </a:lvl9pPr>
+          </a:lstStyle>
+          <a:p>
+            <a:pPr algn="ctr"/>
+            <a:r>
+              <a:rPr lang="en-US" sz="5400" dirty="0">
+                <a:solidFill>
+                  <a:schemeClr val="accent4"/>
+                </a:solidFill>
+              </a:rPr>
+              <a:t>A7</a:t>
+            </a:r>
+            <a:endParaRPr lang="en-PH" sz="5400" dirty="0">
+              <a:solidFill>
+                <a:schemeClr val="accent4"/>
+              </a:solidFill>
+            </a:endParaRPr>
+          </a:p>
+        </p:txBody>
+      </p:sp>
+      <p:sp>
+        <p:nvSpPr>
+          <p:cNvPr id="10" name="Rectangle 9">
+            <a:extLst>
+              <a:ext uri="{FF2B5EF4-FFF2-40B4-BE49-F238E27FC236}">
+                <a16:creationId xmlns:a16="http://schemas.microsoft.com/office/drawing/2014/main" id="{2EC0BDC2-9014-40A0-94C5-AA0AAC27F84F}"/>
+              </a:ext>
+            </a:extLst>
+          </p:cNvPr>
+          <p:cNvSpPr/>
+          <p:nvPr/>
+        </p:nvSpPr>
+        <p:spPr>
+          <a:xfrm>
+            <a:off x="10399575" y="3950763"/>
+            <a:ext cx="1786597" cy="970671"/>
+          </a:xfrm>
+          <a:prstGeom prst="rect">
+            <a:avLst/>
+          </a:prstGeom>
+          <a:noFill/>
+          <a:ln>
+            <a:noFill/>
+          </a:ln>
+        </p:spPr>
+        <p:style>
+          <a:lnRef idx="2">
+            <a:schemeClr val="accent1">
+              <a:shade val="50000"/>
+            </a:schemeClr>
+          </a:lnRef>
+          <a:fillRef idx="1">
+            <a:schemeClr val="accent1"/>
+          </a:fillRef>
+          <a:effectRef idx="0">
+            <a:schemeClr val="accent1"/>
+          </a:effectRef>
+          <a:fontRef idx="minor">
+            <a:schemeClr val="lt1"/>
+          </a:fontRef>
+        </p:style>
+        <p:txBody>
+          <a:bodyPr rtlCol="0" anchor="ctr"/>
+          <a:lstStyle>
+            <a:defPPr>
+              <a:defRPr lang="en-US"/>
+            </a:defPPr>
+            <a:lvl1pPr marL="0" algn="l" defTabSz="914400" rtl="0" eaLnBrk="1" latinLnBrk="0" hangingPunct="1">
+              <a:defRPr sz="1800" kern="1200">
+                <a:solidFill>
+                  <a:schemeClr val="lt1"/>
+                </a:solidFill>
+                <a:latin typeface="+mn-lt"/>
+                <a:ea typeface="+mn-ea"/>
+                <a:cs typeface="+mn-cs"/>
+              </a:defRPr>
+            </a:lvl1pPr>
+            <a:lvl2pPr marL="457200" algn="l" defTabSz="914400" rtl="0" eaLnBrk="1" latinLnBrk="0" hangingPunct="1">
+              <a:defRPr sz="1800" kern="1200">
+                <a:solidFill>
+                  <a:schemeClr val="lt1"/>
+                </a:solidFill>
+                <a:latin typeface="+mn-lt"/>
+                <a:ea typeface="+mn-ea"/>
+                <a:cs typeface="+mn-cs"/>
+              </a:defRPr>
+            </a:lvl2pPr>
+            <a:lvl3pPr marL="914400" algn="l" defTabSz="914400" rtl="0" eaLnBrk="1" latinLnBrk="0" hangingPunct="1">
+              <a:defRPr sz="1800" kern="1200">
+                <a:solidFill>
+                  <a:schemeClr val="lt1"/>
+                </a:solidFill>
+                <a:latin typeface="+mn-lt"/>
+                <a:ea typeface="+mn-ea"/>
+                <a:cs typeface="+mn-cs"/>
+              </a:defRPr>
+            </a:lvl3pPr>
+            <a:lvl4pPr marL="1371600" algn="l" defTabSz="914400" rtl="0" eaLnBrk="1" latinLnBrk="0" hangingPunct="1">
+              <a:defRPr sz="1800" kern="1200">
+                <a:solidFill>
+                  <a:schemeClr val="lt1"/>
+                </a:solidFill>
+                <a:latin typeface="+mn-lt"/>
+                <a:ea typeface="+mn-ea"/>
+                <a:cs typeface="+mn-cs"/>
+              </a:defRPr>
+            </a:lvl4pPr>
+            <a:lvl5pPr marL="1828800" algn="l" defTabSz="914400" rtl="0" eaLnBrk="1" latinLnBrk="0" hangingPunct="1">
+              <a:defRPr sz="1800" kern="1200">
+                <a:solidFill>
+                  <a:schemeClr val="lt1"/>
+                </a:solidFill>
+                <a:latin typeface="+mn-lt"/>
+                <a:ea typeface="+mn-ea"/>
+                <a:cs typeface="+mn-cs"/>
+              </a:defRPr>
+            </a:lvl5pPr>
+            <a:lvl6pPr marL="2286000" algn="l" defTabSz="914400" rtl="0" eaLnBrk="1" latinLnBrk="0" hangingPunct="1">
+              <a:defRPr sz="1800" kern="1200">
+                <a:solidFill>
+                  <a:schemeClr val="lt1"/>
+                </a:solidFill>
+                <a:latin typeface="+mn-lt"/>
+                <a:ea typeface="+mn-ea"/>
+                <a:cs typeface="+mn-cs"/>
+              </a:defRPr>
+            </a:lvl6pPr>
+            <a:lvl7pPr marL="2743200" algn="l" defTabSz="914400" rtl="0" eaLnBrk="1" latinLnBrk="0" hangingPunct="1">
+              <a:defRPr sz="1800" kern="1200">
+                <a:solidFill>
+                  <a:schemeClr val="lt1"/>
+                </a:solidFill>
+                <a:latin typeface="+mn-lt"/>
+                <a:ea typeface="+mn-ea"/>
+                <a:cs typeface="+mn-cs"/>
+              </a:defRPr>
+            </a:lvl7pPr>
+            <a:lvl8pPr marL="3200400" algn="l" defTabSz="914400" rtl="0" eaLnBrk="1" latinLnBrk="0" hangingPunct="1">
+              <a:defRPr sz="1800" kern="1200">
+                <a:solidFill>
+                  <a:schemeClr val="lt1"/>
+                </a:solidFill>
+                <a:latin typeface="+mn-lt"/>
+                <a:ea typeface="+mn-ea"/>
+                <a:cs typeface="+mn-cs"/>
+              </a:defRPr>
+            </a:lvl8pPr>
+            <a:lvl9pPr marL="3657600" algn="l" defTabSz="914400" rtl="0" eaLnBrk="1" latinLnBrk="0" hangingPunct="1">
+              <a:defRPr sz="1800" kern="1200">
+                <a:solidFill>
+                  <a:schemeClr val="lt1"/>
+                </a:solidFill>
+                <a:latin typeface="+mn-lt"/>
+                <a:ea typeface="+mn-ea"/>
+                <a:cs typeface="+mn-cs"/>
+              </a:defRPr>
+            </a:lvl9pPr>
+          </a:lstStyle>
+          <a:p>
+            <a:pPr algn="ctr"/>
+            <a:r>
+              <a:rPr lang="en-US" sz="5400" dirty="0">
+                <a:solidFill>
+                  <a:schemeClr val="accent4"/>
+                </a:solidFill>
+              </a:rPr>
+              <a:t>D</a:t>
+            </a:r>
+            <a:endParaRPr lang="en-PH" sz="5400" dirty="0">
+              <a:solidFill>
+                <a:schemeClr val="accent4"/>
+              </a:solidFill>
+            </a:endParaRPr>
+          </a:p>
+        </p:txBody>
+      </p:sp>
+      <p:sp>
+        <p:nvSpPr>
+          <p:cNvPr id="11" name="Rectangle 10">
+            <a:extLst>
+              <a:ext uri="{FF2B5EF4-FFF2-40B4-BE49-F238E27FC236}">
+                <a16:creationId xmlns:a16="http://schemas.microsoft.com/office/drawing/2014/main" id="{1BB85133-230B-49A6-8276-0A66EB5CAFEA}"/>
+              </a:ext>
+            </a:extLst>
+          </p:cNvPr>
+          <p:cNvSpPr/>
+          <p:nvPr/>
+        </p:nvSpPr>
+        <p:spPr>
+          <a:xfrm>
+            <a:off x="11044341" y="3962487"/>
+            <a:ext cx="1786597" cy="970671"/>
+          </a:xfrm>
+          <a:prstGeom prst="rect">
+            <a:avLst/>
+          </a:prstGeom>
+          <a:noFill/>
+          <a:ln>
+            <a:noFill/>
+          </a:ln>
+        </p:spPr>
+        <p:style>
+          <a:lnRef idx="2">
+            <a:schemeClr val="accent1">
+              <a:shade val="50000"/>
+            </a:schemeClr>
+          </a:lnRef>
+          <a:fillRef idx="1">
+            <a:schemeClr val="accent1"/>
+          </a:fillRef>
+          <a:effectRef idx="0">
+            <a:schemeClr val="accent1"/>
+          </a:effectRef>
+          <a:fontRef idx="minor">
+            <a:schemeClr val="lt1"/>
+          </a:fontRef>
+        </p:style>
+        <p:txBody>
+          <a:bodyPr rtlCol="0" anchor="ctr"/>
+          <a:lstStyle>
+            <a:defPPr>
+              <a:defRPr lang="en-US"/>
+            </a:defPPr>
+            <a:lvl1pPr marL="0" algn="l" defTabSz="914400" rtl="0" eaLnBrk="1" latinLnBrk="0" hangingPunct="1">
+              <a:defRPr sz="1800" kern="1200">
+                <a:solidFill>
+                  <a:schemeClr val="lt1"/>
+                </a:solidFill>
+                <a:latin typeface="+mn-lt"/>
+                <a:ea typeface="+mn-ea"/>
+                <a:cs typeface="+mn-cs"/>
+              </a:defRPr>
+            </a:lvl1pPr>
+            <a:lvl2pPr marL="457200" algn="l" defTabSz="914400" rtl="0" eaLnBrk="1" latinLnBrk="0" hangingPunct="1">
+              <a:defRPr sz="1800" kern="1200">
+                <a:solidFill>
+                  <a:schemeClr val="lt1"/>
+                </a:solidFill>
+                <a:latin typeface="+mn-lt"/>
+                <a:ea typeface="+mn-ea"/>
+                <a:cs typeface="+mn-cs"/>
+              </a:defRPr>
+            </a:lvl2pPr>
+            <a:lvl3pPr marL="914400" algn="l" defTabSz="914400" rtl="0" eaLnBrk="1" latinLnBrk="0" hangingPunct="1">
+              <a:defRPr sz="1800" kern="1200">
+                <a:solidFill>
+                  <a:schemeClr val="lt1"/>
+                </a:solidFill>
+                <a:latin typeface="+mn-lt"/>
+                <a:ea typeface="+mn-ea"/>
+                <a:cs typeface="+mn-cs"/>
+              </a:defRPr>
+            </a:lvl3pPr>
+            <a:lvl4pPr marL="1371600" algn="l" defTabSz="914400" rtl="0" eaLnBrk="1" latinLnBrk="0" hangingPunct="1">
+              <a:defRPr sz="1800" kern="1200">
+                <a:solidFill>
+                  <a:schemeClr val="lt1"/>
+                </a:solidFill>
+                <a:latin typeface="+mn-lt"/>
+                <a:ea typeface="+mn-ea"/>
+                <a:cs typeface="+mn-cs"/>
+              </a:defRPr>
+            </a:lvl4pPr>
+            <a:lvl5pPr marL="1828800" algn="l" defTabSz="914400" rtl="0" eaLnBrk="1" latinLnBrk="0" hangingPunct="1">
+              <a:defRPr sz="1800" kern="1200">
+                <a:solidFill>
+                  <a:schemeClr val="lt1"/>
+                </a:solidFill>
+                <a:latin typeface="+mn-lt"/>
+                <a:ea typeface="+mn-ea"/>
+                <a:cs typeface="+mn-cs"/>
+              </a:defRPr>
+            </a:lvl5pPr>
+            <a:lvl6pPr marL="2286000" algn="l" defTabSz="914400" rtl="0" eaLnBrk="1" latinLnBrk="0" hangingPunct="1">
+              <a:defRPr sz="1800" kern="1200">
+                <a:solidFill>
+                  <a:schemeClr val="lt1"/>
+                </a:solidFill>
+                <a:latin typeface="+mn-lt"/>
+                <a:ea typeface="+mn-ea"/>
+                <a:cs typeface="+mn-cs"/>
+              </a:defRPr>
+            </a:lvl6pPr>
+            <a:lvl7pPr marL="2743200" algn="l" defTabSz="914400" rtl="0" eaLnBrk="1" latinLnBrk="0" hangingPunct="1">
+              <a:defRPr sz="1800" kern="1200">
+                <a:solidFill>
+                  <a:schemeClr val="lt1"/>
+                </a:solidFill>
+                <a:latin typeface="+mn-lt"/>
+                <a:ea typeface="+mn-ea"/>
+                <a:cs typeface="+mn-cs"/>
+              </a:defRPr>
+            </a:lvl7pPr>
+            <a:lvl8pPr marL="3200400" algn="l" defTabSz="914400" rtl="0" eaLnBrk="1" latinLnBrk="0" hangingPunct="1">
+              <a:defRPr sz="1800" kern="1200">
+                <a:solidFill>
+                  <a:schemeClr val="lt1"/>
+                </a:solidFill>
+                <a:latin typeface="+mn-lt"/>
+                <a:ea typeface="+mn-ea"/>
+                <a:cs typeface="+mn-cs"/>
+              </a:defRPr>
+            </a:lvl8pPr>
+            <a:lvl9pPr marL="3657600" algn="l" defTabSz="914400" rtl="0" eaLnBrk="1" latinLnBrk="0" hangingPunct="1">
+              <a:defRPr sz="1800" kern="1200">
+                <a:solidFill>
+                  <a:schemeClr val="lt1"/>
+                </a:solidFill>
+                <a:latin typeface="+mn-lt"/>
+                <a:ea typeface="+mn-ea"/>
+                <a:cs typeface="+mn-cs"/>
+              </a:defRPr>
+            </a:lvl9pPr>
+          </a:lstStyle>
+          <a:p>
+            <a:pPr algn="ctr"/>
+            <a:r>
+              <a:rPr lang="en-US" sz="5400" dirty="0">
+                <a:solidFill>
+                  <a:schemeClr val="accent4"/>
+                </a:solidFill>
+              </a:rPr>
+              <a:t>A</a:t>
+            </a:r>
+            <a:endParaRPr lang="en-PH" sz="5400" dirty="0">
+              <a:solidFill>
+                <a:schemeClr val="accent4"/>
+              </a:solidFill>
+            </a:endParaRPr>
+          </a:p>
+        </p:txBody>
+      </p:sp>
     </p:spTree>
     <p:extLst>
       <p:ext uri="{BB962C8B-B14F-4D97-AF65-F5344CB8AC3E}">
@@ -4293,10 +6789,1258 @@
           </a:p>
         </p:txBody>
       </p:sp>
+      <p:sp>
+        <p:nvSpPr>
+          <p:cNvPr id="3" name="Rectangle 2">
+            <a:extLst>
+              <a:ext uri="{FF2B5EF4-FFF2-40B4-BE49-F238E27FC236}">
+                <a16:creationId xmlns:a16="http://schemas.microsoft.com/office/drawing/2014/main" id="{0E50744E-36E5-468C-B21F-CFF60E0128CF}"/>
+              </a:ext>
+            </a:extLst>
+          </p:cNvPr>
+          <p:cNvSpPr/>
+          <p:nvPr/>
+        </p:nvSpPr>
+        <p:spPr>
+          <a:xfrm>
+            <a:off x="903882" y="1277893"/>
+            <a:ext cx="1786597" cy="970671"/>
+          </a:xfrm>
+          <a:prstGeom prst="rect">
+            <a:avLst/>
+          </a:prstGeom>
+          <a:noFill/>
+          <a:ln>
+            <a:noFill/>
+          </a:ln>
+        </p:spPr>
+        <p:style>
+          <a:lnRef idx="2">
+            <a:schemeClr val="accent1">
+              <a:shade val="50000"/>
+            </a:schemeClr>
+          </a:lnRef>
+          <a:fillRef idx="1">
+            <a:schemeClr val="accent1"/>
+          </a:fillRef>
+          <a:effectRef idx="0">
+            <a:schemeClr val="accent1"/>
+          </a:effectRef>
+          <a:fontRef idx="minor">
+            <a:schemeClr val="lt1"/>
+          </a:fontRef>
+        </p:style>
+        <p:txBody>
+          <a:bodyPr rtlCol="0" anchor="ctr"/>
+          <a:lstStyle>
+            <a:defPPr>
+              <a:defRPr lang="en-US"/>
+            </a:defPPr>
+            <a:lvl1pPr marL="0" algn="l" defTabSz="914400" rtl="0" eaLnBrk="1" latinLnBrk="0" hangingPunct="1">
+              <a:defRPr sz="1800" kern="1200">
+                <a:solidFill>
+                  <a:schemeClr val="lt1"/>
+                </a:solidFill>
+                <a:latin typeface="+mn-lt"/>
+                <a:ea typeface="+mn-ea"/>
+                <a:cs typeface="+mn-cs"/>
+              </a:defRPr>
+            </a:lvl1pPr>
+            <a:lvl2pPr marL="457200" algn="l" defTabSz="914400" rtl="0" eaLnBrk="1" latinLnBrk="0" hangingPunct="1">
+              <a:defRPr sz="1800" kern="1200">
+                <a:solidFill>
+                  <a:schemeClr val="lt1"/>
+                </a:solidFill>
+                <a:latin typeface="+mn-lt"/>
+                <a:ea typeface="+mn-ea"/>
+                <a:cs typeface="+mn-cs"/>
+              </a:defRPr>
+            </a:lvl2pPr>
+            <a:lvl3pPr marL="914400" algn="l" defTabSz="914400" rtl="0" eaLnBrk="1" latinLnBrk="0" hangingPunct="1">
+              <a:defRPr sz="1800" kern="1200">
+                <a:solidFill>
+                  <a:schemeClr val="lt1"/>
+                </a:solidFill>
+                <a:latin typeface="+mn-lt"/>
+                <a:ea typeface="+mn-ea"/>
+                <a:cs typeface="+mn-cs"/>
+              </a:defRPr>
+            </a:lvl3pPr>
+            <a:lvl4pPr marL="1371600" algn="l" defTabSz="914400" rtl="0" eaLnBrk="1" latinLnBrk="0" hangingPunct="1">
+              <a:defRPr sz="1800" kern="1200">
+                <a:solidFill>
+                  <a:schemeClr val="lt1"/>
+                </a:solidFill>
+                <a:latin typeface="+mn-lt"/>
+                <a:ea typeface="+mn-ea"/>
+                <a:cs typeface="+mn-cs"/>
+              </a:defRPr>
+            </a:lvl4pPr>
+            <a:lvl5pPr marL="1828800" algn="l" defTabSz="914400" rtl="0" eaLnBrk="1" latinLnBrk="0" hangingPunct="1">
+              <a:defRPr sz="1800" kern="1200">
+                <a:solidFill>
+                  <a:schemeClr val="lt1"/>
+                </a:solidFill>
+                <a:latin typeface="+mn-lt"/>
+                <a:ea typeface="+mn-ea"/>
+                <a:cs typeface="+mn-cs"/>
+              </a:defRPr>
+            </a:lvl5pPr>
+            <a:lvl6pPr marL="2286000" algn="l" defTabSz="914400" rtl="0" eaLnBrk="1" latinLnBrk="0" hangingPunct="1">
+              <a:defRPr sz="1800" kern="1200">
+                <a:solidFill>
+                  <a:schemeClr val="lt1"/>
+                </a:solidFill>
+                <a:latin typeface="+mn-lt"/>
+                <a:ea typeface="+mn-ea"/>
+                <a:cs typeface="+mn-cs"/>
+              </a:defRPr>
+            </a:lvl6pPr>
+            <a:lvl7pPr marL="2743200" algn="l" defTabSz="914400" rtl="0" eaLnBrk="1" latinLnBrk="0" hangingPunct="1">
+              <a:defRPr sz="1800" kern="1200">
+                <a:solidFill>
+                  <a:schemeClr val="lt1"/>
+                </a:solidFill>
+                <a:latin typeface="+mn-lt"/>
+                <a:ea typeface="+mn-ea"/>
+                <a:cs typeface="+mn-cs"/>
+              </a:defRPr>
+            </a:lvl7pPr>
+            <a:lvl8pPr marL="3200400" algn="l" defTabSz="914400" rtl="0" eaLnBrk="1" latinLnBrk="0" hangingPunct="1">
+              <a:defRPr sz="1800" kern="1200">
+                <a:solidFill>
+                  <a:schemeClr val="lt1"/>
+                </a:solidFill>
+                <a:latin typeface="+mn-lt"/>
+                <a:ea typeface="+mn-ea"/>
+                <a:cs typeface="+mn-cs"/>
+              </a:defRPr>
+            </a:lvl8pPr>
+            <a:lvl9pPr marL="3657600" algn="l" defTabSz="914400" rtl="0" eaLnBrk="1" latinLnBrk="0" hangingPunct="1">
+              <a:defRPr sz="1800" kern="1200">
+                <a:solidFill>
+                  <a:schemeClr val="lt1"/>
+                </a:solidFill>
+                <a:latin typeface="+mn-lt"/>
+                <a:ea typeface="+mn-ea"/>
+                <a:cs typeface="+mn-cs"/>
+              </a:defRPr>
+            </a:lvl9pPr>
+          </a:lstStyle>
+          <a:p>
+            <a:pPr algn="ctr"/>
+            <a:r>
+              <a:rPr lang="en-US" sz="5400" dirty="0">
+                <a:solidFill>
+                  <a:schemeClr val="accent4"/>
+                </a:solidFill>
+              </a:rPr>
+              <a:t>D</a:t>
+            </a:r>
+            <a:endParaRPr lang="en-PH" sz="5400" dirty="0">
+              <a:solidFill>
+                <a:schemeClr val="accent4"/>
+              </a:solidFill>
+            </a:endParaRPr>
+          </a:p>
+        </p:txBody>
+      </p:sp>
+      <p:sp>
+        <p:nvSpPr>
+          <p:cNvPr id="5" name="Rectangle 4">
+            <a:extLst>
+              <a:ext uri="{FF2B5EF4-FFF2-40B4-BE49-F238E27FC236}">
+                <a16:creationId xmlns:a16="http://schemas.microsoft.com/office/drawing/2014/main" id="{BCAE5486-8B9C-43E9-B7ED-0722A0108921}"/>
+              </a:ext>
+            </a:extLst>
+          </p:cNvPr>
+          <p:cNvSpPr/>
+          <p:nvPr/>
+        </p:nvSpPr>
+        <p:spPr>
+          <a:xfrm>
+            <a:off x="3940156" y="1266171"/>
+            <a:ext cx="1786597" cy="970671"/>
+          </a:xfrm>
+          <a:prstGeom prst="rect">
+            <a:avLst/>
+          </a:prstGeom>
+          <a:noFill/>
+          <a:ln>
+            <a:noFill/>
+          </a:ln>
+        </p:spPr>
+        <p:style>
+          <a:lnRef idx="2">
+            <a:schemeClr val="accent1">
+              <a:shade val="50000"/>
+            </a:schemeClr>
+          </a:lnRef>
+          <a:fillRef idx="1">
+            <a:schemeClr val="accent1"/>
+          </a:fillRef>
+          <a:effectRef idx="0">
+            <a:schemeClr val="accent1"/>
+          </a:effectRef>
+          <a:fontRef idx="minor">
+            <a:schemeClr val="lt1"/>
+          </a:fontRef>
+        </p:style>
+        <p:txBody>
+          <a:bodyPr rtlCol="0" anchor="ctr"/>
+          <a:lstStyle>
+            <a:defPPr>
+              <a:defRPr lang="en-US"/>
+            </a:defPPr>
+            <a:lvl1pPr marL="0" algn="l" defTabSz="914400" rtl="0" eaLnBrk="1" latinLnBrk="0" hangingPunct="1">
+              <a:defRPr sz="1800" kern="1200">
+                <a:solidFill>
+                  <a:schemeClr val="lt1"/>
+                </a:solidFill>
+                <a:latin typeface="+mn-lt"/>
+                <a:ea typeface="+mn-ea"/>
+                <a:cs typeface="+mn-cs"/>
+              </a:defRPr>
+            </a:lvl1pPr>
+            <a:lvl2pPr marL="457200" algn="l" defTabSz="914400" rtl="0" eaLnBrk="1" latinLnBrk="0" hangingPunct="1">
+              <a:defRPr sz="1800" kern="1200">
+                <a:solidFill>
+                  <a:schemeClr val="lt1"/>
+                </a:solidFill>
+                <a:latin typeface="+mn-lt"/>
+                <a:ea typeface="+mn-ea"/>
+                <a:cs typeface="+mn-cs"/>
+              </a:defRPr>
+            </a:lvl2pPr>
+            <a:lvl3pPr marL="914400" algn="l" defTabSz="914400" rtl="0" eaLnBrk="1" latinLnBrk="0" hangingPunct="1">
+              <a:defRPr sz="1800" kern="1200">
+                <a:solidFill>
+                  <a:schemeClr val="lt1"/>
+                </a:solidFill>
+                <a:latin typeface="+mn-lt"/>
+                <a:ea typeface="+mn-ea"/>
+                <a:cs typeface="+mn-cs"/>
+              </a:defRPr>
+            </a:lvl3pPr>
+            <a:lvl4pPr marL="1371600" algn="l" defTabSz="914400" rtl="0" eaLnBrk="1" latinLnBrk="0" hangingPunct="1">
+              <a:defRPr sz="1800" kern="1200">
+                <a:solidFill>
+                  <a:schemeClr val="lt1"/>
+                </a:solidFill>
+                <a:latin typeface="+mn-lt"/>
+                <a:ea typeface="+mn-ea"/>
+                <a:cs typeface="+mn-cs"/>
+              </a:defRPr>
+            </a:lvl4pPr>
+            <a:lvl5pPr marL="1828800" algn="l" defTabSz="914400" rtl="0" eaLnBrk="1" latinLnBrk="0" hangingPunct="1">
+              <a:defRPr sz="1800" kern="1200">
+                <a:solidFill>
+                  <a:schemeClr val="lt1"/>
+                </a:solidFill>
+                <a:latin typeface="+mn-lt"/>
+                <a:ea typeface="+mn-ea"/>
+                <a:cs typeface="+mn-cs"/>
+              </a:defRPr>
+            </a:lvl5pPr>
+            <a:lvl6pPr marL="2286000" algn="l" defTabSz="914400" rtl="0" eaLnBrk="1" latinLnBrk="0" hangingPunct="1">
+              <a:defRPr sz="1800" kern="1200">
+                <a:solidFill>
+                  <a:schemeClr val="lt1"/>
+                </a:solidFill>
+                <a:latin typeface="+mn-lt"/>
+                <a:ea typeface="+mn-ea"/>
+                <a:cs typeface="+mn-cs"/>
+              </a:defRPr>
+            </a:lvl6pPr>
+            <a:lvl7pPr marL="2743200" algn="l" defTabSz="914400" rtl="0" eaLnBrk="1" latinLnBrk="0" hangingPunct="1">
+              <a:defRPr sz="1800" kern="1200">
+                <a:solidFill>
+                  <a:schemeClr val="lt1"/>
+                </a:solidFill>
+                <a:latin typeface="+mn-lt"/>
+                <a:ea typeface="+mn-ea"/>
+                <a:cs typeface="+mn-cs"/>
+              </a:defRPr>
+            </a:lvl7pPr>
+            <a:lvl8pPr marL="3200400" algn="l" defTabSz="914400" rtl="0" eaLnBrk="1" latinLnBrk="0" hangingPunct="1">
+              <a:defRPr sz="1800" kern="1200">
+                <a:solidFill>
+                  <a:schemeClr val="lt1"/>
+                </a:solidFill>
+                <a:latin typeface="+mn-lt"/>
+                <a:ea typeface="+mn-ea"/>
+                <a:cs typeface="+mn-cs"/>
+              </a:defRPr>
+            </a:lvl8pPr>
+            <a:lvl9pPr marL="3657600" algn="l" defTabSz="914400" rtl="0" eaLnBrk="1" latinLnBrk="0" hangingPunct="1">
+              <a:defRPr sz="1800" kern="1200">
+                <a:solidFill>
+                  <a:schemeClr val="lt1"/>
+                </a:solidFill>
+                <a:latin typeface="+mn-lt"/>
+                <a:ea typeface="+mn-ea"/>
+                <a:cs typeface="+mn-cs"/>
+              </a:defRPr>
+            </a:lvl9pPr>
+          </a:lstStyle>
+          <a:p>
+            <a:pPr algn="ctr"/>
+            <a:r>
+              <a:rPr lang="en-US" sz="5400" dirty="0">
+                <a:solidFill>
+                  <a:schemeClr val="accent4"/>
+                </a:solidFill>
+              </a:rPr>
+              <a:t>A</a:t>
+            </a:r>
+            <a:endParaRPr lang="en-PH" sz="5400" dirty="0">
+              <a:solidFill>
+                <a:schemeClr val="accent4"/>
+              </a:solidFill>
+            </a:endParaRPr>
+          </a:p>
+        </p:txBody>
+      </p:sp>
+      <p:sp>
+        <p:nvSpPr>
+          <p:cNvPr id="6" name="Rectangle 5">
+            <a:extLst>
+              <a:ext uri="{FF2B5EF4-FFF2-40B4-BE49-F238E27FC236}">
+                <a16:creationId xmlns:a16="http://schemas.microsoft.com/office/drawing/2014/main" id="{9B792227-3B3F-42B5-B1A7-27FE45BC21F0}"/>
+              </a:ext>
+            </a:extLst>
+          </p:cNvPr>
+          <p:cNvSpPr/>
+          <p:nvPr/>
+        </p:nvSpPr>
+        <p:spPr>
+          <a:xfrm>
+            <a:off x="6495790" y="1289617"/>
+            <a:ext cx="1786597" cy="970671"/>
+          </a:xfrm>
+          <a:prstGeom prst="rect">
+            <a:avLst/>
+          </a:prstGeom>
+          <a:noFill/>
+          <a:ln>
+            <a:noFill/>
+          </a:ln>
+        </p:spPr>
+        <p:style>
+          <a:lnRef idx="2">
+            <a:schemeClr val="accent1">
+              <a:shade val="50000"/>
+            </a:schemeClr>
+          </a:lnRef>
+          <a:fillRef idx="1">
+            <a:schemeClr val="accent1"/>
+          </a:fillRef>
+          <a:effectRef idx="0">
+            <a:schemeClr val="accent1"/>
+          </a:effectRef>
+          <a:fontRef idx="minor">
+            <a:schemeClr val="lt1"/>
+          </a:fontRef>
+        </p:style>
+        <p:txBody>
+          <a:bodyPr rtlCol="0" anchor="ctr"/>
+          <a:lstStyle>
+            <a:defPPr>
+              <a:defRPr lang="en-US"/>
+            </a:defPPr>
+            <a:lvl1pPr marL="0" algn="l" defTabSz="914400" rtl="0" eaLnBrk="1" latinLnBrk="0" hangingPunct="1">
+              <a:defRPr sz="1800" kern="1200">
+                <a:solidFill>
+                  <a:schemeClr val="lt1"/>
+                </a:solidFill>
+                <a:latin typeface="+mn-lt"/>
+                <a:ea typeface="+mn-ea"/>
+                <a:cs typeface="+mn-cs"/>
+              </a:defRPr>
+            </a:lvl1pPr>
+            <a:lvl2pPr marL="457200" algn="l" defTabSz="914400" rtl="0" eaLnBrk="1" latinLnBrk="0" hangingPunct="1">
+              <a:defRPr sz="1800" kern="1200">
+                <a:solidFill>
+                  <a:schemeClr val="lt1"/>
+                </a:solidFill>
+                <a:latin typeface="+mn-lt"/>
+                <a:ea typeface="+mn-ea"/>
+                <a:cs typeface="+mn-cs"/>
+              </a:defRPr>
+            </a:lvl2pPr>
+            <a:lvl3pPr marL="914400" algn="l" defTabSz="914400" rtl="0" eaLnBrk="1" latinLnBrk="0" hangingPunct="1">
+              <a:defRPr sz="1800" kern="1200">
+                <a:solidFill>
+                  <a:schemeClr val="lt1"/>
+                </a:solidFill>
+                <a:latin typeface="+mn-lt"/>
+                <a:ea typeface="+mn-ea"/>
+                <a:cs typeface="+mn-cs"/>
+              </a:defRPr>
+            </a:lvl3pPr>
+            <a:lvl4pPr marL="1371600" algn="l" defTabSz="914400" rtl="0" eaLnBrk="1" latinLnBrk="0" hangingPunct="1">
+              <a:defRPr sz="1800" kern="1200">
+                <a:solidFill>
+                  <a:schemeClr val="lt1"/>
+                </a:solidFill>
+                <a:latin typeface="+mn-lt"/>
+                <a:ea typeface="+mn-ea"/>
+                <a:cs typeface="+mn-cs"/>
+              </a:defRPr>
+            </a:lvl4pPr>
+            <a:lvl5pPr marL="1828800" algn="l" defTabSz="914400" rtl="0" eaLnBrk="1" latinLnBrk="0" hangingPunct="1">
+              <a:defRPr sz="1800" kern="1200">
+                <a:solidFill>
+                  <a:schemeClr val="lt1"/>
+                </a:solidFill>
+                <a:latin typeface="+mn-lt"/>
+                <a:ea typeface="+mn-ea"/>
+                <a:cs typeface="+mn-cs"/>
+              </a:defRPr>
+            </a:lvl5pPr>
+            <a:lvl6pPr marL="2286000" algn="l" defTabSz="914400" rtl="0" eaLnBrk="1" latinLnBrk="0" hangingPunct="1">
+              <a:defRPr sz="1800" kern="1200">
+                <a:solidFill>
+                  <a:schemeClr val="lt1"/>
+                </a:solidFill>
+                <a:latin typeface="+mn-lt"/>
+                <a:ea typeface="+mn-ea"/>
+                <a:cs typeface="+mn-cs"/>
+              </a:defRPr>
+            </a:lvl6pPr>
+            <a:lvl7pPr marL="2743200" algn="l" defTabSz="914400" rtl="0" eaLnBrk="1" latinLnBrk="0" hangingPunct="1">
+              <a:defRPr sz="1800" kern="1200">
+                <a:solidFill>
+                  <a:schemeClr val="lt1"/>
+                </a:solidFill>
+                <a:latin typeface="+mn-lt"/>
+                <a:ea typeface="+mn-ea"/>
+                <a:cs typeface="+mn-cs"/>
+              </a:defRPr>
+            </a:lvl7pPr>
+            <a:lvl8pPr marL="3200400" algn="l" defTabSz="914400" rtl="0" eaLnBrk="1" latinLnBrk="0" hangingPunct="1">
+              <a:defRPr sz="1800" kern="1200">
+                <a:solidFill>
+                  <a:schemeClr val="lt1"/>
+                </a:solidFill>
+                <a:latin typeface="+mn-lt"/>
+                <a:ea typeface="+mn-ea"/>
+                <a:cs typeface="+mn-cs"/>
+              </a:defRPr>
+            </a:lvl8pPr>
+            <a:lvl9pPr marL="3657600" algn="l" defTabSz="914400" rtl="0" eaLnBrk="1" latinLnBrk="0" hangingPunct="1">
+              <a:defRPr sz="1800" kern="1200">
+                <a:solidFill>
+                  <a:schemeClr val="lt1"/>
+                </a:solidFill>
+                <a:latin typeface="+mn-lt"/>
+                <a:ea typeface="+mn-ea"/>
+                <a:cs typeface="+mn-cs"/>
+              </a:defRPr>
+            </a:lvl9pPr>
+          </a:lstStyle>
+          <a:p>
+            <a:pPr algn="ctr"/>
+            <a:r>
+              <a:rPr lang="en-US" sz="5400" dirty="0">
+                <a:solidFill>
+                  <a:schemeClr val="accent4"/>
+                </a:solidFill>
+              </a:rPr>
+              <a:t>G</a:t>
+            </a:r>
+            <a:endParaRPr lang="en-PH" sz="5400" dirty="0">
+              <a:solidFill>
+                <a:schemeClr val="accent4"/>
+              </a:solidFill>
+            </a:endParaRPr>
+          </a:p>
+        </p:txBody>
+      </p:sp>
+      <p:sp>
+        <p:nvSpPr>
+          <p:cNvPr id="7" name="Rectangle 6">
+            <a:extLst>
+              <a:ext uri="{FF2B5EF4-FFF2-40B4-BE49-F238E27FC236}">
+                <a16:creationId xmlns:a16="http://schemas.microsoft.com/office/drawing/2014/main" id="{D9ED864D-5758-43B1-BF36-469FA613C70E}"/>
+              </a:ext>
+            </a:extLst>
+          </p:cNvPr>
+          <p:cNvSpPr/>
+          <p:nvPr/>
+        </p:nvSpPr>
+        <p:spPr>
+          <a:xfrm>
+            <a:off x="10012711" y="1313063"/>
+            <a:ext cx="1786597" cy="970671"/>
+          </a:xfrm>
+          <a:prstGeom prst="rect">
+            <a:avLst/>
+          </a:prstGeom>
+          <a:noFill/>
+          <a:ln>
+            <a:noFill/>
+          </a:ln>
+        </p:spPr>
+        <p:style>
+          <a:lnRef idx="2">
+            <a:schemeClr val="accent1">
+              <a:shade val="50000"/>
+            </a:schemeClr>
+          </a:lnRef>
+          <a:fillRef idx="1">
+            <a:schemeClr val="accent1"/>
+          </a:fillRef>
+          <a:effectRef idx="0">
+            <a:schemeClr val="accent1"/>
+          </a:effectRef>
+          <a:fontRef idx="minor">
+            <a:schemeClr val="lt1"/>
+          </a:fontRef>
+        </p:style>
+        <p:txBody>
+          <a:bodyPr rtlCol="0" anchor="ctr"/>
+          <a:lstStyle>
+            <a:defPPr>
+              <a:defRPr lang="en-US"/>
+            </a:defPPr>
+            <a:lvl1pPr marL="0" algn="l" defTabSz="914400" rtl="0" eaLnBrk="1" latinLnBrk="0" hangingPunct="1">
+              <a:defRPr sz="1800" kern="1200">
+                <a:solidFill>
+                  <a:schemeClr val="lt1"/>
+                </a:solidFill>
+                <a:latin typeface="+mn-lt"/>
+                <a:ea typeface="+mn-ea"/>
+                <a:cs typeface="+mn-cs"/>
+              </a:defRPr>
+            </a:lvl1pPr>
+            <a:lvl2pPr marL="457200" algn="l" defTabSz="914400" rtl="0" eaLnBrk="1" latinLnBrk="0" hangingPunct="1">
+              <a:defRPr sz="1800" kern="1200">
+                <a:solidFill>
+                  <a:schemeClr val="lt1"/>
+                </a:solidFill>
+                <a:latin typeface="+mn-lt"/>
+                <a:ea typeface="+mn-ea"/>
+                <a:cs typeface="+mn-cs"/>
+              </a:defRPr>
+            </a:lvl2pPr>
+            <a:lvl3pPr marL="914400" algn="l" defTabSz="914400" rtl="0" eaLnBrk="1" latinLnBrk="0" hangingPunct="1">
+              <a:defRPr sz="1800" kern="1200">
+                <a:solidFill>
+                  <a:schemeClr val="lt1"/>
+                </a:solidFill>
+                <a:latin typeface="+mn-lt"/>
+                <a:ea typeface="+mn-ea"/>
+                <a:cs typeface="+mn-cs"/>
+              </a:defRPr>
+            </a:lvl3pPr>
+            <a:lvl4pPr marL="1371600" algn="l" defTabSz="914400" rtl="0" eaLnBrk="1" latinLnBrk="0" hangingPunct="1">
+              <a:defRPr sz="1800" kern="1200">
+                <a:solidFill>
+                  <a:schemeClr val="lt1"/>
+                </a:solidFill>
+                <a:latin typeface="+mn-lt"/>
+                <a:ea typeface="+mn-ea"/>
+                <a:cs typeface="+mn-cs"/>
+              </a:defRPr>
+            </a:lvl4pPr>
+            <a:lvl5pPr marL="1828800" algn="l" defTabSz="914400" rtl="0" eaLnBrk="1" latinLnBrk="0" hangingPunct="1">
+              <a:defRPr sz="1800" kern="1200">
+                <a:solidFill>
+                  <a:schemeClr val="lt1"/>
+                </a:solidFill>
+                <a:latin typeface="+mn-lt"/>
+                <a:ea typeface="+mn-ea"/>
+                <a:cs typeface="+mn-cs"/>
+              </a:defRPr>
+            </a:lvl5pPr>
+            <a:lvl6pPr marL="2286000" algn="l" defTabSz="914400" rtl="0" eaLnBrk="1" latinLnBrk="0" hangingPunct="1">
+              <a:defRPr sz="1800" kern="1200">
+                <a:solidFill>
+                  <a:schemeClr val="lt1"/>
+                </a:solidFill>
+                <a:latin typeface="+mn-lt"/>
+                <a:ea typeface="+mn-ea"/>
+                <a:cs typeface="+mn-cs"/>
+              </a:defRPr>
+            </a:lvl6pPr>
+            <a:lvl7pPr marL="2743200" algn="l" defTabSz="914400" rtl="0" eaLnBrk="1" latinLnBrk="0" hangingPunct="1">
+              <a:defRPr sz="1800" kern="1200">
+                <a:solidFill>
+                  <a:schemeClr val="lt1"/>
+                </a:solidFill>
+                <a:latin typeface="+mn-lt"/>
+                <a:ea typeface="+mn-ea"/>
+                <a:cs typeface="+mn-cs"/>
+              </a:defRPr>
+            </a:lvl7pPr>
+            <a:lvl8pPr marL="3200400" algn="l" defTabSz="914400" rtl="0" eaLnBrk="1" latinLnBrk="0" hangingPunct="1">
+              <a:defRPr sz="1800" kern="1200">
+                <a:solidFill>
+                  <a:schemeClr val="lt1"/>
+                </a:solidFill>
+                <a:latin typeface="+mn-lt"/>
+                <a:ea typeface="+mn-ea"/>
+                <a:cs typeface="+mn-cs"/>
+              </a:defRPr>
+            </a:lvl8pPr>
+            <a:lvl9pPr marL="3657600" algn="l" defTabSz="914400" rtl="0" eaLnBrk="1" latinLnBrk="0" hangingPunct="1">
+              <a:defRPr sz="1800" kern="1200">
+                <a:solidFill>
+                  <a:schemeClr val="lt1"/>
+                </a:solidFill>
+                <a:latin typeface="+mn-lt"/>
+                <a:ea typeface="+mn-ea"/>
+                <a:cs typeface="+mn-cs"/>
+              </a:defRPr>
+            </a:lvl9pPr>
+          </a:lstStyle>
+          <a:p>
+            <a:pPr algn="ctr"/>
+            <a:r>
+              <a:rPr lang="en-US" sz="5400" dirty="0">
+                <a:solidFill>
+                  <a:schemeClr val="accent4"/>
+                </a:solidFill>
+              </a:rPr>
+              <a:t>D</a:t>
+            </a:r>
+            <a:endParaRPr lang="en-PH" sz="5400" dirty="0">
+              <a:solidFill>
+                <a:schemeClr val="accent4"/>
+              </a:solidFill>
+            </a:endParaRPr>
+          </a:p>
+        </p:txBody>
+      </p:sp>
+      <p:sp>
+        <p:nvSpPr>
+          <p:cNvPr id="8" name="Rectangle 7">
+            <a:extLst>
+              <a:ext uri="{FF2B5EF4-FFF2-40B4-BE49-F238E27FC236}">
+                <a16:creationId xmlns:a16="http://schemas.microsoft.com/office/drawing/2014/main" id="{D98FF27F-8C33-4CD6-B990-532B679BBBC7}"/>
+              </a:ext>
+            </a:extLst>
+          </p:cNvPr>
+          <p:cNvSpPr/>
+          <p:nvPr/>
+        </p:nvSpPr>
+        <p:spPr>
+          <a:xfrm>
+            <a:off x="962498" y="2930846"/>
+            <a:ext cx="1786597" cy="970671"/>
+          </a:xfrm>
+          <a:prstGeom prst="rect">
+            <a:avLst/>
+          </a:prstGeom>
+          <a:noFill/>
+          <a:ln>
+            <a:noFill/>
+          </a:ln>
+        </p:spPr>
+        <p:style>
+          <a:lnRef idx="2">
+            <a:schemeClr val="accent1">
+              <a:shade val="50000"/>
+            </a:schemeClr>
+          </a:lnRef>
+          <a:fillRef idx="1">
+            <a:schemeClr val="accent1"/>
+          </a:fillRef>
+          <a:effectRef idx="0">
+            <a:schemeClr val="accent1"/>
+          </a:effectRef>
+          <a:fontRef idx="minor">
+            <a:schemeClr val="lt1"/>
+          </a:fontRef>
+        </p:style>
+        <p:txBody>
+          <a:bodyPr rtlCol="0" anchor="ctr"/>
+          <a:lstStyle>
+            <a:defPPr>
+              <a:defRPr lang="en-US"/>
+            </a:defPPr>
+            <a:lvl1pPr marL="0" algn="l" defTabSz="914400" rtl="0" eaLnBrk="1" latinLnBrk="0" hangingPunct="1">
+              <a:defRPr sz="1800" kern="1200">
+                <a:solidFill>
+                  <a:schemeClr val="lt1"/>
+                </a:solidFill>
+                <a:latin typeface="+mn-lt"/>
+                <a:ea typeface="+mn-ea"/>
+                <a:cs typeface="+mn-cs"/>
+              </a:defRPr>
+            </a:lvl1pPr>
+            <a:lvl2pPr marL="457200" algn="l" defTabSz="914400" rtl="0" eaLnBrk="1" latinLnBrk="0" hangingPunct="1">
+              <a:defRPr sz="1800" kern="1200">
+                <a:solidFill>
+                  <a:schemeClr val="lt1"/>
+                </a:solidFill>
+                <a:latin typeface="+mn-lt"/>
+                <a:ea typeface="+mn-ea"/>
+                <a:cs typeface="+mn-cs"/>
+              </a:defRPr>
+            </a:lvl2pPr>
+            <a:lvl3pPr marL="914400" algn="l" defTabSz="914400" rtl="0" eaLnBrk="1" latinLnBrk="0" hangingPunct="1">
+              <a:defRPr sz="1800" kern="1200">
+                <a:solidFill>
+                  <a:schemeClr val="lt1"/>
+                </a:solidFill>
+                <a:latin typeface="+mn-lt"/>
+                <a:ea typeface="+mn-ea"/>
+                <a:cs typeface="+mn-cs"/>
+              </a:defRPr>
+            </a:lvl3pPr>
+            <a:lvl4pPr marL="1371600" algn="l" defTabSz="914400" rtl="0" eaLnBrk="1" latinLnBrk="0" hangingPunct="1">
+              <a:defRPr sz="1800" kern="1200">
+                <a:solidFill>
+                  <a:schemeClr val="lt1"/>
+                </a:solidFill>
+                <a:latin typeface="+mn-lt"/>
+                <a:ea typeface="+mn-ea"/>
+                <a:cs typeface="+mn-cs"/>
+              </a:defRPr>
+            </a:lvl4pPr>
+            <a:lvl5pPr marL="1828800" algn="l" defTabSz="914400" rtl="0" eaLnBrk="1" latinLnBrk="0" hangingPunct="1">
+              <a:defRPr sz="1800" kern="1200">
+                <a:solidFill>
+                  <a:schemeClr val="lt1"/>
+                </a:solidFill>
+                <a:latin typeface="+mn-lt"/>
+                <a:ea typeface="+mn-ea"/>
+                <a:cs typeface="+mn-cs"/>
+              </a:defRPr>
+            </a:lvl5pPr>
+            <a:lvl6pPr marL="2286000" algn="l" defTabSz="914400" rtl="0" eaLnBrk="1" latinLnBrk="0" hangingPunct="1">
+              <a:defRPr sz="1800" kern="1200">
+                <a:solidFill>
+                  <a:schemeClr val="lt1"/>
+                </a:solidFill>
+                <a:latin typeface="+mn-lt"/>
+                <a:ea typeface="+mn-ea"/>
+                <a:cs typeface="+mn-cs"/>
+              </a:defRPr>
+            </a:lvl6pPr>
+            <a:lvl7pPr marL="2743200" algn="l" defTabSz="914400" rtl="0" eaLnBrk="1" latinLnBrk="0" hangingPunct="1">
+              <a:defRPr sz="1800" kern="1200">
+                <a:solidFill>
+                  <a:schemeClr val="lt1"/>
+                </a:solidFill>
+                <a:latin typeface="+mn-lt"/>
+                <a:ea typeface="+mn-ea"/>
+                <a:cs typeface="+mn-cs"/>
+              </a:defRPr>
+            </a:lvl7pPr>
+            <a:lvl8pPr marL="3200400" algn="l" defTabSz="914400" rtl="0" eaLnBrk="1" latinLnBrk="0" hangingPunct="1">
+              <a:defRPr sz="1800" kern="1200">
+                <a:solidFill>
+                  <a:schemeClr val="lt1"/>
+                </a:solidFill>
+                <a:latin typeface="+mn-lt"/>
+                <a:ea typeface="+mn-ea"/>
+                <a:cs typeface="+mn-cs"/>
+              </a:defRPr>
+            </a:lvl8pPr>
+            <a:lvl9pPr marL="3657600" algn="l" defTabSz="914400" rtl="0" eaLnBrk="1" latinLnBrk="0" hangingPunct="1">
+              <a:defRPr sz="1800" kern="1200">
+                <a:solidFill>
+                  <a:schemeClr val="lt1"/>
+                </a:solidFill>
+                <a:latin typeface="+mn-lt"/>
+                <a:ea typeface="+mn-ea"/>
+                <a:cs typeface="+mn-cs"/>
+              </a:defRPr>
+            </a:lvl9pPr>
+          </a:lstStyle>
+          <a:p>
+            <a:pPr algn="ctr"/>
+            <a:r>
+              <a:rPr lang="en-US" sz="5400" dirty="0">
+                <a:solidFill>
+                  <a:schemeClr val="accent4"/>
+                </a:solidFill>
+              </a:rPr>
+              <a:t>A</a:t>
+            </a:r>
+            <a:endParaRPr lang="en-PH" sz="5400" dirty="0">
+              <a:solidFill>
+                <a:schemeClr val="accent4"/>
+              </a:solidFill>
+            </a:endParaRPr>
+          </a:p>
+        </p:txBody>
+      </p:sp>
+      <p:sp>
+        <p:nvSpPr>
+          <p:cNvPr id="9" name="Rectangle 8">
+            <a:extLst>
+              <a:ext uri="{FF2B5EF4-FFF2-40B4-BE49-F238E27FC236}">
+                <a16:creationId xmlns:a16="http://schemas.microsoft.com/office/drawing/2014/main" id="{6996B39D-8C85-4677-8D73-E8AEFFF957CB}"/>
+              </a:ext>
+            </a:extLst>
+          </p:cNvPr>
+          <p:cNvSpPr/>
+          <p:nvPr/>
+        </p:nvSpPr>
+        <p:spPr>
+          <a:xfrm>
+            <a:off x="3799480" y="2930846"/>
+            <a:ext cx="1786597" cy="970671"/>
+          </a:xfrm>
+          <a:prstGeom prst="rect">
+            <a:avLst/>
+          </a:prstGeom>
+          <a:noFill/>
+          <a:ln>
+            <a:noFill/>
+          </a:ln>
+        </p:spPr>
+        <p:style>
+          <a:lnRef idx="2">
+            <a:schemeClr val="accent1">
+              <a:shade val="50000"/>
+            </a:schemeClr>
+          </a:lnRef>
+          <a:fillRef idx="1">
+            <a:schemeClr val="accent1"/>
+          </a:fillRef>
+          <a:effectRef idx="0">
+            <a:schemeClr val="accent1"/>
+          </a:effectRef>
+          <a:fontRef idx="minor">
+            <a:schemeClr val="lt1"/>
+          </a:fontRef>
+        </p:style>
+        <p:txBody>
+          <a:bodyPr rtlCol="0" anchor="ctr"/>
+          <a:lstStyle>
+            <a:defPPr>
+              <a:defRPr lang="en-US"/>
+            </a:defPPr>
+            <a:lvl1pPr marL="0" algn="l" defTabSz="914400" rtl="0" eaLnBrk="1" latinLnBrk="0" hangingPunct="1">
+              <a:defRPr sz="1800" kern="1200">
+                <a:solidFill>
+                  <a:schemeClr val="lt1"/>
+                </a:solidFill>
+                <a:latin typeface="+mn-lt"/>
+                <a:ea typeface="+mn-ea"/>
+                <a:cs typeface="+mn-cs"/>
+              </a:defRPr>
+            </a:lvl1pPr>
+            <a:lvl2pPr marL="457200" algn="l" defTabSz="914400" rtl="0" eaLnBrk="1" latinLnBrk="0" hangingPunct="1">
+              <a:defRPr sz="1800" kern="1200">
+                <a:solidFill>
+                  <a:schemeClr val="lt1"/>
+                </a:solidFill>
+                <a:latin typeface="+mn-lt"/>
+                <a:ea typeface="+mn-ea"/>
+                <a:cs typeface="+mn-cs"/>
+              </a:defRPr>
+            </a:lvl2pPr>
+            <a:lvl3pPr marL="914400" algn="l" defTabSz="914400" rtl="0" eaLnBrk="1" latinLnBrk="0" hangingPunct="1">
+              <a:defRPr sz="1800" kern="1200">
+                <a:solidFill>
+                  <a:schemeClr val="lt1"/>
+                </a:solidFill>
+                <a:latin typeface="+mn-lt"/>
+                <a:ea typeface="+mn-ea"/>
+                <a:cs typeface="+mn-cs"/>
+              </a:defRPr>
+            </a:lvl3pPr>
+            <a:lvl4pPr marL="1371600" algn="l" defTabSz="914400" rtl="0" eaLnBrk="1" latinLnBrk="0" hangingPunct="1">
+              <a:defRPr sz="1800" kern="1200">
+                <a:solidFill>
+                  <a:schemeClr val="lt1"/>
+                </a:solidFill>
+                <a:latin typeface="+mn-lt"/>
+                <a:ea typeface="+mn-ea"/>
+                <a:cs typeface="+mn-cs"/>
+              </a:defRPr>
+            </a:lvl4pPr>
+            <a:lvl5pPr marL="1828800" algn="l" defTabSz="914400" rtl="0" eaLnBrk="1" latinLnBrk="0" hangingPunct="1">
+              <a:defRPr sz="1800" kern="1200">
+                <a:solidFill>
+                  <a:schemeClr val="lt1"/>
+                </a:solidFill>
+                <a:latin typeface="+mn-lt"/>
+                <a:ea typeface="+mn-ea"/>
+                <a:cs typeface="+mn-cs"/>
+              </a:defRPr>
+            </a:lvl5pPr>
+            <a:lvl6pPr marL="2286000" algn="l" defTabSz="914400" rtl="0" eaLnBrk="1" latinLnBrk="0" hangingPunct="1">
+              <a:defRPr sz="1800" kern="1200">
+                <a:solidFill>
+                  <a:schemeClr val="lt1"/>
+                </a:solidFill>
+                <a:latin typeface="+mn-lt"/>
+                <a:ea typeface="+mn-ea"/>
+                <a:cs typeface="+mn-cs"/>
+              </a:defRPr>
+            </a:lvl6pPr>
+            <a:lvl7pPr marL="2743200" algn="l" defTabSz="914400" rtl="0" eaLnBrk="1" latinLnBrk="0" hangingPunct="1">
+              <a:defRPr sz="1800" kern="1200">
+                <a:solidFill>
+                  <a:schemeClr val="lt1"/>
+                </a:solidFill>
+                <a:latin typeface="+mn-lt"/>
+                <a:ea typeface="+mn-ea"/>
+                <a:cs typeface="+mn-cs"/>
+              </a:defRPr>
+            </a:lvl7pPr>
+            <a:lvl8pPr marL="3200400" algn="l" defTabSz="914400" rtl="0" eaLnBrk="1" latinLnBrk="0" hangingPunct="1">
+              <a:defRPr sz="1800" kern="1200">
+                <a:solidFill>
+                  <a:schemeClr val="lt1"/>
+                </a:solidFill>
+                <a:latin typeface="+mn-lt"/>
+                <a:ea typeface="+mn-ea"/>
+                <a:cs typeface="+mn-cs"/>
+              </a:defRPr>
+            </a:lvl8pPr>
+            <a:lvl9pPr marL="3657600" algn="l" defTabSz="914400" rtl="0" eaLnBrk="1" latinLnBrk="0" hangingPunct="1">
+              <a:defRPr sz="1800" kern="1200">
+                <a:solidFill>
+                  <a:schemeClr val="lt1"/>
+                </a:solidFill>
+                <a:latin typeface="+mn-lt"/>
+                <a:ea typeface="+mn-ea"/>
+                <a:cs typeface="+mn-cs"/>
+              </a:defRPr>
+            </a:lvl9pPr>
+          </a:lstStyle>
+          <a:p>
+            <a:pPr algn="ctr"/>
+            <a:r>
+              <a:rPr lang="en-US" sz="5400" dirty="0">
+                <a:solidFill>
+                  <a:schemeClr val="accent4"/>
+                </a:solidFill>
+              </a:rPr>
+              <a:t>A7</a:t>
+            </a:r>
+            <a:endParaRPr lang="en-PH" sz="5400" dirty="0">
+              <a:solidFill>
+                <a:schemeClr val="accent4"/>
+              </a:solidFill>
+            </a:endParaRPr>
+          </a:p>
+        </p:txBody>
+      </p:sp>
+      <p:sp>
+        <p:nvSpPr>
+          <p:cNvPr id="10" name="Rectangle 9">
+            <a:extLst>
+              <a:ext uri="{FF2B5EF4-FFF2-40B4-BE49-F238E27FC236}">
+                <a16:creationId xmlns:a16="http://schemas.microsoft.com/office/drawing/2014/main" id="{95E46D42-400B-4C6B-924F-67556A514429}"/>
+              </a:ext>
+            </a:extLst>
+          </p:cNvPr>
+          <p:cNvSpPr/>
+          <p:nvPr/>
+        </p:nvSpPr>
+        <p:spPr>
+          <a:xfrm>
+            <a:off x="7949466" y="2954291"/>
+            <a:ext cx="1786597" cy="970671"/>
+          </a:xfrm>
+          <a:prstGeom prst="rect">
+            <a:avLst/>
+          </a:prstGeom>
+          <a:noFill/>
+          <a:ln>
+            <a:noFill/>
+          </a:ln>
+        </p:spPr>
+        <p:style>
+          <a:lnRef idx="2">
+            <a:schemeClr val="accent1">
+              <a:shade val="50000"/>
+            </a:schemeClr>
+          </a:lnRef>
+          <a:fillRef idx="1">
+            <a:schemeClr val="accent1"/>
+          </a:fillRef>
+          <a:effectRef idx="0">
+            <a:schemeClr val="accent1"/>
+          </a:effectRef>
+          <a:fontRef idx="minor">
+            <a:schemeClr val="lt1"/>
+          </a:fontRef>
+        </p:style>
+        <p:txBody>
+          <a:bodyPr rtlCol="0" anchor="ctr"/>
+          <a:lstStyle>
+            <a:defPPr>
+              <a:defRPr lang="en-US"/>
+            </a:defPPr>
+            <a:lvl1pPr marL="0" algn="l" defTabSz="914400" rtl="0" eaLnBrk="1" latinLnBrk="0" hangingPunct="1">
+              <a:defRPr sz="1800" kern="1200">
+                <a:solidFill>
+                  <a:schemeClr val="lt1"/>
+                </a:solidFill>
+                <a:latin typeface="+mn-lt"/>
+                <a:ea typeface="+mn-ea"/>
+                <a:cs typeface="+mn-cs"/>
+              </a:defRPr>
+            </a:lvl1pPr>
+            <a:lvl2pPr marL="457200" algn="l" defTabSz="914400" rtl="0" eaLnBrk="1" latinLnBrk="0" hangingPunct="1">
+              <a:defRPr sz="1800" kern="1200">
+                <a:solidFill>
+                  <a:schemeClr val="lt1"/>
+                </a:solidFill>
+                <a:latin typeface="+mn-lt"/>
+                <a:ea typeface="+mn-ea"/>
+                <a:cs typeface="+mn-cs"/>
+              </a:defRPr>
+            </a:lvl2pPr>
+            <a:lvl3pPr marL="914400" algn="l" defTabSz="914400" rtl="0" eaLnBrk="1" latinLnBrk="0" hangingPunct="1">
+              <a:defRPr sz="1800" kern="1200">
+                <a:solidFill>
+                  <a:schemeClr val="lt1"/>
+                </a:solidFill>
+                <a:latin typeface="+mn-lt"/>
+                <a:ea typeface="+mn-ea"/>
+                <a:cs typeface="+mn-cs"/>
+              </a:defRPr>
+            </a:lvl3pPr>
+            <a:lvl4pPr marL="1371600" algn="l" defTabSz="914400" rtl="0" eaLnBrk="1" latinLnBrk="0" hangingPunct="1">
+              <a:defRPr sz="1800" kern="1200">
+                <a:solidFill>
+                  <a:schemeClr val="lt1"/>
+                </a:solidFill>
+                <a:latin typeface="+mn-lt"/>
+                <a:ea typeface="+mn-ea"/>
+                <a:cs typeface="+mn-cs"/>
+              </a:defRPr>
+            </a:lvl4pPr>
+            <a:lvl5pPr marL="1828800" algn="l" defTabSz="914400" rtl="0" eaLnBrk="1" latinLnBrk="0" hangingPunct="1">
+              <a:defRPr sz="1800" kern="1200">
+                <a:solidFill>
+                  <a:schemeClr val="lt1"/>
+                </a:solidFill>
+                <a:latin typeface="+mn-lt"/>
+                <a:ea typeface="+mn-ea"/>
+                <a:cs typeface="+mn-cs"/>
+              </a:defRPr>
+            </a:lvl5pPr>
+            <a:lvl6pPr marL="2286000" algn="l" defTabSz="914400" rtl="0" eaLnBrk="1" latinLnBrk="0" hangingPunct="1">
+              <a:defRPr sz="1800" kern="1200">
+                <a:solidFill>
+                  <a:schemeClr val="lt1"/>
+                </a:solidFill>
+                <a:latin typeface="+mn-lt"/>
+                <a:ea typeface="+mn-ea"/>
+                <a:cs typeface="+mn-cs"/>
+              </a:defRPr>
+            </a:lvl6pPr>
+            <a:lvl7pPr marL="2743200" algn="l" defTabSz="914400" rtl="0" eaLnBrk="1" latinLnBrk="0" hangingPunct="1">
+              <a:defRPr sz="1800" kern="1200">
+                <a:solidFill>
+                  <a:schemeClr val="lt1"/>
+                </a:solidFill>
+                <a:latin typeface="+mn-lt"/>
+                <a:ea typeface="+mn-ea"/>
+                <a:cs typeface="+mn-cs"/>
+              </a:defRPr>
+            </a:lvl7pPr>
+            <a:lvl8pPr marL="3200400" algn="l" defTabSz="914400" rtl="0" eaLnBrk="1" latinLnBrk="0" hangingPunct="1">
+              <a:defRPr sz="1800" kern="1200">
+                <a:solidFill>
+                  <a:schemeClr val="lt1"/>
+                </a:solidFill>
+                <a:latin typeface="+mn-lt"/>
+                <a:ea typeface="+mn-ea"/>
+                <a:cs typeface="+mn-cs"/>
+              </a:defRPr>
+            </a:lvl8pPr>
+            <a:lvl9pPr marL="3657600" algn="l" defTabSz="914400" rtl="0" eaLnBrk="1" latinLnBrk="0" hangingPunct="1">
+              <a:defRPr sz="1800" kern="1200">
+                <a:solidFill>
+                  <a:schemeClr val="lt1"/>
+                </a:solidFill>
+                <a:latin typeface="+mn-lt"/>
+                <a:ea typeface="+mn-ea"/>
+                <a:cs typeface="+mn-cs"/>
+              </a:defRPr>
+            </a:lvl9pPr>
+          </a:lstStyle>
+          <a:p>
+            <a:pPr algn="ctr"/>
+            <a:r>
+              <a:rPr lang="en-US" sz="5400" dirty="0">
+                <a:solidFill>
+                  <a:schemeClr val="accent4"/>
+                </a:solidFill>
+              </a:rPr>
+              <a:t>D</a:t>
+            </a:r>
+            <a:endParaRPr lang="en-PH" sz="5400" dirty="0">
+              <a:solidFill>
+                <a:schemeClr val="accent4"/>
+              </a:solidFill>
+            </a:endParaRPr>
+          </a:p>
+        </p:txBody>
+      </p:sp>
+      <p:sp>
+        <p:nvSpPr>
+          <p:cNvPr id="11" name="Rectangle 10">
+            <a:extLst>
+              <a:ext uri="{FF2B5EF4-FFF2-40B4-BE49-F238E27FC236}">
+                <a16:creationId xmlns:a16="http://schemas.microsoft.com/office/drawing/2014/main" id="{3DA34ED7-6E86-46E0-955D-F0EEE74F9852}"/>
+              </a:ext>
+            </a:extLst>
+          </p:cNvPr>
+          <p:cNvSpPr/>
+          <p:nvPr/>
+        </p:nvSpPr>
+        <p:spPr>
+          <a:xfrm>
+            <a:off x="10762992" y="3001186"/>
+            <a:ext cx="1786597" cy="970671"/>
+          </a:xfrm>
+          <a:prstGeom prst="rect">
+            <a:avLst/>
+          </a:prstGeom>
+          <a:noFill/>
+          <a:ln>
+            <a:noFill/>
+          </a:ln>
+        </p:spPr>
+        <p:style>
+          <a:lnRef idx="2">
+            <a:schemeClr val="accent1">
+              <a:shade val="50000"/>
+            </a:schemeClr>
+          </a:lnRef>
+          <a:fillRef idx="1">
+            <a:schemeClr val="accent1"/>
+          </a:fillRef>
+          <a:effectRef idx="0">
+            <a:schemeClr val="accent1"/>
+          </a:effectRef>
+          <a:fontRef idx="minor">
+            <a:schemeClr val="lt1"/>
+          </a:fontRef>
+        </p:style>
+        <p:txBody>
+          <a:bodyPr rtlCol="0" anchor="ctr"/>
+          <a:lstStyle>
+            <a:defPPr>
+              <a:defRPr lang="en-US"/>
+            </a:defPPr>
+            <a:lvl1pPr marL="0" algn="l" defTabSz="914400" rtl="0" eaLnBrk="1" latinLnBrk="0" hangingPunct="1">
+              <a:defRPr sz="1800" kern="1200">
+                <a:solidFill>
+                  <a:schemeClr val="lt1"/>
+                </a:solidFill>
+                <a:latin typeface="+mn-lt"/>
+                <a:ea typeface="+mn-ea"/>
+                <a:cs typeface="+mn-cs"/>
+              </a:defRPr>
+            </a:lvl1pPr>
+            <a:lvl2pPr marL="457200" algn="l" defTabSz="914400" rtl="0" eaLnBrk="1" latinLnBrk="0" hangingPunct="1">
+              <a:defRPr sz="1800" kern="1200">
+                <a:solidFill>
+                  <a:schemeClr val="lt1"/>
+                </a:solidFill>
+                <a:latin typeface="+mn-lt"/>
+                <a:ea typeface="+mn-ea"/>
+                <a:cs typeface="+mn-cs"/>
+              </a:defRPr>
+            </a:lvl2pPr>
+            <a:lvl3pPr marL="914400" algn="l" defTabSz="914400" rtl="0" eaLnBrk="1" latinLnBrk="0" hangingPunct="1">
+              <a:defRPr sz="1800" kern="1200">
+                <a:solidFill>
+                  <a:schemeClr val="lt1"/>
+                </a:solidFill>
+                <a:latin typeface="+mn-lt"/>
+                <a:ea typeface="+mn-ea"/>
+                <a:cs typeface="+mn-cs"/>
+              </a:defRPr>
+            </a:lvl3pPr>
+            <a:lvl4pPr marL="1371600" algn="l" defTabSz="914400" rtl="0" eaLnBrk="1" latinLnBrk="0" hangingPunct="1">
+              <a:defRPr sz="1800" kern="1200">
+                <a:solidFill>
+                  <a:schemeClr val="lt1"/>
+                </a:solidFill>
+                <a:latin typeface="+mn-lt"/>
+                <a:ea typeface="+mn-ea"/>
+                <a:cs typeface="+mn-cs"/>
+              </a:defRPr>
+            </a:lvl4pPr>
+            <a:lvl5pPr marL="1828800" algn="l" defTabSz="914400" rtl="0" eaLnBrk="1" latinLnBrk="0" hangingPunct="1">
+              <a:defRPr sz="1800" kern="1200">
+                <a:solidFill>
+                  <a:schemeClr val="lt1"/>
+                </a:solidFill>
+                <a:latin typeface="+mn-lt"/>
+                <a:ea typeface="+mn-ea"/>
+                <a:cs typeface="+mn-cs"/>
+              </a:defRPr>
+            </a:lvl5pPr>
+            <a:lvl6pPr marL="2286000" algn="l" defTabSz="914400" rtl="0" eaLnBrk="1" latinLnBrk="0" hangingPunct="1">
+              <a:defRPr sz="1800" kern="1200">
+                <a:solidFill>
+                  <a:schemeClr val="lt1"/>
+                </a:solidFill>
+                <a:latin typeface="+mn-lt"/>
+                <a:ea typeface="+mn-ea"/>
+                <a:cs typeface="+mn-cs"/>
+              </a:defRPr>
+            </a:lvl6pPr>
+            <a:lvl7pPr marL="2743200" algn="l" defTabSz="914400" rtl="0" eaLnBrk="1" latinLnBrk="0" hangingPunct="1">
+              <a:defRPr sz="1800" kern="1200">
+                <a:solidFill>
+                  <a:schemeClr val="lt1"/>
+                </a:solidFill>
+                <a:latin typeface="+mn-lt"/>
+                <a:ea typeface="+mn-ea"/>
+                <a:cs typeface="+mn-cs"/>
+              </a:defRPr>
+            </a:lvl7pPr>
+            <a:lvl8pPr marL="3200400" algn="l" defTabSz="914400" rtl="0" eaLnBrk="1" latinLnBrk="0" hangingPunct="1">
+              <a:defRPr sz="1800" kern="1200">
+                <a:solidFill>
+                  <a:schemeClr val="lt1"/>
+                </a:solidFill>
+                <a:latin typeface="+mn-lt"/>
+                <a:ea typeface="+mn-ea"/>
+                <a:cs typeface="+mn-cs"/>
+              </a:defRPr>
+            </a:lvl8pPr>
+            <a:lvl9pPr marL="3657600" algn="l" defTabSz="914400" rtl="0" eaLnBrk="1" latinLnBrk="0" hangingPunct="1">
+              <a:defRPr sz="1800" kern="1200">
+                <a:solidFill>
+                  <a:schemeClr val="lt1"/>
+                </a:solidFill>
+                <a:latin typeface="+mn-lt"/>
+                <a:ea typeface="+mn-ea"/>
+                <a:cs typeface="+mn-cs"/>
+              </a:defRPr>
+            </a:lvl9pPr>
+          </a:lstStyle>
+          <a:p>
+            <a:pPr algn="ctr"/>
+            <a:r>
+              <a:rPr lang="en-US" sz="5400" dirty="0">
+                <a:solidFill>
+                  <a:schemeClr val="accent4"/>
+                </a:solidFill>
+              </a:rPr>
+              <a:t>D7</a:t>
+            </a:r>
+            <a:endParaRPr lang="en-PH" sz="5400" dirty="0">
+              <a:solidFill>
+                <a:schemeClr val="accent4"/>
+              </a:solidFill>
+            </a:endParaRPr>
+          </a:p>
+        </p:txBody>
+      </p:sp>
     </p:spTree>
     <p:extLst>
       <p:ext uri="{BB962C8B-B14F-4D97-AF65-F5344CB8AC3E}">
-        <p14:creationId xmlns:p14="http://schemas.microsoft.com/office/powerpoint/2010/main" val="580970253"/>
+        <p14:creationId xmlns:p14="http://schemas.microsoft.com/office/powerpoint/2010/main" val="4123885763"/>
       </p:ext>
     </p:extLst>
   </p:cSld>
@@ -4431,10 +8175,1258 @@
           </a:p>
         </p:txBody>
       </p:sp>
+      <p:sp>
+        <p:nvSpPr>
+          <p:cNvPr id="3" name="Rectangle 2">
+            <a:extLst>
+              <a:ext uri="{FF2B5EF4-FFF2-40B4-BE49-F238E27FC236}">
+                <a16:creationId xmlns:a16="http://schemas.microsoft.com/office/drawing/2014/main" id="{89BE549B-FE67-441C-B411-C318EE5CA6D5}"/>
+              </a:ext>
+            </a:extLst>
+          </p:cNvPr>
+          <p:cNvSpPr/>
+          <p:nvPr/>
+        </p:nvSpPr>
+        <p:spPr>
+          <a:xfrm>
+            <a:off x="5006956" y="105589"/>
+            <a:ext cx="1786597" cy="970671"/>
+          </a:xfrm>
+          <a:prstGeom prst="rect">
+            <a:avLst/>
+          </a:prstGeom>
+          <a:noFill/>
+          <a:ln>
+            <a:noFill/>
+          </a:ln>
+        </p:spPr>
+        <p:style>
+          <a:lnRef idx="2">
+            <a:schemeClr val="accent1">
+              <a:shade val="50000"/>
+            </a:schemeClr>
+          </a:lnRef>
+          <a:fillRef idx="1">
+            <a:schemeClr val="accent1"/>
+          </a:fillRef>
+          <a:effectRef idx="0">
+            <a:schemeClr val="accent1"/>
+          </a:effectRef>
+          <a:fontRef idx="minor">
+            <a:schemeClr val="lt1"/>
+          </a:fontRef>
+        </p:style>
+        <p:txBody>
+          <a:bodyPr rtlCol="0" anchor="ctr"/>
+          <a:lstStyle>
+            <a:defPPr>
+              <a:defRPr lang="en-US"/>
+            </a:defPPr>
+            <a:lvl1pPr marL="0" algn="l" defTabSz="914400" rtl="0" eaLnBrk="1" latinLnBrk="0" hangingPunct="1">
+              <a:defRPr sz="1800" kern="1200">
+                <a:solidFill>
+                  <a:schemeClr val="lt1"/>
+                </a:solidFill>
+                <a:latin typeface="+mn-lt"/>
+                <a:ea typeface="+mn-ea"/>
+                <a:cs typeface="+mn-cs"/>
+              </a:defRPr>
+            </a:lvl1pPr>
+            <a:lvl2pPr marL="457200" algn="l" defTabSz="914400" rtl="0" eaLnBrk="1" latinLnBrk="0" hangingPunct="1">
+              <a:defRPr sz="1800" kern="1200">
+                <a:solidFill>
+                  <a:schemeClr val="lt1"/>
+                </a:solidFill>
+                <a:latin typeface="+mn-lt"/>
+                <a:ea typeface="+mn-ea"/>
+                <a:cs typeface="+mn-cs"/>
+              </a:defRPr>
+            </a:lvl2pPr>
+            <a:lvl3pPr marL="914400" algn="l" defTabSz="914400" rtl="0" eaLnBrk="1" latinLnBrk="0" hangingPunct="1">
+              <a:defRPr sz="1800" kern="1200">
+                <a:solidFill>
+                  <a:schemeClr val="lt1"/>
+                </a:solidFill>
+                <a:latin typeface="+mn-lt"/>
+                <a:ea typeface="+mn-ea"/>
+                <a:cs typeface="+mn-cs"/>
+              </a:defRPr>
+            </a:lvl3pPr>
+            <a:lvl4pPr marL="1371600" algn="l" defTabSz="914400" rtl="0" eaLnBrk="1" latinLnBrk="0" hangingPunct="1">
+              <a:defRPr sz="1800" kern="1200">
+                <a:solidFill>
+                  <a:schemeClr val="lt1"/>
+                </a:solidFill>
+                <a:latin typeface="+mn-lt"/>
+                <a:ea typeface="+mn-ea"/>
+                <a:cs typeface="+mn-cs"/>
+              </a:defRPr>
+            </a:lvl4pPr>
+            <a:lvl5pPr marL="1828800" algn="l" defTabSz="914400" rtl="0" eaLnBrk="1" latinLnBrk="0" hangingPunct="1">
+              <a:defRPr sz="1800" kern="1200">
+                <a:solidFill>
+                  <a:schemeClr val="lt1"/>
+                </a:solidFill>
+                <a:latin typeface="+mn-lt"/>
+                <a:ea typeface="+mn-ea"/>
+                <a:cs typeface="+mn-cs"/>
+              </a:defRPr>
+            </a:lvl5pPr>
+            <a:lvl6pPr marL="2286000" algn="l" defTabSz="914400" rtl="0" eaLnBrk="1" latinLnBrk="0" hangingPunct="1">
+              <a:defRPr sz="1800" kern="1200">
+                <a:solidFill>
+                  <a:schemeClr val="lt1"/>
+                </a:solidFill>
+                <a:latin typeface="+mn-lt"/>
+                <a:ea typeface="+mn-ea"/>
+                <a:cs typeface="+mn-cs"/>
+              </a:defRPr>
+            </a:lvl6pPr>
+            <a:lvl7pPr marL="2743200" algn="l" defTabSz="914400" rtl="0" eaLnBrk="1" latinLnBrk="0" hangingPunct="1">
+              <a:defRPr sz="1800" kern="1200">
+                <a:solidFill>
+                  <a:schemeClr val="lt1"/>
+                </a:solidFill>
+                <a:latin typeface="+mn-lt"/>
+                <a:ea typeface="+mn-ea"/>
+                <a:cs typeface="+mn-cs"/>
+              </a:defRPr>
+            </a:lvl7pPr>
+            <a:lvl8pPr marL="3200400" algn="l" defTabSz="914400" rtl="0" eaLnBrk="1" latinLnBrk="0" hangingPunct="1">
+              <a:defRPr sz="1800" kern="1200">
+                <a:solidFill>
+                  <a:schemeClr val="lt1"/>
+                </a:solidFill>
+                <a:latin typeface="+mn-lt"/>
+                <a:ea typeface="+mn-ea"/>
+                <a:cs typeface="+mn-cs"/>
+              </a:defRPr>
+            </a:lvl8pPr>
+            <a:lvl9pPr marL="3657600" algn="l" defTabSz="914400" rtl="0" eaLnBrk="1" latinLnBrk="0" hangingPunct="1">
+              <a:defRPr sz="1800" kern="1200">
+                <a:solidFill>
+                  <a:schemeClr val="lt1"/>
+                </a:solidFill>
+                <a:latin typeface="+mn-lt"/>
+                <a:ea typeface="+mn-ea"/>
+                <a:cs typeface="+mn-cs"/>
+              </a:defRPr>
+            </a:lvl9pPr>
+          </a:lstStyle>
+          <a:p>
+            <a:pPr algn="ctr"/>
+            <a:r>
+              <a:rPr lang="en-US" sz="5400" dirty="0">
+                <a:solidFill>
+                  <a:schemeClr val="accent4"/>
+                </a:solidFill>
+              </a:rPr>
+              <a:t>G</a:t>
+            </a:r>
+            <a:endParaRPr lang="en-PH" sz="5400" dirty="0">
+              <a:solidFill>
+                <a:schemeClr val="accent4"/>
+              </a:solidFill>
+            </a:endParaRPr>
+          </a:p>
+        </p:txBody>
+      </p:sp>
+      <p:sp>
+        <p:nvSpPr>
+          <p:cNvPr id="5" name="Rectangle 4">
+            <a:extLst>
+              <a:ext uri="{FF2B5EF4-FFF2-40B4-BE49-F238E27FC236}">
+                <a16:creationId xmlns:a16="http://schemas.microsoft.com/office/drawing/2014/main" id="{EE1E1E9D-B92D-420C-95F5-319FAD751367}"/>
+              </a:ext>
+            </a:extLst>
+          </p:cNvPr>
+          <p:cNvSpPr/>
+          <p:nvPr/>
+        </p:nvSpPr>
+        <p:spPr>
+          <a:xfrm>
+            <a:off x="1126620" y="1946111"/>
+            <a:ext cx="1786597" cy="970671"/>
+          </a:xfrm>
+          <a:prstGeom prst="rect">
+            <a:avLst/>
+          </a:prstGeom>
+          <a:noFill/>
+          <a:ln>
+            <a:noFill/>
+          </a:ln>
+        </p:spPr>
+        <p:style>
+          <a:lnRef idx="2">
+            <a:schemeClr val="accent1">
+              <a:shade val="50000"/>
+            </a:schemeClr>
+          </a:lnRef>
+          <a:fillRef idx="1">
+            <a:schemeClr val="accent1"/>
+          </a:fillRef>
+          <a:effectRef idx="0">
+            <a:schemeClr val="accent1"/>
+          </a:effectRef>
+          <a:fontRef idx="minor">
+            <a:schemeClr val="lt1"/>
+          </a:fontRef>
+        </p:style>
+        <p:txBody>
+          <a:bodyPr rtlCol="0" anchor="ctr"/>
+          <a:lstStyle>
+            <a:defPPr>
+              <a:defRPr lang="en-US"/>
+            </a:defPPr>
+            <a:lvl1pPr marL="0" algn="l" defTabSz="914400" rtl="0" eaLnBrk="1" latinLnBrk="0" hangingPunct="1">
+              <a:defRPr sz="1800" kern="1200">
+                <a:solidFill>
+                  <a:schemeClr val="lt1"/>
+                </a:solidFill>
+                <a:latin typeface="+mn-lt"/>
+                <a:ea typeface="+mn-ea"/>
+                <a:cs typeface="+mn-cs"/>
+              </a:defRPr>
+            </a:lvl1pPr>
+            <a:lvl2pPr marL="457200" algn="l" defTabSz="914400" rtl="0" eaLnBrk="1" latinLnBrk="0" hangingPunct="1">
+              <a:defRPr sz="1800" kern="1200">
+                <a:solidFill>
+                  <a:schemeClr val="lt1"/>
+                </a:solidFill>
+                <a:latin typeface="+mn-lt"/>
+                <a:ea typeface="+mn-ea"/>
+                <a:cs typeface="+mn-cs"/>
+              </a:defRPr>
+            </a:lvl2pPr>
+            <a:lvl3pPr marL="914400" algn="l" defTabSz="914400" rtl="0" eaLnBrk="1" latinLnBrk="0" hangingPunct="1">
+              <a:defRPr sz="1800" kern="1200">
+                <a:solidFill>
+                  <a:schemeClr val="lt1"/>
+                </a:solidFill>
+                <a:latin typeface="+mn-lt"/>
+                <a:ea typeface="+mn-ea"/>
+                <a:cs typeface="+mn-cs"/>
+              </a:defRPr>
+            </a:lvl3pPr>
+            <a:lvl4pPr marL="1371600" algn="l" defTabSz="914400" rtl="0" eaLnBrk="1" latinLnBrk="0" hangingPunct="1">
+              <a:defRPr sz="1800" kern="1200">
+                <a:solidFill>
+                  <a:schemeClr val="lt1"/>
+                </a:solidFill>
+                <a:latin typeface="+mn-lt"/>
+                <a:ea typeface="+mn-ea"/>
+                <a:cs typeface="+mn-cs"/>
+              </a:defRPr>
+            </a:lvl4pPr>
+            <a:lvl5pPr marL="1828800" algn="l" defTabSz="914400" rtl="0" eaLnBrk="1" latinLnBrk="0" hangingPunct="1">
+              <a:defRPr sz="1800" kern="1200">
+                <a:solidFill>
+                  <a:schemeClr val="lt1"/>
+                </a:solidFill>
+                <a:latin typeface="+mn-lt"/>
+                <a:ea typeface="+mn-ea"/>
+                <a:cs typeface="+mn-cs"/>
+              </a:defRPr>
+            </a:lvl5pPr>
+            <a:lvl6pPr marL="2286000" algn="l" defTabSz="914400" rtl="0" eaLnBrk="1" latinLnBrk="0" hangingPunct="1">
+              <a:defRPr sz="1800" kern="1200">
+                <a:solidFill>
+                  <a:schemeClr val="lt1"/>
+                </a:solidFill>
+                <a:latin typeface="+mn-lt"/>
+                <a:ea typeface="+mn-ea"/>
+                <a:cs typeface="+mn-cs"/>
+              </a:defRPr>
+            </a:lvl6pPr>
+            <a:lvl7pPr marL="2743200" algn="l" defTabSz="914400" rtl="0" eaLnBrk="1" latinLnBrk="0" hangingPunct="1">
+              <a:defRPr sz="1800" kern="1200">
+                <a:solidFill>
+                  <a:schemeClr val="lt1"/>
+                </a:solidFill>
+                <a:latin typeface="+mn-lt"/>
+                <a:ea typeface="+mn-ea"/>
+                <a:cs typeface="+mn-cs"/>
+              </a:defRPr>
+            </a:lvl7pPr>
+            <a:lvl8pPr marL="3200400" algn="l" defTabSz="914400" rtl="0" eaLnBrk="1" latinLnBrk="0" hangingPunct="1">
+              <a:defRPr sz="1800" kern="1200">
+                <a:solidFill>
+                  <a:schemeClr val="lt1"/>
+                </a:solidFill>
+                <a:latin typeface="+mn-lt"/>
+                <a:ea typeface="+mn-ea"/>
+                <a:cs typeface="+mn-cs"/>
+              </a:defRPr>
+            </a:lvl8pPr>
+            <a:lvl9pPr marL="3657600" algn="l" defTabSz="914400" rtl="0" eaLnBrk="1" latinLnBrk="0" hangingPunct="1">
+              <a:defRPr sz="1800" kern="1200">
+                <a:solidFill>
+                  <a:schemeClr val="lt1"/>
+                </a:solidFill>
+                <a:latin typeface="+mn-lt"/>
+                <a:ea typeface="+mn-ea"/>
+                <a:cs typeface="+mn-cs"/>
+              </a:defRPr>
+            </a:lvl9pPr>
+          </a:lstStyle>
+          <a:p>
+            <a:pPr algn="ctr"/>
+            <a:r>
+              <a:rPr lang="en-US" sz="5400" dirty="0">
+                <a:solidFill>
+                  <a:schemeClr val="accent4"/>
+                </a:solidFill>
+              </a:rPr>
+              <a:t>A7</a:t>
+            </a:r>
+            <a:endParaRPr lang="en-PH" sz="5400" dirty="0">
+              <a:solidFill>
+                <a:schemeClr val="accent4"/>
+              </a:solidFill>
+            </a:endParaRPr>
+          </a:p>
+        </p:txBody>
+      </p:sp>
+      <p:sp>
+        <p:nvSpPr>
+          <p:cNvPr id="6" name="Rectangle 5">
+            <a:extLst>
+              <a:ext uri="{FF2B5EF4-FFF2-40B4-BE49-F238E27FC236}">
+                <a16:creationId xmlns:a16="http://schemas.microsoft.com/office/drawing/2014/main" id="{93441BF9-387D-4FDE-AA0A-DF93212F77C7}"/>
+              </a:ext>
+            </a:extLst>
+          </p:cNvPr>
+          <p:cNvSpPr/>
+          <p:nvPr/>
+        </p:nvSpPr>
+        <p:spPr>
+          <a:xfrm>
+            <a:off x="5768952" y="1969557"/>
+            <a:ext cx="1786597" cy="970671"/>
+          </a:xfrm>
+          <a:prstGeom prst="rect">
+            <a:avLst/>
+          </a:prstGeom>
+          <a:noFill/>
+          <a:ln>
+            <a:noFill/>
+          </a:ln>
+        </p:spPr>
+        <p:style>
+          <a:lnRef idx="2">
+            <a:schemeClr val="accent1">
+              <a:shade val="50000"/>
+            </a:schemeClr>
+          </a:lnRef>
+          <a:fillRef idx="1">
+            <a:schemeClr val="accent1"/>
+          </a:fillRef>
+          <a:effectRef idx="0">
+            <a:schemeClr val="accent1"/>
+          </a:effectRef>
+          <a:fontRef idx="minor">
+            <a:schemeClr val="lt1"/>
+          </a:fontRef>
+        </p:style>
+        <p:txBody>
+          <a:bodyPr rtlCol="0" anchor="ctr"/>
+          <a:lstStyle>
+            <a:defPPr>
+              <a:defRPr lang="en-US"/>
+            </a:defPPr>
+            <a:lvl1pPr marL="0" algn="l" defTabSz="914400" rtl="0" eaLnBrk="1" latinLnBrk="0" hangingPunct="1">
+              <a:defRPr sz="1800" kern="1200">
+                <a:solidFill>
+                  <a:schemeClr val="lt1"/>
+                </a:solidFill>
+                <a:latin typeface="+mn-lt"/>
+                <a:ea typeface="+mn-ea"/>
+                <a:cs typeface="+mn-cs"/>
+              </a:defRPr>
+            </a:lvl1pPr>
+            <a:lvl2pPr marL="457200" algn="l" defTabSz="914400" rtl="0" eaLnBrk="1" latinLnBrk="0" hangingPunct="1">
+              <a:defRPr sz="1800" kern="1200">
+                <a:solidFill>
+                  <a:schemeClr val="lt1"/>
+                </a:solidFill>
+                <a:latin typeface="+mn-lt"/>
+                <a:ea typeface="+mn-ea"/>
+                <a:cs typeface="+mn-cs"/>
+              </a:defRPr>
+            </a:lvl2pPr>
+            <a:lvl3pPr marL="914400" algn="l" defTabSz="914400" rtl="0" eaLnBrk="1" latinLnBrk="0" hangingPunct="1">
+              <a:defRPr sz="1800" kern="1200">
+                <a:solidFill>
+                  <a:schemeClr val="lt1"/>
+                </a:solidFill>
+                <a:latin typeface="+mn-lt"/>
+                <a:ea typeface="+mn-ea"/>
+                <a:cs typeface="+mn-cs"/>
+              </a:defRPr>
+            </a:lvl3pPr>
+            <a:lvl4pPr marL="1371600" algn="l" defTabSz="914400" rtl="0" eaLnBrk="1" latinLnBrk="0" hangingPunct="1">
+              <a:defRPr sz="1800" kern="1200">
+                <a:solidFill>
+                  <a:schemeClr val="lt1"/>
+                </a:solidFill>
+                <a:latin typeface="+mn-lt"/>
+                <a:ea typeface="+mn-ea"/>
+                <a:cs typeface="+mn-cs"/>
+              </a:defRPr>
+            </a:lvl4pPr>
+            <a:lvl5pPr marL="1828800" algn="l" defTabSz="914400" rtl="0" eaLnBrk="1" latinLnBrk="0" hangingPunct="1">
+              <a:defRPr sz="1800" kern="1200">
+                <a:solidFill>
+                  <a:schemeClr val="lt1"/>
+                </a:solidFill>
+                <a:latin typeface="+mn-lt"/>
+                <a:ea typeface="+mn-ea"/>
+                <a:cs typeface="+mn-cs"/>
+              </a:defRPr>
+            </a:lvl5pPr>
+            <a:lvl6pPr marL="2286000" algn="l" defTabSz="914400" rtl="0" eaLnBrk="1" latinLnBrk="0" hangingPunct="1">
+              <a:defRPr sz="1800" kern="1200">
+                <a:solidFill>
+                  <a:schemeClr val="lt1"/>
+                </a:solidFill>
+                <a:latin typeface="+mn-lt"/>
+                <a:ea typeface="+mn-ea"/>
+                <a:cs typeface="+mn-cs"/>
+              </a:defRPr>
+            </a:lvl6pPr>
+            <a:lvl7pPr marL="2743200" algn="l" defTabSz="914400" rtl="0" eaLnBrk="1" latinLnBrk="0" hangingPunct="1">
+              <a:defRPr sz="1800" kern="1200">
+                <a:solidFill>
+                  <a:schemeClr val="lt1"/>
+                </a:solidFill>
+                <a:latin typeface="+mn-lt"/>
+                <a:ea typeface="+mn-ea"/>
+                <a:cs typeface="+mn-cs"/>
+              </a:defRPr>
+            </a:lvl7pPr>
+            <a:lvl8pPr marL="3200400" algn="l" defTabSz="914400" rtl="0" eaLnBrk="1" latinLnBrk="0" hangingPunct="1">
+              <a:defRPr sz="1800" kern="1200">
+                <a:solidFill>
+                  <a:schemeClr val="lt1"/>
+                </a:solidFill>
+                <a:latin typeface="+mn-lt"/>
+                <a:ea typeface="+mn-ea"/>
+                <a:cs typeface="+mn-cs"/>
+              </a:defRPr>
+            </a:lvl8pPr>
+            <a:lvl9pPr marL="3657600" algn="l" defTabSz="914400" rtl="0" eaLnBrk="1" latinLnBrk="0" hangingPunct="1">
+              <a:defRPr sz="1800" kern="1200">
+                <a:solidFill>
+                  <a:schemeClr val="lt1"/>
+                </a:solidFill>
+                <a:latin typeface="+mn-lt"/>
+                <a:ea typeface="+mn-ea"/>
+                <a:cs typeface="+mn-cs"/>
+              </a:defRPr>
+            </a:lvl9pPr>
+          </a:lstStyle>
+          <a:p>
+            <a:pPr algn="ctr"/>
+            <a:r>
+              <a:rPr lang="en-US" sz="5400" dirty="0" err="1">
+                <a:solidFill>
+                  <a:schemeClr val="accent4"/>
+                </a:solidFill>
+              </a:rPr>
+              <a:t>F#m</a:t>
+            </a:r>
+            <a:endParaRPr lang="en-PH" sz="5400" dirty="0">
+              <a:solidFill>
+                <a:schemeClr val="accent4"/>
+              </a:solidFill>
+            </a:endParaRPr>
+          </a:p>
+        </p:txBody>
+      </p:sp>
+      <p:sp>
+        <p:nvSpPr>
+          <p:cNvPr id="7" name="Rectangle 6">
+            <a:extLst>
+              <a:ext uri="{FF2B5EF4-FFF2-40B4-BE49-F238E27FC236}">
+                <a16:creationId xmlns:a16="http://schemas.microsoft.com/office/drawing/2014/main" id="{7D68BC34-8E48-404F-9829-0B0F926FA984}"/>
+              </a:ext>
+            </a:extLst>
+          </p:cNvPr>
+          <p:cNvSpPr/>
+          <p:nvPr/>
+        </p:nvSpPr>
+        <p:spPr>
+          <a:xfrm>
+            <a:off x="10362045" y="1969557"/>
+            <a:ext cx="1786597" cy="970671"/>
+          </a:xfrm>
+          <a:prstGeom prst="rect">
+            <a:avLst/>
+          </a:prstGeom>
+          <a:noFill/>
+          <a:ln>
+            <a:noFill/>
+          </a:ln>
+        </p:spPr>
+        <p:style>
+          <a:lnRef idx="2">
+            <a:schemeClr val="accent1">
+              <a:shade val="50000"/>
+            </a:schemeClr>
+          </a:lnRef>
+          <a:fillRef idx="1">
+            <a:schemeClr val="accent1"/>
+          </a:fillRef>
+          <a:effectRef idx="0">
+            <a:schemeClr val="accent1"/>
+          </a:effectRef>
+          <a:fontRef idx="minor">
+            <a:schemeClr val="lt1"/>
+          </a:fontRef>
+        </p:style>
+        <p:txBody>
+          <a:bodyPr rtlCol="0" anchor="ctr"/>
+          <a:lstStyle>
+            <a:defPPr>
+              <a:defRPr lang="en-US"/>
+            </a:defPPr>
+            <a:lvl1pPr marL="0" algn="l" defTabSz="914400" rtl="0" eaLnBrk="1" latinLnBrk="0" hangingPunct="1">
+              <a:defRPr sz="1800" kern="1200">
+                <a:solidFill>
+                  <a:schemeClr val="lt1"/>
+                </a:solidFill>
+                <a:latin typeface="+mn-lt"/>
+                <a:ea typeface="+mn-ea"/>
+                <a:cs typeface="+mn-cs"/>
+              </a:defRPr>
+            </a:lvl1pPr>
+            <a:lvl2pPr marL="457200" algn="l" defTabSz="914400" rtl="0" eaLnBrk="1" latinLnBrk="0" hangingPunct="1">
+              <a:defRPr sz="1800" kern="1200">
+                <a:solidFill>
+                  <a:schemeClr val="lt1"/>
+                </a:solidFill>
+                <a:latin typeface="+mn-lt"/>
+                <a:ea typeface="+mn-ea"/>
+                <a:cs typeface="+mn-cs"/>
+              </a:defRPr>
+            </a:lvl2pPr>
+            <a:lvl3pPr marL="914400" algn="l" defTabSz="914400" rtl="0" eaLnBrk="1" latinLnBrk="0" hangingPunct="1">
+              <a:defRPr sz="1800" kern="1200">
+                <a:solidFill>
+                  <a:schemeClr val="lt1"/>
+                </a:solidFill>
+                <a:latin typeface="+mn-lt"/>
+                <a:ea typeface="+mn-ea"/>
+                <a:cs typeface="+mn-cs"/>
+              </a:defRPr>
+            </a:lvl3pPr>
+            <a:lvl4pPr marL="1371600" algn="l" defTabSz="914400" rtl="0" eaLnBrk="1" latinLnBrk="0" hangingPunct="1">
+              <a:defRPr sz="1800" kern="1200">
+                <a:solidFill>
+                  <a:schemeClr val="lt1"/>
+                </a:solidFill>
+                <a:latin typeface="+mn-lt"/>
+                <a:ea typeface="+mn-ea"/>
+                <a:cs typeface="+mn-cs"/>
+              </a:defRPr>
+            </a:lvl4pPr>
+            <a:lvl5pPr marL="1828800" algn="l" defTabSz="914400" rtl="0" eaLnBrk="1" latinLnBrk="0" hangingPunct="1">
+              <a:defRPr sz="1800" kern="1200">
+                <a:solidFill>
+                  <a:schemeClr val="lt1"/>
+                </a:solidFill>
+                <a:latin typeface="+mn-lt"/>
+                <a:ea typeface="+mn-ea"/>
+                <a:cs typeface="+mn-cs"/>
+              </a:defRPr>
+            </a:lvl5pPr>
+            <a:lvl6pPr marL="2286000" algn="l" defTabSz="914400" rtl="0" eaLnBrk="1" latinLnBrk="0" hangingPunct="1">
+              <a:defRPr sz="1800" kern="1200">
+                <a:solidFill>
+                  <a:schemeClr val="lt1"/>
+                </a:solidFill>
+                <a:latin typeface="+mn-lt"/>
+                <a:ea typeface="+mn-ea"/>
+                <a:cs typeface="+mn-cs"/>
+              </a:defRPr>
+            </a:lvl6pPr>
+            <a:lvl7pPr marL="2743200" algn="l" defTabSz="914400" rtl="0" eaLnBrk="1" latinLnBrk="0" hangingPunct="1">
+              <a:defRPr sz="1800" kern="1200">
+                <a:solidFill>
+                  <a:schemeClr val="lt1"/>
+                </a:solidFill>
+                <a:latin typeface="+mn-lt"/>
+                <a:ea typeface="+mn-ea"/>
+                <a:cs typeface="+mn-cs"/>
+              </a:defRPr>
+            </a:lvl7pPr>
+            <a:lvl8pPr marL="3200400" algn="l" defTabSz="914400" rtl="0" eaLnBrk="1" latinLnBrk="0" hangingPunct="1">
+              <a:defRPr sz="1800" kern="1200">
+                <a:solidFill>
+                  <a:schemeClr val="lt1"/>
+                </a:solidFill>
+                <a:latin typeface="+mn-lt"/>
+                <a:ea typeface="+mn-ea"/>
+                <a:cs typeface="+mn-cs"/>
+              </a:defRPr>
+            </a:lvl8pPr>
+            <a:lvl9pPr marL="3657600" algn="l" defTabSz="914400" rtl="0" eaLnBrk="1" latinLnBrk="0" hangingPunct="1">
+              <a:defRPr sz="1800" kern="1200">
+                <a:solidFill>
+                  <a:schemeClr val="lt1"/>
+                </a:solidFill>
+                <a:latin typeface="+mn-lt"/>
+                <a:ea typeface="+mn-ea"/>
+                <a:cs typeface="+mn-cs"/>
+              </a:defRPr>
+            </a:lvl9pPr>
+          </a:lstStyle>
+          <a:p>
+            <a:pPr algn="ctr"/>
+            <a:r>
+              <a:rPr lang="en-US" sz="5400" dirty="0" err="1">
+                <a:solidFill>
+                  <a:schemeClr val="accent4"/>
+                </a:solidFill>
+              </a:rPr>
+              <a:t>Bm</a:t>
+            </a:r>
+            <a:endParaRPr lang="en-PH" sz="5400" dirty="0">
+              <a:solidFill>
+                <a:schemeClr val="accent4"/>
+              </a:solidFill>
+            </a:endParaRPr>
+          </a:p>
+        </p:txBody>
+      </p:sp>
+      <p:sp>
+        <p:nvSpPr>
+          <p:cNvPr id="8" name="Rectangle 7">
+            <a:extLst>
+              <a:ext uri="{FF2B5EF4-FFF2-40B4-BE49-F238E27FC236}">
+                <a16:creationId xmlns:a16="http://schemas.microsoft.com/office/drawing/2014/main" id="{8E2309E7-C9E3-49A7-9421-9390819CAF64}"/>
+              </a:ext>
+            </a:extLst>
+          </p:cNvPr>
+          <p:cNvSpPr/>
+          <p:nvPr/>
+        </p:nvSpPr>
+        <p:spPr>
+          <a:xfrm>
+            <a:off x="704592" y="3845255"/>
+            <a:ext cx="1786597" cy="970671"/>
+          </a:xfrm>
+          <a:prstGeom prst="rect">
+            <a:avLst/>
+          </a:prstGeom>
+          <a:noFill/>
+          <a:ln>
+            <a:noFill/>
+          </a:ln>
+        </p:spPr>
+        <p:style>
+          <a:lnRef idx="2">
+            <a:schemeClr val="accent1">
+              <a:shade val="50000"/>
+            </a:schemeClr>
+          </a:lnRef>
+          <a:fillRef idx="1">
+            <a:schemeClr val="accent1"/>
+          </a:fillRef>
+          <a:effectRef idx="0">
+            <a:schemeClr val="accent1"/>
+          </a:effectRef>
+          <a:fontRef idx="minor">
+            <a:schemeClr val="lt1"/>
+          </a:fontRef>
+        </p:style>
+        <p:txBody>
+          <a:bodyPr rtlCol="0" anchor="ctr"/>
+          <a:lstStyle>
+            <a:defPPr>
+              <a:defRPr lang="en-US"/>
+            </a:defPPr>
+            <a:lvl1pPr marL="0" algn="l" defTabSz="914400" rtl="0" eaLnBrk="1" latinLnBrk="0" hangingPunct="1">
+              <a:defRPr sz="1800" kern="1200">
+                <a:solidFill>
+                  <a:schemeClr val="lt1"/>
+                </a:solidFill>
+                <a:latin typeface="+mn-lt"/>
+                <a:ea typeface="+mn-ea"/>
+                <a:cs typeface="+mn-cs"/>
+              </a:defRPr>
+            </a:lvl1pPr>
+            <a:lvl2pPr marL="457200" algn="l" defTabSz="914400" rtl="0" eaLnBrk="1" latinLnBrk="0" hangingPunct="1">
+              <a:defRPr sz="1800" kern="1200">
+                <a:solidFill>
+                  <a:schemeClr val="lt1"/>
+                </a:solidFill>
+                <a:latin typeface="+mn-lt"/>
+                <a:ea typeface="+mn-ea"/>
+                <a:cs typeface="+mn-cs"/>
+              </a:defRPr>
+            </a:lvl2pPr>
+            <a:lvl3pPr marL="914400" algn="l" defTabSz="914400" rtl="0" eaLnBrk="1" latinLnBrk="0" hangingPunct="1">
+              <a:defRPr sz="1800" kern="1200">
+                <a:solidFill>
+                  <a:schemeClr val="lt1"/>
+                </a:solidFill>
+                <a:latin typeface="+mn-lt"/>
+                <a:ea typeface="+mn-ea"/>
+                <a:cs typeface="+mn-cs"/>
+              </a:defRPr>
+            </a:lvl3pPr>
+            <a:lvl4pPr marL="1371600" algn="l" defTabSz="914400" rtl="0" eaLnBrk="1" latinLnBrk="0" hangingPunct="1">
+              <a:defRPr sz="1800" kern="1200">
+                <a:solidFill>
+                  <a:schemeClr val="lt1"/>
+                </a:solidFill>
+                <a:latin typeface="+mn-lt"/>
+                <a:ea typeface="+mn-ea"/>
+                <a:cs typeface="+mn-cs"/>
+              </a:defRPr>
+            </a:lvl4pPr>
+            <a:lvl5pPr marL="1828800" algn="l" defTabSz="914400" rtl="0" eaLnBrk="1" latinLnBrk="0" hangingPunct="1">
+              <a:defRPr sz="1800" kern="1200">
+                <a:solidFill>
+                  <a:schemeClr val="lt1"/>
+                </a:solidFill>
+                <a:latin typeface="+mn-lt"/>
+                <a:ea typeface="+mn-ea"/>
+                <a:cs typeface="+mn-cs"/>
+              </a:defRPr>
+            </a:lvl5pPr>
+            <a:lvl6pPr marL="2286000" algn="l" defTabSz="914400" rtl="0" eaLnBrk="1" latinLnBrk="0" hangingPunct="1">
+              <a:defRPr sz="1800" kern="1200">
+                <a:solidFill>
+                  <a:schemeClr val="lt1"/>
+                </a:solidFill>
+                <a:latin typeface="+mn-lt"/>
+                <a:ea typeface="+mn-ea"/>
+                <a:cs typeface="+mn-cs"/>
+              </a:defRPr>
+            </a:lvl6pPr>
+            <a:lvl7pPr marL="2743200" algn="l" defTabSz="914400" rtl="0" eaLnBrk="1" latinLnBrk="0" hangingPunct="1">
+              <a:defRPr sz="1800" kern="1200">
+                <a:solidFill>
+                  <a:schemeClr val="lt1"/>
+                </a:solidFill>
+                <a:latin typeface="+mn-lt"/>
+                <a:ea typeface="+mn-ea"/>
+                <a:cs typeface="+mn-cs"/>
+              </a:defRPr>
+            </a:lvl7pPr>
+            <a:lvl8pPr marL="3200400" algn="l" defTabSz="914400" rtl="0" eaLnBrk="1" latinLnBrk="0" hangingPunct="1">
+              <a:defRPr sz="1800" kern="1200">
+                <a:solidFill>
+                  <a:schemeClr val="lt1"/>
+                </a:solidFill>
+                <a:latin typeface="+mn-lt"/>
+                <a:ea typeface="+mn-ea"/>
+                <a:cs typeface="+mn-cs"/>
+              </a:defRPr>
+            </a:lvl8pPr>
+            <a:lvl9pPr marL="3657600" algn="l" defTabSz="914400" rtl="0" eaLnBrk="1" latinLnBrk="0" hangingPunct="1">
+              <a:defRPr sz="1800" kern="1200">
+                <a:solidFill>
+                  <a:schemeClr val="lt1"/>
+                </a:solidFill>
+                <a:latin typeface="+mn-lt"/>
+                <a:ea typeface="+mn-ea"/>
+                <a:cs typeface="+mn-cs"/>
+              </a:defRPr>
+            </a:lvl9pPr>
+          </a:lstStyle>
+          <a:p>
+            <a:pPr algn="ctr"/>
+            <a:r>
+              <a:rPr lang="en-US" sz="5400" dirty="0" err="1">
+                <a:solidFill>
+                  <a:schemeClr val="accent4"/>
+                </a:solidFill>
+              </a:rPr>
+              <a:t>Em</a:t>
+            </a:r>
+            <a:endParaRPr lang="en-PH" sz="5400" dirty="0">
+              <a:solidFill>
+                <a:schemeClr val="accent4"/>
+              </a:solidFill>
+            </a:endParaRPr>
+          </a:p>
+        </p:txBody>
+      </p:sp>
+      <p:sp>
+        <p:nvSpPr>
+          <p:cNvPr id="9" name="Rectangle 8">
+            <a:extLst>
+              <a:ext uri="{FF2B5EF4-FFF2-40B4-BE49-F238E27FC236}">
+                <a16:creationId xmlns:a16="http://schemas.microsoft.com/office/drawing/2014/main" id="{B6554F18-06C2-4CFA-A09E-43163C32A1B6}"/>
+              </a:ext>
+            </a:extLst>
+          </p:cNvPr>
+          <p:cNvSpPr/>
+          <p:nvPr/>
+        </p:nvSpPr>
+        <p:spPr>
+          <a:xfrm>
+            <a:off x="6179266" y="4091439"/>
+            <a:ext cx="1786597" cy="970671"/>
+          </a:xfrm>
+          <a:prstGeom prst="rect">
+            <a:avLst/>
+          </a:prstGeom>
+          <a:noFill/>
+          <a:ln>
+            <a:noFill/>
+          </a:ln>
+        </p:spPr>
+        <p:style>
+          <a:lnRef idx="2">
+            <a:schemeClr val="accent1">
+              <a:shade val="50000"/>
+            </a:schemeClr>
+          </a:lnRef>
+          <a:fillRef idx="1">
+            <a:schemeClr val="accent1"/>
+          </a:fillRef>
+          <a:effectRef idx="0">
+            <a:schemeClr val="accent1"/>
+          </a:effectRef>
+          <a:fontRef idx="minor">
+            <a:schemeClr val="lt1"/>
+          </a:fontRef>
+        </p:style>
+        <p:txBody>
+          <a:bodyPr rtlCol="0" anchor="ctr"/>
+          <a:lstStyle>
+            <a:defPPr>
+              <a:defRPr lang="en-US"/>
+            </a:defPPr>
+            <a:lvl1pPr marL="0" algn="l" defTabSz="914400" rtl="0" eaLnBrk="1" latinLnBrk="0" hangingPunct="1">
+              <a:defRPr sz="1800" kern="1200">
+                <a:solidFill>
+                  <a:schemeClr val="lt1"/>
+                </a:solidFill>
+                <a:latin typeface="+mn-lt"/>
+                <a:ea typeface="+mn-ea"/>
+                <a:cs typeface="+mn-cs"/>
+              </a:defRPr>
+            </a:lvl1pPr>
+            <a:lvl2pPr marL="457200" algn="l" defTabSz="914400" rtl="0" eaLnBrk="1" latinLnBrk="0" hangingPunct="1">
+              <a:defRPr sz="1800" kern="1200">
+                <a:solidFill>
+                  <a:schemeClr val="lt1"/>
+                </a:solidFill>
+                <a:latin typeface="+mn-lt"/>
+                <a:ea typeface="+mn-ea"/>
+                <a:cs typeface="+mn-cs"/>
+              </a:defRPr>
+            </a:lvl2pPr>
+            <a:lvl3pPr marL="914400" algn="l" defTabSz="914400" rtl="0" eaLnBrk="1" latinLnBrk="0" hangingPunct="1">
+              <a:defRPr sz="1800" kern="1200">
+                <a:solidFill>
+                  <a:schemeClr val="lt1"/>
+                </a:solidFill>
+                <a:latin typeface="+mn-lt"/>
+                <a:ea typeface="+mn-ea"/>
+                <a:cs typeface="+mn-cs"/>
+              </a:defRPr>
+            </a:lvl3pPr>
+            <a:lvl4pPr marL="1371600" algn="l" defTabSz="914400" rtl="0" eaLnBrk="1" latinLnBrk="0" hangingPunct="1">
+              <a:defRPr sz="1800" kern="1200">
+                <a:solidFill>
+                  <a:schemeClr val="lt1"/>
+                </a:solidFill>
+                <a:latin typeface="+mn-lt"/>
+                <a:ea typeface="+mn-ea"/>
+                <a:cs typeface="+mn-cs"/>
+              </a:defRPr>
+            </a:lvl4pPr>
+            <a:lvl5pPr marL="1828800" algn="l" defTabSz="914400" rtl="0" eaLnBrk="1" latinLnBrk="0" hangingPunct="1">
+              <a:defRPr sz="1800" kern="1200">
+                <a:solidFill>
+                  <a:schemeClr val="lt1"/>
+                </a:solidFill>
+                <a:latin typeface="+mn-lt"/>
+                <a:ea typeface="+mn-ea"/>
+                <a:cs typeface="+mn-cs"/>
+              </a:defRPr>
+            </a:lvl5pPr>
+            <a:lvl6pPr marL="2286000" algn="l" defTabSz="914400" rtl="0" eaLnBrk="1" latinLnBrk="0" hangingPunct="1">
+              <a:defRPr sz="1800" kern="1200">
+                <a:solidFill>
+                  <a:schemeClr val="lt1"/>
+                </a:solidFill>
+                <a:latin typeface="+mn-lt"/>
+                <a:ea typeface="+mn-ea"/>
+                <a:cs typeface="+mn-cs"/>
+              </a:defRPr>
+            </a:lvl6pPr>
+            <a:lvl7pPr marL="2743200" algn="l" defTabSz="914400" rtl="0" eaLnBrk="1" latinLnBrk="0" hangingPunct="1">
+              <a:defRPr sz="1800" kern="1200">
+                <a:solidFill>
+                  <a:schemeClr val="lt1"/>
+                </a:solidFill>
+                <a:latin typeface="+mn-lt"/>
+                <a:ea typeface="+mn-ea"/>
+                <a:cs typeface="+mn-cs"/>
+              </a:defRPr>
+            </a:lvl7pPr>
+            <a:lvl8pPr marL="3200400" algn="l" defTabSz="914400" rtl="0" eaLnBrk="1" latinLnBrk="0" hangingPunct="1">
+              <a:defRPr sz="1800" kern="1200">
+                <a:solidFill>
+                  <a:schemeClr val="lt1"/>
+                </a:solidFill>
+                <a:latin typeface="+mn-lt"/>
+                <a:ea typeface="+mn-ea"/>
+                <a:cs typeface="+mn-cs"/>
+              </a:defRPr>
+            </a:lvl8pPr>
+            <a:lvl9pPr marL="3657600" algn="l" defTabSz="914400" rtl="0" eaLnBrk="1" latinLnBrk="0" hangingPunct="1">
+              <a:defRPr sz="1800" kern="1200">
+                <a:solidFill>
+                  <a:schemeClr val="lt1"/>
+                </a:solidFill>
+                <a:latin typeface="+mn-lt"/>
+                <a:ea typeface="+mn-ea"/>
+                <a:cs typeface="+mn-cs"/>
+              </a:defRPr>
+            </a:lvl9pPr>
+          </a:lstStyle>
+          <a:p>
+            <a:pPr algn="ctr"/>
+            <a:r>
+              <a:rPr lang="en-US" sz="5400" dirty="0">
+                <a:solidFill>
+                  <a:schemeClr val="accent4"/>
+                </a:solidFill>
+              </a:rPr>
+              <a:t>A7</a:t>
+            </a:r>
+            <a:endParaRPr lang="en-PH" sz="5400" dirty="0">
+              <a:solidFill>
+                <a:schemeClr val="accent4"/>
+              </a:solidFill>
+            </a:endParaRPr>
+          </a:p>
+        </p:txBody>
+      </p:sp>
+      <p:sp>
+        <p:nvSpPr>
+          <p:cNvPr id="10" name="Rectangle 9">
+            <a:extLst>
+              <a:ext uri="{FF2B5EF4-FFF2-40B4-BE49-F238E27FC236}">
+                <a16:creationId xmlns:a16="http://schemas.microsoft.com/office/drawing/2014/main" id="{2EC0BDC2-9014-40A0-94C5-AA0AAC27F84F}"/>
+              </a:ext>
+            </a:extLst>
+          </p:cNvPr>
+          <p:cNvSpPr/>
+          <p:nvPr/>
+        </p:nvSpPr>
+        <p:spPr>
+          <a:xfrm>
+            <a:off x="10399575" y="3950763"/>
+            <a:ext cx="1786597" cy="970671"/>
+          </a:xfrm>
+          <a:prstGeom prst="rect">
+            <a:avLst/>
+          </a:prstGeom>
+          <a:noFill/>
+          <a:ln>
+            <a:noFill/>
+          </a:ln>
+        </p:spPr>
+        <p:style>
+          <a:lnRef idx="2">
+            <a:schemeClr val="accent1">
+              <a:shade val="50000"/>
+            </a:schemeClr>
+          </a:lnRef>
+          <a:fillRef idx="1">
+            <a:schemeClr val="accent1"/>
+          </a:fillRef>
+          <a:effectRef idx="0">
+            <a:schemeClr val="accent1"/>
+          </a:effectRef>
+          <a:fontRef idx="minor">
+            <a:schemeClr val="lt1"/>
+          </a:fontRef>
+        </p:style>
+        <p:txBody>
+          <a:bodyPr rtlCol="0" anchor="ctr"/>
+          <a:lstStyle>
+            <a:defPPr>
+              <a:defRPr lang="en-US"/>
+            </a:defPPr>
+            <a:lvl1pPr marL="0" algn="l" defTabSz="914400" rtl="0" eaLnBrk="1" latinLnBrk="0" hangingPunct="1">
+              <a:defRPr sz="1800" kern="1200">
+                <a:solidFill>
+                  <a:schemeClr val="lt1"/>
+                </a:solidFill>
+                <a:latin typeface="+mn-lt"/>
+                <a:ea typeface="+mn-ea"/>
+                <a:cs typeface="+mn-cs"/>
+              </a:defRPr>
+            </a:lvl1pPr>
+            <a:lvl2pPr marL="457200" algn="l" defTabSz="914400" rtl="0" eaLnBrk="1" latinLnBrk="0" hangingPunct="1">
+              <a:defRPr sz="1800" kern="1200">
+                <a:solidFill>
+                  <a:schemeClr val="lt1"/>
+                </a:solidFill>
+                <a:latin typeface="+mn-lt"/>
+                <a:ea typeface="+mn-ea"/>
+                <a:cs typeface="+mn-cs"/>
+              </a:defRPr>
+            </a:lvl2pPr>
+            <a:lvl3pPr marL="914400" algn="l" defTabSz="914400" rtl="0" eaLnBrk="1" latinLnBrk="0" hangingPunct="1">
+              <a:defRPr sz="1800" kern="1200">
+                <a:solidFill>
+                  <a:schemeClr val="lt1"/>
+                </a:solidFill>
+                <a:latin typeface="+mn-lt"/>
+                <a:ea typeface="+mn-ea"/>
+                <a:cs typeface="+mn-cs"/>
+              </a:defRPr>
+            </a:lvl3pPr>
+            <a:lvl4pPr marL="1371600" algn="l" defTabSz="914400" rtl="0" eaLnBrk="1" latinLnBrk="0" hangingPunct="1">
+              <a:defRPr sz="1800" kern="1200">
+                <a:solidFill>
+                  <a:schemeClr val="lt1"/>
+                </a:solidFill>
+                <a:latin typeface="+mn-lt"/>
+                <a:ea typeface="+mn-ea"/>
+                <a:cs typeface="+mn-cs"/>
+              </a:defRPr>
+            </a:lvl4pPr>
+            <a:lvl5pPr marL="1828800" algn="l" defTabSz="914400" rtl="0" eaLnBrk="1" latinLnBrk="0" hangingPunct="1">
+              <a:defRPr sz="1800" kern="1200">
+                <a:solidFill>
+                  <a:schemeClr val="lt1"/>
+                </a:solidFill>
+                <a:latin typeface="+mn-lt"/>
+                <a:ea typeface="+mn-ea"/>
+                <a:cs typeface="+mn-cs"/>
+              </a:defRPr>
+            </a:lvl5pPr>
+            <a:lvl6pPr marL="2286000" algn="l" defTabSz="914400" rtl="0" eaLnBrk="1" latinLnBrk="0" hangingPunct="1">
+              <a:defRPr sz="1800" kern="1200">
+                <a:solidFill>
+                  <a:schemeClr val="lt1"/>
+                </a:solidFill>
+                <a:latin typeface="+mn-lt"/>
+                <a:ea typeface="+mn-ea"/>
+                <a:cs typeface="+mn-cs"/>
+              </a:defRPr>
+            </a:lvl6pPr>
+            <a:lvl7pPr marL="2743200" algn="l" defTabSz="914400" rtl="0" eaLnBrk="1" latinLnBrk="0" hangingPunct="1">
+              <a:defRPr sz="1800" kern="1200">
+                <a:solidFill>
+                  <a:schemeClr val="lt1"/>
+                </a:solidFill>
+                <a:latin typeface="+mn-lt"/>
+                <a:ea typeface="+mn-ea"/>
+                <a:cs typeface="+mn-cs"/>
+              </a:defRPr>
+            </a:lvl7pPr>
+            <a:lvl8pPr marL="3200400" algn="l" defTabSz="914400" rtl="0" eaLnBrk="1" latinLnBrk="0" hangingPunct="1">
+              <a:defRPr sz="1800" kern="1200">
+                <a:solidFill>
+                  <a:schemeClr val="lt1"/>
+                </a:solidFill>
+                <a:latin typeface="+mn-lt"/>
+                <a:ea typeface="+mn-ea"/>
+                <a:cs typeface="+mn-cs"/>
+              </a:defRPr>
+            </a:lvl8pPr>
+            <a:lvl9pPr marL="3657600" algn="l" defTabSz="914400" rtl="0" eaLnBrk="1" latinLnBrk="0" hangingPunct="1">
+              <a:defRPr sz="1800" kern="1200">
+                <a:solidFill>
+                  <a:schemeClr val="lt1"/>
+                </a:solidFill>
+                <a:latin typeface="+mn-lt"/>
+                <a:ea typeface="+mn-ea"/>
+                <a:cs typeface="+mn-cs"/>
+              </a:defRPr>
+            </a:lvl9pPr>
+          </a:lstStyle>
+          <a:p>
+            <a:pPr algn="ctr"/>
+            <a:r>
+              <a:rPr lang="en-US" sz="5400" dirty="0">
+                <a:solidFill>
+                  <a:schemeClr val="accent4"/>
+                </a:solidFill>
+              </a:rPr>
+              <a:t>D</a:t>
+            </a:r>
+            <a:endParaRPr lang="en-PH" sz="5400" dirty="0">
+              <a:solidFill>
+                <a:schemeClr val="accent4"/>
+              </a:solidFill>
+            </a:endParaRPr>
+          </a:p>
+        </p:txBody>
+      </p:sp>
+      <p:sp>
+        <p:nvSpPr>
+          <p:cNvPr id="11" name="Rectangle 10">
+            <a:extLst>
+              <a:ext uri="{FF2B5EF4-FFF2-40B4-BE49-F238E27FC236}">
+                <a16:creationId xmlns:a16="http://schemas.microsoft.com/office/drawing/2014/main" id="{1BB85133-230B-49A6-8276-0A66EB5CAFEA}"/>
+              </a:ext>
+            </a:extLst>
+          </p:cNvPr>
+          <p:cNvSpPr/>
+          <p:nvPr/>
+        </p:nvSpPr>
+        <p:spPr>
+          <a:xfrm>
+            <a:off x="11044341" y="3962487"/>
+            <a:ext cx="1786597" cy="970671"/>
+          </a:xfrm>
+          <a:prstGeom prst="rect">
+            <a:avLst/>
+          </a:prstGeom>
+          <a:noFill/>
+          <a:ln>
+            <a:noFill/>
+          </a:ln>
+        </p:spPr>
+        <p:style>
+          <a:lnRef idx="2">
+            <a:schemeClr val="accent1">
+              <a:shade val="50000"/>
+            </a:schemeClr>
+          </a:lnRef>
+          <a:fillRef idx="1">
+            <a:schemeClr val="accent1"/>
+          </a:fillRef>
+          <a:effectRef idx="0">
+            <a:schemeClr val="accent1"/>
+          </a:effectRef>
+          <a:fontRef idx="minor">
+            <a:schemeClr val="lt1"/>
+          </a:fontRef>
+        </p:style>
+        <p:txBody>
+          <a:bodyPr rtlCol="0" anchor="ctr"/>
+          <a:lstStyle>
+            <a:defPPr>
+              <a:defRPr lang="en-US"/>
+            </a:defPPr>
+            <a:lvl1pPr marL="0" algn="l" defTabSz="914400" rtl="0" eaLnBrk="1" latinLnBrk="0" hangingPunct="1">
+              <a:defRPr sz="1800" kern="1200">
+                <a:solidFill>
+                  <a:schemeClr val="lt1"/>
+                </a:solidFill>
+                <a:latin typeface="+mn-lt"/>
+                <a:ea typeface="+mn-ea"/>
+                <a:cs typeface="+mn-cs"/>
+              </a:defRPr>
+            </a:lvl1pPr>
+            <a:lvl2pPr marL="457200" algn="l" defTabSz="914400" rtl="0" eaLnBrk="1" latinLnBrk="0" hangingPunct="1">
+              <a:defRPr sz="1800" kern="1200">
+                <a:solidFill>
+                  <a:schemeClr val="lt1"/>
+                </a:solidFill>
+                <a:latin typeface="+mn-lt"/>
+                <a:ea typeface="+mn-ea"/>
+                <a:cs typeface="+mn-cs"/>
+              </a:defRPr>
+            </a:lvl2pPr>
+            <a:lvl3pPr marL="914400" algn="l" defTabSz="914400" rtl="0" eaLnBrk="1" latinLnBrk="0" hangingPunct="1">
+              <a:defRPr sz="1800" kern="1200">
+                <a:solidFill>
+                  <a:schemeClr val="lt1"/>
+                </a:solidFill>
+                <a:latin typeface="+mn-lt"/>
+                <a:ea typeface="+mn-ea"/>
+                <a:cs typeface="+mn-cs"/>
+              </a:defRPr>
+            </a:lvl3pPr>
+            <a:lvl4pPr marL="1371600" algn="l" defTabSz="914400" rtl="0" eaLnBrk="1" latinLnBrk="0" hangingPunct="1">
+              <a:defRPr sz="1800" kern="1200">
+                <a:solidFill>
+                  <a:schemeClr val="lt1"/>
+                </a:solidFill>
+                <a:latin typeface="+mn-lt"/>
+                <a:ea typeface="+mn-ea"/>
+                <a:cs typeface="+mn-cs"/>
+              </a:defRPr>
+            </a:lvl4pPr>
+            <a:lvl5pPr marL="1828800" algn="l" defTabSz="914400" rtl="0" eaLnBrk="1" latinLnBrk="0" hangingPunct="1">
+              <a:defRPr sz="1800" kern="1200">
+                <a:solidFill>
+                  <a:schemeClr val="lt1"/>
+                </a:solidFill>
+                <a:latin typeface="+mn-lt"/>
+                <a:ea typeface="+mn-ea"/>
+                <a:cs typeface="+mn-cs"/>
+              </a:defRPr>
+            </a:lvl5pPr>
+            <a:lvl6pPr marL="2286000" algn="l" defTabSz="914400" rtl="0" eaLnBrk="1" latinLnBrk="0" hangingPunct="1">
+              <a:defRPr sz="1800" kern="1200">
+                <a:solidFill>
+                  <a:schemeClr val="lt1"/>
+                </a:solidFill>
+                <a:latin typeface="+mn-lt"/>
+                <a:ea typeface="+mn-ea"/>
+                <a:cs typeface="+mn-cs"/>
+              </a:defRPr>
+            </a:lvl6pPr>
+            <a:lvl7pPr marL="2743200" algn="l" defTabSz="914400" rtl="0" eaLnBrk="1" latinLnBrk="0" hangingPunct="1">
+              <a:defRPr sz="1800" kern="1200">
+                <a:solidFill>
+                  <a:schemeClr val="lt1"/>
+                </a:solidFill>
+                <a:latin typeface="+mn-lt"/>
+                <a:ea typeface="+mn-ea"/>
+                <a:cs typeface="+mn-cs"/>
+              </a:defRPr>
+            </a:lvl7pPr>
+            <a:lvl8pPr marL="3200400" algn="l" defTabSz="914400" rtl="0" eaLnBrk="1" latinLnBrk="0" hangingPunct="1">
+              <a:defRPr sz="1800" kern="1200">
+                <a:solidFill>
+                  <a:schemeClr val="lt1"/>
+                </a:solidFill>
+                <a:latin typeface="+mn-lt"/>
+                <a:ea typeface="+mn-ea"/>
+                <a:cs typeface="+mn-cs"/>
+              </a:defRPr>
+            </a:lvl8pPr>
+            <a:lvl9pPr marL="3657600" algn="l" defTabSz="914400" rtl="0" eaLnBrk="1" latinLnBrk="0" hangingPunct="1">
+              <a:defRPr sz="1800" kern="1200">
+                <a:solidFill>
+                  <a:schemeClr val="lt1"/>
+                </a:solidFill>
+                <a:latin typeface="+mn-lt"/>
+                <a:ea typeface="+mn-ea"/>
+                <a:cs typeface="+mn-cs"/>
+              </a:defRPr>
+            </a:lvl9pPr>
+          </a:lstStyle>
+          <a:p>
+            <a:pPr algn="ctr"/>
+            <a:r>
+              <a:rPr lang="en-US" sz="5400" dirty="0">
+                <a:solidFill>
+                  <a:schemeClr val="accent4"/>
+                </a:solidFill>
+              </a:rPr>
+              <a:t>A</a:t>
+            </a:r>
+            <a:endParaRPr lang="en-PH" sz="5400" dirty="0">
+              <a:solidFill>
+                <a:schemeClr val="accent4"/>
+              </a:solidFill>
+            </a:endParaRPr>
+          </a:p>
+        </p:txBody>
+      </p:sp>
     </p:spTree>
     <p:extLst>
       <p:ext uri="{BB962C8B-B14F-4D97-AF65-F5344CB8AC3E}">
-        <p14:creationId xmlns:p14="http://schemas.microsoft.com/office/powerpoint/2010/main" val="2341419609"/>
+        <p14:creationId xmlns:p14="http://schemas.microsoft.com/office/powerpoint/2010/main" val="591485897"/>
       </p:ext>
     </p:extLst>
   </p:cSld>
